--- a/inst/logo/wavess-logo.pptx
+++ b/inst/logo/wavess-logo.pptx
@@ -104,6 +104,11 @@
       </a:defRPr>
     </a:lvl9pPr>
   </p:defaultTextStyle>
+  <p:extLst>
+    <p:ext uri="{EFAFB233-063F-42B5-8137-9DF3F51BA10A}">
+      <p15:sldGuideLst xmlns:p15="http://schemas.microsoft.com/office/powerpoint/2012/main"/>
+    </p:ext>
+  </p:extLst>
 </p:presentation>
 </file>
 
@@ -702,7 +707,7 @@
           <a:p>
             <a:fld id="{A205638E-71CB-374F-AB46-795263EF19A7}" type="datetimeFigureOut">
               <a:rPr lang="en-US" smtClean="0"/>
-              <a:t>9/19/24</a:t>
+              <a:t>10/29/24</a:t>
             </a:fld>
             <a:endParaRPr lang="en-US"/>
           </a:p>
@@ -900,7 +905,7 @@
           <a:p>
             <a:fld id="{A205638E-71CB-374F-AB46-795263EF19A7}" type="datetimeFigureOut">
               <a:rPr lang="en-US" smtClean="0"/>
-              <a:t>9/19/24</a:t>
+              <a:t>10/29/24</a:t>
             </a:fld>
             <a:endParaRPr lang="en-US"/>
           </a:p>
@@ -1108,7 +1113,7 @@
           <a:p>
             <a:fld id="{A205638E-71CB-374F-AB46-795263EF19A7}" type="datetimeFigureOut">
               <a:rPr lang="en-US" smtClean="0"/>
-              <a:t>9/19/24</a:t>
+              <a:t>10/29/24</a:t>
             </a:fld>
             <a:endParaRPr lang="en-US"/>
           </a:p>
@@ -1306,7 +1311,7 @@
           <a:p>
             <a:fld id="{A205638E-71CB-374F-AB46-795263EF19A7}" type="datetimeFigureOut">
               <a:rPr lang="en-US" smtClean="0"/>
-              <a:t>9/19/24</a:t>
+              <a:t>10/29/24</a:t>
             </a:fld>
             <a:endParaRPr lang="en-US"/>
           </a:p>
@@ -1581,7 +1586,7 @@
           <a:p>
             <a:fld id="{A205638E-71CB-374F-AB46-795263EF19A7}" type="datetimeFigureOut">
               <a:rPr lang="en-US" smtClean="0"/>
-              <a:t>9/19/24</a:t>
+              <a:t>10/29/24</a:t>
             </a:fld>
             <a:endParaRPr lang="en-US"/>
           </a:p>
@@ -1846,7 +1851,7 @@
           <a:p>
             <a:fld id="{A205638E-71CB-374F-AB46-795263EF19A7}" type="datetimeFigureOut">
               <a:rPr lang="en-US" smtClean="0"/>
-              <a:t>9/19/24</a:t>
+              <a:t>10/29/24</a:t>
             </a:fld>
             <a:endParaRPr lang="en-US"/>
           </a:p>
@@ -2258,7 +2263,7 @@
           <a:p>
             <a:fld id="{A205638E-71CB-374F-AB46-795263EF19A7}" type="datetimeFigureOut">
               <a:rPr lang="en-US" smtClean="0"/>
-              <a:t>9/19/24</a:t>
+              <a:t>10/29/24</a:t>
             </a:fld>
             <a:endParaRPr lang="en-US"/>
           </a:p>
@@ -2399,7 +2404,7 @@
           <a:p>
             <a:fld id="{A205638E-71CB-374F-AB46-795263EF19A7}" type="datetimeFigureOut">
               <a:rPr lang="en-US" smtClean="0"/>
-              <a:t>9/19/24</a:t>
+              <a:t>10/29/24</a:t>
             </a:fld>
             <a:endParaRPr lang="en-US"/>
           </a:p>
@@ -2512,7 +2517,7 @@
           <a:p>
             <a:fld id="{A205638E-71CB-374F-AB46-795263EF19A7}" type="datetimeFigureOut">
               <a:rPr lang="en-US" smtClean="0"/>
-              <a:t>9/19/24</a:t>
+              <a:t>10/29/24</a:t>
             </a:fld>
             <a:endParaRPr lang="en-US"/>
           </a:p>
@@ -2823,7 +2828,7 @@
           <a:p>
             <a:fld id="{A205638E-71CB-374F-AB46-795263EF19A7}" type="datetimeFigureOut">
               <a:rPr lang="en-US" smtClean="0"/>
-              <a:t>9/19/24</a:t>
+              <a:t>10/29/24</a:t>
             </a:fld>
             <a:endParaRPr lang="en-US"/>
           </a:p>
@@ -3111,7 +3116,7 @@
           <a:p>
             <a:fld id="{A205638E-71CB-374F-AB46-795263EF19A7}" type="datetimeFigureOut">
               <a:rPr lang="en-US" smtClean="0"/>
-              <a:t>9/19/24</a:t>
+              <a:t>10/29/24</a:t>
             </a:fld>
             <a:endParaRPr lang="en-US"/>
           </a:p>
@@ -3352,7 +3357,7 @@
           <a:p>
             <a:fld id="{A205638E-71CB-374F-AB46-795263EF19A7}" type="datetimeFigureOut">
               <a:rPr lang="en-US" smtClean="0"/>
-              <a:t>9/19/24</a:t>
+              <a:t>10/29/24</a:t>
             </a:fld>
             <a:endParaRPr lang="en-US"/>
           </a:p>
@@ -5316,8 +5321,8 @@
           </a:prstGeom>
         </p:spPr>
       </p:pic>
-      <mc:AlternateContent xmlns:mc="http://schemas.openxmlformats.org/markup-compatibility/2006">
-        <mc:Choice xmlns:p14="http://schemas.microsoft.com/office/powerpoint/2010/main" Requires="p14">
+      <mc:AlternateContent xmlns:mc="http://schemas.openxmlformats.org/markup-compatibility/2006" xmlns:p14="http://schemas.microsoft.com/office/powerpoint/2010/main">
+        <mc:Choice Requires="p14">
           <p:contentPart p14:bwMode="auto" r:id="rId4">
             <p14:nvContentPartPr>
               <p14:cNvPr id="60" name="Ink 59">
@@ -5336,7 +5341,7 @@
             </p14:xfrm>
           </p:contentPart>
         </mc:Choice>
-        <mc:Fallback>
+        <mc:Fallback xmlns="">
           <p:pic>
             <p:nvPicPr>
               <p:cNvPr id="60" name="Ink 59">
@@ -5367,8 +5372,8 @@
           </p:pic>
         </mc:Fallback>
       </mc:AlternateContent>
-      <mc:AlternateContent xmlns:mc="http://schemas.openxmlformats.org/markup-compatibility/2006">
-        <mc:Choice xmlns:p14="http://schemas.microsoft.com/office/powerpoint/2010/main" Requires="p14">
+      <mc:AlternateContent xmlns:mc="http://schemas.openxmlformats.org/markup-compatibility/2006" xmlns:p14="http://schemas.microsoft.com/office/powerpoint/2010/main">
+        <mc:Choice Requires="p14">
           <p:contentPart p14:bwMode="auto" r:id="rId6">
             <p14:nvContentPartPr>
               <p14:cNvPr id="61" name="Ink 60">
@@ -5387,7 +5392,7 @@
             </p14:xfrm>
           </p:contentPart>
         </mc:Choice>
-        <mc:Fallback>
+        <mc:Fallback xmlns="">
           <p:pic>
             <p:nvPicPr>
               <p:cNvPr id="61" name="Ink 60">
@@ -5418,8 +5423,8 @@
           </p:pic>
         </mc:Fallback>
       </mc:AlternateContent>
-      <mc:AlternateContent xmlns:mc="http://schemas.openxmlformats.org/markup-compatibility/2006">
-        <mc:Choice xmlns:p14="http://schemas.microsoft.com/office/powerpoint/2010/main" Requires="p14">
+      <mc:AlternateContent xmlns:mc="http://schemas.openxmlformats.org/markup-compatibility/2006" xmlns:p14="http://schemas.microsoft.com/office/powerpoint/2010/main">
+        <mc:Choice Requires="p14">
           <p:contentPart p14:bwMode="auto" r:id="rId8">
             <p14:nvContentPartPr>
               <p14:cNvPr id="66" name="Ink 65">
@@ -5438,7 +5443,7 @@
             </p14:xfrm>
           </p:contentPart>
         </mc:Choice>
-        <mc:Fallback>
+        <mc:Fallback xmlns="">
           <p:pic>
             <p:nvPicPr>
               <p:cNvPr id="66" name="Ink 65">
@@ -5469,8 +5474,8 @@
           </p:pic>
         </mc:Fallback>
       </mc:AlternateContent>
-      <mc:AlternateContent xmlns:mc="http://schemas.openxmlformats.org/markup-compatibility/2006">
-        <mc:Choice xmlns:p14="http://schemas.microsoft.com/office/powerpoint/2010/main" Requires="p14">
+      <mc:AlternateContent xmlns:mc="http://schemas.openxmlformats.org/markup-compatibility/2006" xmlns:p14="http://schemas.microsoft.com/office/powerpoint/2010/main">
+        <mc:Choice Requires="p14">
           <p:contentPart p14:bwMode="auto" r:id="rId10">
             <p14:nvContentPartPr>
               <p14:cNvPr id="73" name="Ink 72">
@@ -5489,7 +5494,7 @@
             </p14:xfrm>
           </p:contentPart>
         </mc:Choice>
-        <mc:Fallback>
+        <mc:Fallback xmlns="">
           <p:pic>
             <p:nvPicPr>
               <p:cNvPr id="73" name="Ink 72">
@@ -5520,8 +5525,8 @@
           </p:pic>
         </mc:Fallback>
       </mc:AlternateContent>
-      <mc:AlternateContent xmlns:mc="http://schemas.openxmlformats.org/markup-compatibility/2006">
-        <mc:Choice xmlns:p14="http://schemas.microsoft.com/office/powerpoint/2010/main" Requires="p14">
+      <mc:AlternateContent xmlns:mc="http://schemas.openxmlformats.org/markup-compatibility/2006" xmlns:p14="http://schemas.microsoft.com/office/powerpoint/2010/main">
+        <mc:Choice Requires="p14">
           <p:contentPart p14:bwMode="auto" r:id="rId12">
             <p14:nvContentPartPr>
               <p14:cNvPr id="81" name="Ink 80">
@@ -5540,7 +5545,7 @@
             </p14:xfrm>
           </p:contentPart>
         </mc:Choice>
-        <mc:Fallback>
+        <mc:Fallback xmlns="">
           <p:pic>
             <p:nvPicPr>
               <p:cNvPr id="81" name="Ink 80">
@@ -5591,8 +5596,8 @@
             <a:chExt cx="754200" cy="142200"/>
           </a:xfrm>
         </p:grpSpPr>
-        <mc:AlternateContent xmlns:mc="http://schemas.openxmlformats.org/markup-compatibility/2006">
-          <mc:Choice xmlns:p14="http://schemas.microsoft.com/office/powerpoint/2010/main" Requires="p14">
+        <mc:AlternateContent xmlns:mc="http://schemas.openxmlformats.org/markup-compatibility/2006" xmlns:p14="http://schemas.microsoft.com/office/powerpoint/2010/main">
+          <mc:Choice Requires="p14">
             <p:contentPart p14:bwMode="auto" r:id="rId14">
               <p14:nvContentPartPr>
                 <p14:cNvPr id="74" name="Ink 73">
@@ -5611,7 +5616,7 @@
               </p14:xfrm>
             </p:contentPart>
           </mc:Choice>
-          <mc:Fallback>
+          <mc:Fallback xmlns="">
             <p:pic>
               <p:nvPicPr>
                 <p:cNvPr id="74" name="Ink 73">
@@ -5642,8 +5647,8 @@
             </p:pic>
           </mc:Fallback>
         </mc:AlternateContent>
-        <mc:AlternateContent xmlns:mc="http://schemas.openxmlformats.org/markup-compatibility/2006">
-          <mc:Choice xmlns:p14="http://schemas.microsoft.com/office/powerpoint/2010/main" Requires="p14">
+        <mc:AlternateContent xmlns:mc="http://schemas.openxmlformats.org/markup-compatibility/2006" xmlns:p14="http://schemas.microsoft.com/office/powerpoint/2010/main">
+          <mc:Choice Requires="p14">
             <p:contentPart p14:bwMode="auto" r:id="rId16">
               <p14:nvContentPartPr>
                 <p14:cNvPr id="75" name="Ink 74">
@@ -5662,7 +5667,7 @@
               </p14:xfrm>
             </p:contentPart>
           </mc:Choice>
-          <mc:Fallback>
+          <mc:Fallback xmlns="">
             <p:pic>
               <p:nvPicPr>
                 <p:cNvPr id="75" name="Ink 74">
@@ -5693,8 +5698,8 @@
             </p:pic>
           </mc:Fallback>
         </mc:AlternateContent>
-        <mc:AlternateContent xmlns:mc="http://schemas.openxmlformats.org/markup-compatibility/2006">
-          <mc:Choice xmlns:p14="http://schemas.microsoft.com/office/powerpoint/2010/main" Requires="p14">
+        <mc:AlternateContent xmlns:mc="http://schemas.openxmlformats.org/markup-compatibility/2006" xmlns:p14="http://schemas.microsoft.com/office/powerpoint/2010/main">
+          <mc:Choice Requires="p14">
             <p:contentPart p14:bwMode="auto" r:id="rId18">
               <p14:nvContentPartPr>
                 <p14:cNvPr id="78" name="Ink 77">
@@ -5713,7 +5718,7 @@
               </p14:xfrm>
             </p:contentPart>
           </mc:Choice>
-          <mc:Fallback>
+          <mc:Fallback xmlns="">
             <p:pic>
               <p:nvPicPr>
                 <p:cNvPr id="78" name="Ink 77">
@@ -5744,8 +5749,8 @@
             </p:pic>
           </mc:Fallback>
         </mc:AlternateContent>
-        <mc:AlternateContent xmlns:mc="http://schemas.openxmlformats.org/markup-compatibility/2006">
-          <mc:Choice xmlns:p14="http://schemas.microsoft.com/office/powerpoint/2010/main" Requires="p14">
+        <mc:AlternateContent xmlns:mc="http://schemas.openxmlformats.org/markup-compatibility/2006" xmlns:p14="http://schemas.microsoft.com/office/powerpoint/2010/main">
+          <mc:Choice Requires="p14">
             <p:contentPart p14:bwMode="auto" r:id="rId20">
               <p14:nvContentPartPr>
                 <p14:cNvPr id="84" name="Ink 83">
@@ -5764,7 +5769,7 @@
               </p14:xfrm>
             </p:contentPart>
           </mc:Choice>
-          <mc:Fallback>
+          <mc:Fallback xmlns="">
             <p:pic>
               <p:nvPicPr>
                 <p:cNvPr id="84" name="Ink 83">
@@ -5816,8 +5821,8 @@
             <a:chExt cx="353880" cy="174600"/>
           </a:xfrm>
         </p:grpSpPr>
-        <mc:AlternateContent xmlns:mc="http://schemas.openxmlformats.org/markup-compatibility/2006">
-          <mc:Choice xmlns:p14="http://schemas.microsoft.com/office/powerpoint/2010/main" Requires="p14">
+        <mc:AlternateContent xmlns:mc="http://schemas.openxmlformats.org/markup-compatibility/2006" xmlns:p14="http://schemas.microsoft.com/office/powerpoint/2010/main">
+          <mc:Choice Requires="p14">
             <p:contentPart p14:bwMode="auto" r:id="rId22">
               <p14:nvContentPartPr>
                 <p14:cNvPr id="62" name="Ink 61">
@@ -5836,7 +5841,7 @@
               </p14:xfrm>
             </p:contentPart>
           </mc:Choice>
-          <mc:Fallback>
+          <mc:Fallback xmlns="">
             <p:pic>
               <p:nvPicPr>
                 <p:cNvPr id="62" name="Ink 61">
@@ -5867,8 +5872,8 @@
             </p:pic>
           </mc:Fallback>
         </mc:AlternateContent>
-        <mc:AlternateContent xmlns:mc="http://schemas.openxmlformats.org/markup-compatibility/2006">
-          <mc:Choice xmlns:p14="http://schemas.microsoft.com/office/powerpoint/2010/main" Requires="p14">
+        <mc:AlternateContent xmlns:mc="http://schemas.openxmlformats.org/markup-compatibility/2006" xmlns:p14="http://schemas.microsoft.com/office/powerpoint/2010/main">
+          <mc:Choice Requires="p14">
             <p:contentPart p14:bwMode="auto" r:id="rId24">
               <p14:nvContentPartPr>
                 <p14:cNvPr id="63" name="Ink 62">
@@ -5887,7 +5892,7 @@
               </p14:xfrm>
             </p:contentPart>
           </mc:Choice>
-          <mc:Fallback>
+          <mc:Fallback xmlns="">
             <p:pic>
               <p:nvPicPr>
                 <p:cNvPr id="63" name="Ink 62">
@@ -5918,8 +5923,8 @@
             </p:pic>
           </mc:Fallback>
         </mc:AlternateContent>
-        <mc:AlternateContent xmlns:mc="http://schemas.openxmlformats.org/markup-compatibility/2006">
-          <mc:Choice xmlns:p14="http://schemas.microsoft.com/office/powerpoint/2010/main" Requires="p14">
+        <mc:AlternateContent xmlns:mc="http://schemas.openxmlformats.org/markup-compatibility/2006" xmlns:p14="http://schemas.microsoft.com/office/powerpoint/2010/main">
+          <mc:Choice Requires="p14">
             <p:contentPart p14:bwMode="auto" r:id="rId26">
               <p14:nvContentPartPr>
                 <p14:cNvPr id="87" name="Ink 86">
@@ -5938,7 +5943,7 @@
               </p14:xfrm>
             </p:contentPart>
           </mc:Choice>
-          <mc:Fallback>
+          <mc:Fallback xmlns="">
             <p:pic>
               <p:nvPicPr>
                 <p:cNvPr id="87" name="Ink 86">
@@ -5970,8 +5975,8 @@
           </mc:Fallback>
         </mc:AlternateContent>
       </p:grpSp>
-      <mc:AlternateContent xmlns:mc="http://schemas.openxmlformats.org/markup-compatibility/2006">
-        <mc:Choice xmlns:p14="http://schemas.microsoft.com/office/powerpoint/2010/main" Requires="p14">
+      <mc:AlternateContent xmlns:mc="http://schemas.openxmlformats.org/markup-compatibility/2006" xmlns:p14="http://schemas.microsoft.com/office/powerpoint/2010/main">
+        <mc:Choice Requires="p14">
           <p:contentPart p14:bwMode="auto" r:id="rId28">
             <p14:nvContentPartPr>
               <p14:cNvPr id="90" name="Ink 89">
@@ -5990,7 +5995,7 @@
             </p14:xfrm>
           </p:contentPart>
         </mc:Choice>
-        <mc:Fallback>
+        <mc:Fallback xmlns="">
           <p:pic>
             <p:nvPicPr>
               <p:cNvPr id="90" name="Ink 89">
@@ -6021,8 +6026,8 @@
           </p:pic>
         </mc:Fallback>
       </mc:AlternateContent>
-      <mc:AlternateContent xmlns:mc="http://schemas.openxmlformats.org/markup-compatibility/2006">
-        <mc:Choice xmlns:p14="http://schemas.microsoft.com/office/powerpoint/2010/main" Requires="p14">
+      <mc:AlternateContent xmlns:mc="http://schemas.openxmlformats.org/markup-compatibility/2006" xmlns:p14="http://schemas.microsoft.com/office/powerpoint/2010/main">
+        <mc:Choice Requires="p14">
           <p:contentPart p14:bwMode="auto" r:id="rId30">
             <p14:nvContentPartPr>
               <p14:cNvPr id="91" name="Ink 90">
@@ -6041,7 +6046,7 @@
             </p14:xfrm>
           </p:contentPart>
         </mc:Choice>
-        <mc:Fallback>
+        <mc:Fallback xmlns="">
           <p:pic>
             <p:nvPicPr>
               <p:cNvPr id="91" name="Ink 90">
@@ -6092,8 +6097,8 @@
             <a:chExt cx="72360" cy="339120"/>
           </a:xfrm>
         </p:grpSpPr>
-        <mc:AlternateContent xmlns:mc="http://schemas.openxmlformats.org/markup-compatibility/2006">
-          <mc:Choice xmlns:p14="http://schemas.microsoft.com/office/powerpoint/2010/main" Requires="p14">
+        <mc:AlternateContent xmlns:mc="http://schemas.openxmlformats.org/markup-compatibility/2006" xmlns:p14="http://schemas.microsoft.com/office/powerpoint/2010/main">
+          <mc:Choice Requires="p14">
             <p:contentPart p14:bwMode="auto" r:id="rId32">
               <p14:nvContentPartPr>
                 <p14:cNvPr id="92" name="Ink 91">
@@ -6112,7 +6117,7 @@
               </p14:xfrm>
             </p:contentPart>
           </mc:Choice>
-          <mc:Fallback>
+          <mc:Fallback xmlns="">
             <p:pic>
               <p:nvPicPr>
                 <p:cNvPr id="92" name="Ink 91">
@@ -6143,8 +6148,8 @@
             </p:pic>
           </mc:Fallback>
         </mc:AlternateContent>
-        <mc:AlternateContent xmlns:mc="http://schemas.openxmlformats.org/markup-compatibility/2006">
-          <mc:Choice xmlns:p14="http://schemas.microsoft.com/office/powerpoint/2010/main" Requires="p14">
+        <mc:AlternateContent xmlns:mc="http://schemas.openxmlformats.org/markup-compatibility/2006" xmlns:p14="http://schemas.microsoft.com/office/powerpoint/2010/main">
+          <mc:Choice Requires="p14">
             <p:contentPart p14:bwMode="auto" r:id="rId34">
               <p14:nvContentPartPr>
                 <p14:cNvPr id="93" name="Ink 92">
@@ -6163,7 +6168,7 @@
               </p14:xfrm>
             </p:contentPart>
           </mc:Choice>
-          <mc:Fallback>
+          <mc:Fallback xmlns="">
             <p:pic>
               <p:nvPicPr>
                 <p:cNvPr id="93" name="Ink 92">
@@ -6209,7 +6214,7 @@
         </p:nvSpPr>
         <p:spPr>
           <a:xfrm>
-            <a:off x="4541920" y="1122253"/>
+            <a:off x="4738870" y="1100873"/>
             <a:ext cx="2396810" cy="830997"/>
           </a:xfrm>
           <a:prstGeom prst="rect">

--- a/inst/logo/wavess-logo.pptx
+++ b/inst/logo/wavess-logo.pptx
@@ -2,18 +2,21 @@
 <file path=ppt/presentation.xml><?xml version="1.0" encoding="utf-8"?>
 <p:presentation xmlns:a="http://schemas.openxmlformats.org/drawingml/2006/main" xmlns:r="http://schemas.openxmlformats.org/officeDocument/2006/relationships" xmlns:p="http://schemas.openxmlformats.org/presentationml/2006/main" saveSubsetFonts="1" autoCompressPictures="0">
   <p:sldMasterIdLst>
-    <p:sldMasterId id="2147483648" r:id="rId1"/>
+    <p:sldMasterId id="2147483660" r:id="rId1"/>
   </p:sldMasterIdLst>
+  <p:notesMasterIdLst>
+    <p:notesMasterId r:id="rId3"/>
+  </p:notesMasterIdLst>
   <p:sldIdLst>
     <p:sldId id="256" r:id="rId2"/>
   </p:sldIdLst>
-  <p:sldSz cx="12192000" cy="6858000"/>
+  <p:sldSz cx="4572000" cy="4572000"/>
   <p:notesSz cx="6858000" cy="9144000"/>
   <p:defaultTextStyle>
     <a:defPPr>
       <a:defRPr lang="en-US"/>
     </a:defPPr>
-    <a:lvl1pPr marL="0" algn="l" defTabSz="914400" rtl="0" eaLnBrk="1" latinLnBrk="0" hangingPunct="1">
+    <a:lvl1pPr marL="0" algn="l" defTabSz="457200" rtl="0" eaLnBrk="1" latinLnBrk="0" hangingPunct="1">
       <a:defRPr sz="1800" kern="1200">
         <a:solidFill>
           <a:schemeClr val="tx1"/>
@@ -23,7 +26,7 @@
         <a:cs typeface="+mn-cs"/>
       </a:defRPr>
     </a:lvl1pPr>
-    <a:lvl2pPr marL="457200" algn="l" defTabSz="914400" rtl="0" eaLnBrk="1" latinLnBrk="0" hangingPunct="1">
+    <a:lvl2pPr marL="457200" algn="l" defTabSz="457200" rtl="0" eaLnBrk="1" latinLnBrk="0" hangingPunct="1">
       <a:defRPr sz="1800" kern="1200">
         <a:solidFill>
           <a:schemeClr val="tx1"/>
@@ -33,7 +36,7 @@
         <a:cs typeface="+mn-cs"/>
       </a:defRPr>
     </a:lvl2pPr>
-    <a:lvl3pPr marL="914400" algn="l" defTabSz="914400" rtl="0" eaLnBrk="1" latinLnBrk="0" hangingPunct="1">
+    <a:lvl3pPr marL="914400" algn="l" defTabSz="457200" rtl="0" eaLnBrk="1" latinLnBrk="0" hangingPunct="1">
       <a:defRPr sz="1800" kern="1200">
         <a:solidFill>
           <a:schemeClr val="tx1"/>
@@ -43,7 +46,7 @@
         <a:cs typeface="+mn-cs"/>
       </a:defRPr>
     </a:lvl3pPr>
-    <a:lvl4pPr marL="1371600" algn="l" defTabSz="914400" rtl="0" eaLnBrk="1" latinLnBrk="0" hangingPunct="1">
+    <a:lvl4pPr marL="1371600" algn="l" defTabSz="457200" rtl="0" eaLnBrk="1" latinLnBrk="0" hangingPunct="1">
       <a:defRPr sz="1800" kern="1200">
         <a:solidFill>
           <a:schemeClr val="tx1"/>
@@ -53,7 +56,7 @@
         <a:cs typeface="+mn-cs"/>
       </a:defRPr>
     </a:lvl4pPr>
-    <a:lvl5pPr marL="1828800" algn="l" defTabSz="914400" rtl="0" eaLnBrk="1" latinLnBrk="0" hangingPunct="1">
+    <a:lvl5pPr marL="1828800" algn="l" defTabSz="457200" rtl="0" eaLnBrk="1" latinLnBrk="0" hangingPunct="1">
       <a:defRPr sz="1800" kern="1200">
         <a:solidFill>
           <a:schemeClr val="tx1"/>
@@ -63,7 +66,7 @@
         <a:cs typeface="+mn-cs"/>
       </a:defRPr>
     </a:lvl5pPr>
-    <a:lvl6pPr marL="2286000" algn="l" defTabSz="914400" rtl="0" eaLnBrk="1" latinLnBrk="0" hangingPunct="1">
+    <a:lvl6pPr marL="2286000" algn="l" defTabSz="457200" rtl="0" eaLnBrk="1" latinLnBrk="0" hangingPunct="1">
       <a:defRPr sz="1800" kern="1200">
         <a:solidFill>
           <a:schemeClr val="tx1"/>
@@ -73,7 +76,7 @@
         <a:cs typeface="+mn-cs"/>
       </a:defRPr>
     </a:lvl6pPr>
-    <a:lvl7pPr marL="2743200" algn="l" defTabSz="914400" rtl="0" eaLnBrk="1" latinLnBrk="0" hangingPunct="1">
+    <a:lvl7pPr marL="2743200" algn="l" defTabSz="457200" rtl="0" eaLnBrk="1" latinLnBrk="0" hangingPunct="1">
       <a:defRPr sz="1800" kern="1200">
         <a:solidFill>
           <a:schemeClr val="tx1"/>
@@ -83,7 +86,7 @@
         <a:cs typeface="+mn-cs"/>
       </a:defRPr>
     </a:lvl7pPr>
-    <a:lvl8pPr marL="3200400" algn="l" defTabSz="914400" rtl="0" eaLnBrk="1" latinLnBrk="0" hangingPunct="1">
+    <a:lvl8pPr marL="3200400" algn="l" defTabSz="457200" rtl="0" eaLnBrk="1" latinLnBrk="0" hangingPunct="1">
       <a:defRPr sz="1800" kern="1200">
         <a:solidFill>
           <a:schemeClr val="tx1"/>
@@ -93,7 +96,7 @@
         <a:cs typeface="+mn-cs"/>
       </a:defRPr>
     </a:lvl8pPr>
-    <a:lvl9pPr marL="3657600" algn="l" defTabSz="914400" rtl="0" eaLnBrk="1" latinLnBrk="0" hangingPunct="1">
+    <a:lvl9pPr marL="3657600" algn="l" defTabSz="457200" rtl="0" eaLnBrk="1" latinLnBrk="0" hangingPunct="1">
       <a:defRPr sz="1800" kern="1200">
         <a:solidFill>
           <a:schemeClr val="tx1"/>
@@ -560,6 +563,439 @@
 </inkml:ink>
 </file>
 
+<file path=ppt/notesMasters/notesMaster1.xml><?xml version="1.0" encoding="utf-8"?>
+<p:notesMaster xmlns:a="http://schemas.openxmlformats.org/drawingml/2006/main" xmlns:r="http://schemas.openxmlformats.org/officeDocument/2006/relationships" xmlns:p="http://schemas.openxmlformats.org/presentationml/2006/main">
+  <p:cSld>
+    <p:bg>
+      <p:bgRef idx="1001">
+        <a:schemeClr val="bg1"/>
+      </p:bgRef>
+    </p:bg>
+    <p:spTree>
+      <p:nvGrpSpPr>
+        <p:cNvPr id="1" name=""/>
+        <p:cNvGrpSpPr/>
+        <p:nvPr/>
+      </p:nvGrpSpPr>
+      <p:grpSpPr>
+        <a:xfrm>
+          <a:off x="0" y="0"/>
+          <a:ext cx="0" cy="0"/>
+          <a:chOff x="0" y="0"/>
+          <a:chExt cx="0" cy="0"/>
+        </a:xfrm>
+      </p:grpSpPr>
+      <p:sp>
+        <p:nvSpPr>
+          <p:cNvPr id="2" name="Header Placeholder 1"/>
+          <p:cNvSpPr>
+            <a:spLocks noGrp="1"/>
+          </p:cNvSpPr>
+          <p:nvPr>
+            <p:ph type="hdr" sz="quarter"/>
+          </p:nvPr>
+        </p:nvSpPr>
+        <p:spPr>
+          <a:xfrm>
+            <a:off x="0" y="0"/>
+            <a:ext cx="2971800" cy="458788"/>
+          </a:xfrm>
+          <a:prstGeom prst="rect">
+            <a:avLst/>
+          </a:prstGeom>
+        </p:spPr>
+        <p:txBody>
+          <a:bodyPr vert="horz" lIns="91440" tIns="45720" rIns="91440" bIns="45720" rtlCol="0"/>
+          <a:lstStyle>
+            <a:lvl1pPr algn="l">
+              <a:defRPr sz="1200"/>
+            </a:lvl1pPr>
+          </a:lstStyle>
+          <a:p>
+            <a:endParaRPr lang="en-US"/>
+          </a:p>
+        </p:txBody>
+      </p:sp>
+      <p:sp>
+        <p:nvSpPr>
+          <p:cNvPr id="3" name="Date Placeholder 2"/>
+          <p:cNvSpPr>
+            <a:spLocks noGrp="1"/>
+          </p:cNvSpPr>
+          <p:nvPr>
+            <p:ph type="dt" idx="1"/>
+          </p:nvPr>
+        </p:nvSpPr>
+        <p:spPr>
+          <a:xfrm>
+            <a:off x="3884613" y="0"/>
+            <a:ext cx="2971800" cy="458788"/>
+          </a:xfrm>
+          <a:prstGeom prst="rect">
+            <a:avLst/>
+          </a:prstGeom>
+        </p:spPr>
+        <p:txBody>
+          <a:bodyPr vert="horz" lIns="91440" tIns="45720" rIns="91440" bIns="45720" rtlCol="0"/>
+          <a:lstStyle>
+            <a:lvl1pPr algn="r">
+              <a:defRPr sz="1200"/>
+            </a:lvl1pPr>
+          </a:lstStyle>
+          <a:p>
+            <a:fld id="{9785E672-0437-0044-9C58-F4053997B9BC}" type="datetimeFigureOut">
+              <a:rPr lang="en-US" smtClean="0"/>
+              <a:t>3/20/25</a:t>
+            </a:fld>
+            <a:endParaRPr lang="en-US"/>
+          </a:p>
+        </p:txBody>
+      </p:sp>
+      <p:sp>
+        <p:nvSpPr>
+          <p:cNvPr id="4" name="Slide Image Placeholder 3"/>
+          <p:cNvSpPr>
+            <a:spLocks noGrp="1" noRot="1" noChangeAspect="1"/>
+          </p:cNvSpPr>
+          <p:nvPr>
+            <p:ph type="sldImg" idx="2"/>
+          </p:nvPr>
+        </p:nvSpPr>
+        <p:spPr>
+          <a:xfrm>
+            <a:off x="1885950" y="1143000"/>
+            <a:ext cx="3086100" cy="3086100"/>
+          </a:xfrm>
+          <a:prstGeom prst="rect">
+            <a:avLst/>
+          </a:prstGeom>
+          <a:noFill/>
+          <a:ln w="12700">
+            <a:solidFill>
+              <a:prstClr val="black"/>
+            </a:solidFill>
+          </a:ln>
+        </p:spPr>
+        <p:txBody>
+          <a:bodyPr vert="horz" lIns="91440" tIns="45720" rIns="91440" bIns="45720" rtlCol="0" anchor="ctr"/>
+          <a:lstStyle/>
+          <a:p>
+            <a:endParaRPr lang="en-US"/>
+          </a:p>
+        </p:txBody>
+      </p:sp>
+      <p:sp>
+        <p:nvSpPr>
+          <p:cNvPr id="5" name="Notes Placeholder 4"/>
+          <p:cNvSpPr>
+            <a:spLocks noGrp="1"/>
+          </p:cNvSpPr>
+          <p:nvPr>
+            <p:ph type="body" sz="quarter" idx="3"/>
+          </p:nvPr>
+        </p:nvSpPr>
+        <p:spPr>
+          <a:xfrm>
+            <a:off x="685800" y="4400550"/>
+            <a:ext cx="5486400" cy="3600450"/>
+          </a:xfrm>
+          <a:prstGeom prst="rect">
+            <a:avLst/>
+          </a:prstGeom>
+        </p:spPr>
+        <p:txBody>
+          <a:bodyPr vert="horz" lIns="91440" tIns="45720" rIns="91440" bIns="45720" rtlCol="0"/>
+          <a:lstStyle/>
+          <a:p>
+            <a:pPr lvl="0"/>
+            <a:r>
+              <a:rPr lang="en-US"/>
+              <a:t>Click to edit Master text styles</a:t>
+            </a:r>
+          </a:p>
+          <a:p>
+            <a:pPr lvl="1"/>
+            <a:r>
+              <a:rPr lang="en-US"/>
+              <a:t>Second level</a:t>
+            </a:r>
+          </a:p>
+          <a:p>
+            <a:pPr lvl="2"/>
+            <a:r>
+              <a:rPr lang="en-US"/>
+              <a:t>Third level</a:t>
+            </a:r>
+          </a:p>
+          <a:p>
+            <a:pPr lvl="3"/>
+            <a:r>
+              <a:rPr lang="en-US"/>
+              <a:t>Fourth level</a:t>
+            </a:r>
+          </a:p>
+          <a:p>
+            <a:pPr lvl="4"/>
+            <a:r>
+              <a:rPr lang="en-US"/>
+              <a:t>Fifth level</a:t>
+            </a:r>
+          </a:p>
+        </p:txBody>
+      </p:sp>
+      <p:sp>
+        <p:nvSpPr>
+          <p:cNvPr id="6" name="Footer Placeholder 5"/>
+          <p:cNvSpPr>
+            <a:spLocks noGrp="1"/>
+          </p:cNvSpPr>
+          <p:nvPr>
+            <p:ph type="ftr" sz="quarter" idx="4"/>
+          </p:nvPr>
+        </p:nvSpPr>
+        <p:spPr>
+          <a:xfrm>
+            <a:off x="0" y="8685213"/>
+            <a:ext cx="2971800" cy="458787"/>
+          </a:xfrm>
+          <a:prstGeom prst="rect">
+            <a:avLst/>
+          </a:prstGeom>
+        </p:spPr>
+        <p:txBody>
+          <a:bodyPr vert="horz" lIns="91440" tIns="45720" rIns="91440" bIns="45720" rtlCol="0" anchor="b"/>
+          <a:lstStyle>
+            <a:lvl1pPr algn="l">
+              <a:defRPr sz="1200"/>
+            </a:lvl1pPr>
+          </a:lstStyle>
+          <a:p>
+            <a:endParaRPr lang="en-US"/>
+          </a:p>
+        </p:txBody>
+      </p:sp>
+      <p:sp>
+        <p:nvSpPr>
+          <p:cNvPr id="7" name="Slide Number Placeholder 6"/>
+          <p:cNvSpPr>
+            <a:spLocks noGrp="1"/>
+          </p:cNvSpPr>
+          <p:nvPr>
+            <p:ph type="sldNum" sz="quarter" idx="5"/>
+          </p:nvPr>
+        </p:nvSpPr>
+        <p:spPr>
+          <a:xfrm>
+            <a:off x="3884613" y="8685213"/>
+            <a:ext cx="2971800" cy="458787"/>
+          </a:xfrm>
+          <a:prstGeom prst="rect">
+            <a:avLst/>
+          </a:prstGeom>
+        </p:spPr>
+        <p:txBody>
+          <a:bodyPr vert="horz" lIns="91440" tIns="45720" rIns="91440" bIns="45720" rtlCol="0" anchor="b"/>
+          <a:lstStyle>
+            <a:lvl1pPr algn="r">
+              <a:defRPr sz="1200"/>
+            </a:lvl1pPr>
+          </a:lstStyle>
+          <a:p>
+            <a:fld id="{EC8240D4-B0AA-094F-A052-4DB453B197BC}" type="slidenum">
+              <a:rPr lang="en-US" smtClean="0"/>
+              <a:t>‹#›</a:t>
+            </a:fld>
+            <a:endParaRPr lang="en-US"/>
+          </a:p>
+        </p:txBody>
+      </p:sp>
+    </p:spTree>
+    <p:extLst>
+      <p:ext uri="{BB962C8B-B14F-4D97-AF65-F5344CB8AC3E}">
+        <p14:creationId xmlns:p14="http://schemas.microsoft.com/office/powerpoint/2010/main" val="1182489252"/>
+      </p:ext>
+    </p:extLst>
+  </p:cSld>
+  <p:clrMap bg1="lt1" tx1="dk1" bg2="lt2" tx2="dk2" accent1="accent1" accent2="accent2" accent3="accent3" accent4="accent4" accent5="accent5" accent6="accent6" hlink="hlink" folHlink="folHlink"/>
+  <p:notesStyle>
+    <a:lvl1pPr marL="0" algn="l" defTabSz="438912" rtl="0" eaLnBrk="1" latinLnBrk="0" hangingPunct="1">
+      <a:defRPr sz="576" kern="1200">
+        <a:solidFill>
+          <a:schemeClr val="tx1"/>
+        </a:solidFill>
+        <a:latin typeface="+mn-lt"/>
+        <a:ea typeface="+mn-ea"/>
+        <a:cs typeface="+mn-cs"/>
+      </a:defRPr>
+    </a:lvl1pPr>
+    <a:lvl2pPr marL="219456" algn="l" defTabSz="438912" rtl="0" eaLnBrk="1" latinLnBrk="0" hangingPunct="1">
+      <a:defRPr sz="576" kern="1200">
+        <a:solidFill>
+          <a:schemeClr val="tx1"/>
+        </a:solidFill>
+        <a:latin typeface="+mn-lt"/>
+        <a:ea typeface="+mn-ea"/>
+        <a:cs typeface="+mn-cs"/>
+      </a:defRPr>
+    </a:lvl2pPr>
+    <a:lvl3pPr marL="438912" algn="l" defTabSz="438912" rtl="0" eaLnBrk="1" latinLnBrk="0" hangingPunct="1">
+      <a:defRPr sz="576" kern="1200">
+        <a:solidFill>
+          <a:schemeClr val="tx1"/>
+        </a:solidFill>
+        <a:latin typeface="+mn-lt"/>
+        <a:ea typeface="+mn-ea"/>
+        <a:cs typeface="+mn-cs"/>
+      </a:defRPr>
+    </a:lvl3pPr>
+    <a:lvl4pPr marL="658368" algn="l" defTabSz="438912" rtl="0" eaLnBrk="1" latinLnBrk="0" hangingPunct="1">
+      <a:defRPr sz="576" kern="1200">
+        <a:solidFill>
+          <a:schemeClr val="tx1"/>
+        </a:solidFill>
+        <a:latin typeface="+mn-lt"/>
+        <a:ea typeface="+mn-ea"/>
+        <a:cs typeface="+mn-cs"/>
+      </a:defRPr>
+    </a:lvl4pPr>
+    <a:lvl5pPr marL="877824" algn="l" defTabSz="438912" rtl="0" eaLnBrk="1" latinLnBrk="0" hangingPunct="1">
+      <a:defRPr sz="576" kern="1200">
+        <a:solidFill>
+          <a:schemeClr val="tx1"/>
+        </a:solidFill>
+        <a:latin typeface="+mn-lt"/>
+        <a:ea typeface="+mn-ea"/>
+        <a:cs typeface="+mn-cs"/>
+      </a:defRPr>
+    </a:lvl5pPr>
+    <a:lvl6pPr marL="1097280" algn="l" defTabSz="438912" rtl="0" eaLnBrk="1" latinLnBrk="0" hangingPunct="1">
+      <a:defRPr sz="576" kern="1200">
+        <a:solidFill>
+          <a:schemeClr val="tx1"/>
+        </a:solidFill>
+        <a:latin typeface="+mn-lt"/>
+        <a:ea typeface="+mn-ea"/>
+        <a:cs typeface="+mn-cs"/>
+      </a:defRPr>
+    </a:lvl6pPr>
+    <a:lvl7pPr marL="1316736" algn="l" defTabSz="438912" rtl="0" eaLnBrk="1" latinLnBrk="0" hangingPunct="1">
+      <a:defRPr sz="576" kern="1200">
+        <a:solidFill>
+          <a:schemeClr val="tx1"/>
+        </a:solidFill>
+        <a:latin typeface="+mn-lt"/>
+        <a:ea typeface="+mn-ea"/>
+        <a:cs typeface="+mn-cs"/>
+      </a:defRPr>
+    </a:lvl7pPr>
+    <a:lvl8pPr marL="1536192" algn="l" defTabSz="438912" rtl="0" eaLnBrk="1" latinLnBrk="0" hangingPunct="1">
+      <a:defRPr sz="576" kern="1200">
+        <a:solidFill>
+          <a:schemeClr val="tx1"/>
+        </a:solidFill>
+        <a:latin typeface="+mn-lt"/>
+        <a:ea typeface="+mn-ea"/>
+        <a:cs typeface="+mn-cs"/>
+      </a:defRPr>
+    </a:lvl8pPr>
+    <a:lvl9pPr marL="1755648" algn="l" defTabSz="438912" rtl="0" eaLnBrk="1" latinLnBrk="0" hangingPunct="1">
+      <a:defRPr sz="576" kern="1200">
+        <a:solidFill>
+          <a:schemeClr val="tx1"/>
+        </a:solidFill>
+        <a:latin typeface="+mn-lt"/>
+        <a:ea typeface="+mn-ea"/>
+        <a:cs typeface="+mn-cs"/>
+      </a:defRPr>
+    </a:lvl9pPr>
+  </p:notesStyle>
+</p:notesMaster>
+</file>
+
+<file path=ppt/notesSlides/notesSlide1.xml><?xml version="1.0" encoding="utf-8"?>
+<p:notes xmlns:a="http://schemas.openxmlformats.org/drawingml/2006/main" xmlns:r="http://schemas.openxmlformats.org/officeDocument/2006/relationships" xmlns:p="http://schemas.openxmlformats.org/presentationml/2006/main">
+  <p:cSld>
+    <p:spTree>
+      <p:nvGrpSpPr>
+        <p:cNvPr id="1" name=""/>
+        <p:cNvGrpSpPr/>
+        <p:nvPr/>
+      </p:nvGrpSpPr>
+      <p:grpSpPr>
+        <a:xfrm>
+          <a:off x="0" y="0"/>
+          <a:ext cx="0" cy="0"/>
+          <a:chOff x="0" y="0"/>
+          <a:chExt cx="0" cy="0"/>
+        </a:xfrm>
+      </p:grpSpPr>
+      <p:sp>
+        <p:nvSpPr>
+          <p:cNvPr id="2" name="Slide Image Placeholder 1"/>
+          <p:cNvSpPr>
+            <a:spLocks noGrp="1" noRot="1" noChangeAspect="1"/>
+          </p:cNvSpPr>
+          <p:nvPr>
+            <p:ph type="sldImg"/>
+          </p:nvPr>
+        </p:nvSpPr>
+        <p:spPr/>
+      </p:sp>
+      <p:sp>
+        <p:nvSpPr>
+          <p:cNvPr id="3" name="Notes Placeholder 2"/>
+          <p:cNvSpPr>
+            <a:spLocks noGrp="1"/>
+          </p:cNvSpPr>
+          <p:nvPr>
+            <p:ph type="body" idx="1"/>
+          </p:nvPr>
+        </p:nvSpPr>
+        <p:spPr/>
+        <p:txBody>
+          <a:bodyPr/>
+          <a:lstStyle/>
+          <a:p>
+            <a:endParaRPr lang="en-US" dirty="0"/>
+          </a:p>
+        </p:txBody>
+      </p:sp>
+      <p:sp>
+        <p:nvSpPr>
+          <p:cNvPr id="4" name="Slide Number Placeholder 3"/>
+          <p:cNvSpPr>
+            <a:spLocks noGrp="1"/>
+          </p:cNvSpPr>
+          <p:nvPr>
+            <p:ph type="sldNum" sz="quarter" idx="5"/>
+          </p:nvPr>
+        </p:nvSpPr>
+        <p:spPr/>
+        <p:txBody>
+          <a:bodyPr/>
+          <a:lstStyle/>
+          <a:p>
+            <a:fld id="{EC8240D4-B0AA-094F-A052-4DB453B197BC}" type="slidenum">
+              <a:rPr lang="en-US" smtClean="0"/>
+              <a:t>1</a:t>
+            </a:fld>
+            <a:endParaRPr lang="en-US"/>
+          </a:p>
+        </p:txBody>
+      </p:sp>
+    </p:spTree>
+    <p:extLst>
+      <p:ext uri="{BB962C8B-B14F-4D97-AF65-F5344CB8AC3E}">
+        <p14:creationId xmlns:p14="http://schemas.microsoft.com/office/powerpoint/2010/main" val="798694116"/>
+      </p:ext>
+    </p:extLst>
+  </p:cSld>
+  <p:clrMapOvr>
+    <a:masterClrMapping/>
+  </p:clrMapOvr>
+</p:notes>
+</file>
+
 <file path=ppt/slideLayouts/slideLayout1.xml><?xml version="1.0" encoding="utf-8"?>
 <p:sldLayout xmlns:a="http://schemas.openxmlformats.org/drawingml/2006/main" xmlns:r="http://schemas.openxmlformats.org/officeDocument/2006/relationships" xmlns:p="http://schemas.openxmlformats.org/presentationml/2006/main" type="title" preserve="1">
   <p:cSld name="Title Slide">
@@ -579,13 +1015,7 @@
       </p:grpSpPr>
       <p:sp>
         <p:nvSpPr>
-          <p:cNvPr id="2" name="Title 1">
-            <a:extLst>
-              <a:ext uri="{FF2B5EF4-FFF2-40B4-BE49-F238E27FC236}">
-                <a16:creationId xmlns:a16="http://schemas.microsoft.com/office/drawing/2014/main" id="{F7D3E4B5-E032-A6A9-742B-A10AB52FC34A}"/>
-              </a:ext>
-            </a:extLst>
-          </p:cNvPr>
+          <p:cNvPr id="2" name="Title 1"/>
           <p:cNvSpPr>
             <a:spLocks noGrp="1"/>
           </p:cNvSpPr>
@@ -595,15 +1025,15 @@
         </p:nvSpPr>
         <p:spPr>
           <a:xfrm>
-            <a:off x="1524000" y="1122363"/>
-            <a:ext cx="9144000" cy="2387600"/>
+            <a:off x="342900" y="748242"/>
+            <a:ext cx="3886200" cy="1591733"/>
           </a:xfrm>
         </p:spPr>
         <p:txBody>
           <a:bodyPr anchor="b"/>
           <a:lstStyle>
             <a:lvl1pPr algn="ctr">
-              <a:defRPr sz="6000"/>
+              <a:defRPr sz="3000"/>
             </a:lvl1pPr>
           </a:lstStyle>
           <a:p>
@@ -611,18 +1041,13 @@
               <a:rPr lang="en-US"/>
               <a:t>Click to edit Master title style</a:t>
             </a:r>
-          </a:p>
-        </p:txBody>
-      </p:sp>
-      <p:sp>
-        <p:nvSpPr>
-          <p:cNvPr id="3" name="Subtitle 2">
-            <a:extLst>
-              <a:ext uri="{FF2B5EF4-FFF2-40B4-BE49-F238E27FC236}">
-                <a16:creationId xmlns:a16="http://schemas.microsoft.com/office/drawing/2014/main" id="{335EA3E8-E5C2-7057-7016-10E12996A2F6}"/>
-              </a:ext>
-            </a:extLst>
-          </p:cNvPr>
+            <a:endParaRPr lang="en-US" dirty="0"/>
+          </a:p>
+        </p:txBody>
+      </p:sp>
+      <p:sp>
+        <p:nvSpPr>
+          <p:cNvPr id="3" name="Subtitle 2"/>
           <p:cNvSpPr>
             <a:spLocks noGrp="1"/>
           </p:cNvSpPr>
@@ -632,8 +1057,8 @@
         </p:nvSpPr>
         <p:spPr>
           <a:xfrm>
-            <a:off x="1524000" y="3602038"/>
-            <a:ext cx="9144000" cy="1655762"/>
+            <a:off x="571500" y="2401359"/>
+            <a:ext cx="3429000" cy="1103841"/>
           </a:xfrm>
         </p:spPr>
         <p:txBody>
@@ -641,39 +1066,39 @@
           <a:lstStyle>
             <a:lvl1pPr marL="0" indent="0" algn="ctr">
               <a:buNone/>
-              <a:defRPr sz="2400"/>
+              <a:defRPr sz="1200"/>
             </a:lvl1pPr>
-            <a:lvl2pPr marL="457200" indent="0" algn="ctr">
+            <a:lvl2pPr marL="228600" indent="0" algn="ctr">
               <a:buNone/>
-              <a:defRPr sz="2000"/>
+              <a:defRPr sz="1000"/>
             </a:lvl2pPr>
-            <a:lvl3pPr marL="914400" indent="0" algn="ctr">
+            <a:lvl3pPr marL="457200" indent="0" algn="ctr">
               <a:buNone/>
-              <a:defRPr sz="1800"/>
+              <a:defRPr sz="900"/>
             </a:lvl3pPr>
-            <a:lvl4pPr marL="1371600" indent="0" algn="ctr">
+            <a:lvl4pPr marL="685800" indent="0" algn="ctr">
               <a:buNone/>
-              <a:defRPr sz="1600"/>
+              <a:defRPr sz="800"/>
             </a:lvl4pPr>
-            <a:lvl5pPr marL="1828800" indent="0" algn="ctr">
+            <a:lvl5pPr marL="914400" indent="0" algn="ctr">
               <a:buNone/>
-              <a:defRPr sz="1600"/>
+              <a:defRPr sz="800"/>
             </a:lvl5pPr>
-            <a:lvl6pPr marL="2286000" indent="0" algn="ctr">
+            <a:lvl6pPr marL="1143000" indent="0" algn="ctr">
               <a:buNone/>
-              <a:defRPr sz="1600"/>
+              <a:defRPr sz="800"/>
             </a:lvl6pPr>
-            <a:lvl7pPr marL="2743200" indent="0" algn="ctr">
+            <a:lvl7pPr marL="1371600" indent="0" algn="ctr">
               <a:buNone/>
-              <a:defRPr sz="1600"/>
+              <a:defRPr sz="800"/>
             </a:lvl7pPr>
-            <a:lvl8pPr marL="3200400" indent="0" algn="ctr">
+            <a:lvl8pPr marL="1600200" indent="0" algn="ctr">
               <a:buNone/>
-              <a:defRPr sz="1600"/>
+              <a:defRPr sz="800"/>
             </a:lvl8pPr>
-            <a:lvl9pPr marL="3657600" indent="0" algn="ctr">
+            <a:lvl9pPr marL="1828800" indent="0" algn="ctr">
               <a:buNone/>
-              <a:defRPr sz="1600"/>
+              <a:defRPr sz="800"/>
             </a:lvl9pPr>
           </a:lstStyle>
           <a:p>
@@ -681,18 +1106,13 @@
               <a:rPr lang="en-US"/>
               <a:t>Click to edit Master subtitle style</a:t>
             </a:r>
-          </a:p>
-        </p:txBody>
-      </p:sp>
-      <p:sp>
-        <p:nvSpPr>
-          <p:cNvPr id="4" name="Date Placeholder 3">
-            <a:extLst>
-              <a:ext uri="{FF2B5EF4-FFF2-40B4-BE49-F238E27FC236}">
-                <a16:creationId xmlns:a16="http://schemas.microsoft.com/office/drawing/2014/main" id="{67F02D4A-0269-A59D-D017-614FD03A4A98}"/>
-              </a:ext>
-            </a:extLst>
-          </p:cNvPr>
+            <a:endParaRPr lang="en-US" dirty="0"/>
+          </a:p>
+        </p:txBody>
+      </p:sp>
+      <p:sp>
+        <p:nvSpPr>
+          <p:cNvPr id="4" name="Date Placeholder 3"/>
           <p:cNvSpPr>
             <a:spLocks noGrp="1"/>
           </p:cNvSpPr>
@@ -707,7 +1127,7 @@
           <a:p>
             <a:fld id="{A205638E-71CB-374F-AB46-795263EF19A7}" type="datetimeFigureOut">
               <a:rPr lang="en-US" smtClean="0"/>
-              <a:t>10/29/24</a:t>
+              <a:t>3/20/25</a:t>
             </a:fld>
             <a:endParaRPr lang="en-US"/>
           </a:p>
@@ -715,13 +1135,7 @@
       </p:sp>
       <p:sp>
         <p:nvSpPr>
-          <p:cNvPr id="5" name="Footer Placeholder 4">
-            <a:extLst>
-              <a:ext uri="{FF2B5EF4-FFF2-40B4-BE49-F238E27FC236}">
-                <a16:creationId xmlns:a16="http://schemas.microsoft.com/office/drawing/2014/main" id="{7543205B-2EBC-5900-48A6-52C5AA7E0DD9}"/>
-              </a:ext>
-            </a:extLst>
-          </p:cNvPr>
+          <p:cNvPr id="5" name="Footer Placeholder 4"/>
           <p:cNvSpPr>
             <a:spLocks noGrp="1"/>
           </p:cNvSpPr>
@@ -740,13 +1154,7 @@
       </p:sp>
       <p:sp>
         <p:nvSpPr>
-          <p:cNvPr id="6" name="Slide Number Placeholder 5">
-            <a:extLst>
-              <a:ext uri="{FF2B5EF4-FFF2-40B4-BE49-F238E27FC236}">
-                <a16:creationId xmlns:a16="http://schemas.microsoft.com/office/drawing/2014/main" id="{3DB5E965-8A1C-BCF2-F090-987A7DA98B3B}"/>
-              </a:ext>
-            </a:extLst>
-          </p:cNvPr>
+          <p:cNvPr id="6" name="Slide Number Placeholder 5"/>
           <p:cNvSpPr>
             <a:spLocks noGrp="1"/>
           </p:cNvSpPr>
@@ -770,7 +1178,7 @@
     </p:spTree>
     <p:extLst>
       <p:ext uri="{BB962C8B-B14F-4D97-AF65-F5344CB8AC3E}">
-        <p14:creationId xmlns:p14="http://schemas.microsoft.com/office/powerpoint/2010/main" val="559505797"/>
+        <p14:creationId xmlns:p14="http://schemas.microsoft.com/office/powerpoint/2010/main" val="2882433659"/>
       </p:ext>
     </p:extLst>
   </p:cSld>
@@ -799,13 +1207,7 @@
       </p:grpSpPr>
       <p:sp>
         <p:nvSpPr>
-          <p:cNvPr id="2" name="Title 1">
-            <a:extLst>
-              <a:ext uri="{FF2B5EF4-FFF2-40B4-BE49-F238E27FC236}">
-                <a16:creationId xmlns:a16="http://schemas.microsoft.com/office/drawing/2014/main" id="{6CFD0D3F-4B3E-7E0E-4B3E-03706F95AF4F}"/>
-              </a:ext>
-            </a:extLst>
-          </p:cNvPr>
+          <p:cNvPr id="2" name="Title 1"/>
           <p:cNvSpPr>
             <a:spLocks noGrp="1"/>
           </p:cNvSpPr>
@@ -822,18 +1224,13 @@
               <a:rPr lang="en-US"/>
               <a:t>Click to edit Master title style</a:t>
             </a:r>
-          </a:p>
-        </p:txBody>
-      </p:sp>
-      <p:sp>
-        <p:nvSpPr>
-          <p:cNvPr id="3" name="Vertical Text Placeholder 2">
-            <a:extLst>
-              <a:ext uri="{FF2B5EF4-FFF2-40B4-BE49-F238E27FC236}">
-                <a16:creationId xmlns:a16="http://schemas.microsoft.com/office/drawing/2014/main" id="{7963A350-A263-7B2E-FF23-79D22B060487}"/>
-              </a:ext>
-            </a:extLst>
-          </p:cNvPr>
+            <a:endParaRPr lang="en-US" dirty="0"/>
+          </a:p>
+        </p:txBody>
+      </p:sp>
+      <p:sp>
+        <p:nvSpPr>
+          <p:cNvPr id="3" name="Vertical Text Placeholder 2"/>
           <p:cNvSpPr>
             <a:spLocks noGrp="1"/>
           </p:cNvSpPr>
@@ -879,18 +1276,13 @@
               <a:rPr lang="en-US"/>
               <a:t>Fifth level</a:t>
             </a:r>
-          </a:p>
-        </p:txBody>
-      </p:sp>
-      <p:sp>
-        <p:nvSpPr>
-          <p:cNvPr id="4" name="Date Placeholder 3">
-            <a:extLst>
-              <a:ext uri="{FF2B5EF4-FFF2-40B4-BE49-F238E27FC236}">
-                <a16:creationId xmlns:a16="http://schemas.microsoft.com/office/drawing/2014/main" id="{DF076EBD-39F0-96BC-7EA8-174137B0A7C1}"/>
-              </a:ext>
-            </a:extLst>
-          </p:cNvPr>
+            <a:endParaRPr lang="en-US" dirty="0"/>
+          </a:p>
+        </p:txBody>
+      </p:sp>
+      <p:sp>
+        <p:nvSpPr>
+          <p:cNvPr id="4" name="Date Placeholder 3"/>
           <p:cNvSpPr>
             <a:spLocks noGrp="1"/>
           </p:cNvSpPr>
@@ -905,7 +1297,7 @@
           <a:p>
             <a:fld id="{A205638E-71CB-374F-AB46-795263EF19A7}" type="datetimeFigureOut">
               <a:rPr lang="en-US" smtClean="0"/>
-              <a:t>10/29/24</a:t>
+              <a:t>3/20/25</a:t>
             </a:fld>
             <a:endParaRPr lang="en-US"/>
           </a:p>
@@ -913,13 +1305,7 @@
       </p:sp>
       <p:sp>
         <p:nvSpPr>
-          <p:cNvPr id="5" name="Footer Placeholder 4">
-            <a:extLst>
-              <a:ext uri="{FF2B5EF4-FFF2-40B4-BE49-F238E27FC236}">
-                <a16:creationId xmlns:a16="http://schemas.microsoft.com/office/drawing/2014/main" id="{25F90539-61BA-761D-8E53-2EE5F4ED74BF}"/>
-              </a:ext>
-            </a:extLst>
-          </p:cNvPr>
+          <p:cNvPr id="5" name="Footer Placeholder 4"/>
           <p:cNvSpPr>
             <a:spLocks noGrp="1"/>
           </p:cNvSpPr>
@@ -938,13 +1324,7 @@
       </p:sp>
       <p:sp>
         <p:nvSpPr>
-          <p:cNvPr id="6" name="Slide Number Placeholder 5">
-            <a:extLst>
-              <a:ext uri="{FF2B5EF4-FFF2-40B4-BE49-F238E27FC236}">
-                <a16:creationId xmlns:a16="http://schemas.microsoft.com/office/drawing/2014/main" id="{607368D8-B744-CD7F-09F0-D167B7A6D6C1}"/>
-              </a:ext>
-            </a:extLst>
-          </p:cNvPr>
+          <p:cNvPr id="6" name="Slide Number Placeholder 5"/>
           <p:cNvSpPr>
             <a:spLocks noGrp="1"/>
           </p:cNvSpPr>
@@ -968,7 +1348,7 @@
     </p:spTree>
     <p:extLst>
       <p:ext uri="{BB962C8B-B14F-4D97-AF65-F5344CB8AC3E}">
-        <p14:creationId xmlns:p14="http://schemas.microsoft.com/office/powerpoint/2010/main" val="1412611906"/>
+        <p14:creationId xmlns:p14="http://schemas.microsoft.com/office/powerpoint/2010/main" val="3960789069"/>
       </p:ext>
     </p:extLst>
   </p:cSld>
@@ -997,13 +1377,7 @@
       </p:grpSpPr>
       <p:sp>
         <p:nvSpPr>
-          <p:cNvPr id="2" name="Vertical Title 1">
-            <a:extLst>
-              <a:ext uri="{FF2B5EF4-FFF2-40B4-BE49-F238E27FC236}">
-                <a16:creationId xmlns:a16="http://schemas.microsoft.com/office/drawing/2014/main" id="{8CB3B8EE-980A-5837-5831-6E47006EA358}"/>
-              </a:ext>
-            </a:extLst>
-          </p:cNvPr>
+          <p:cNvPr id="2" name="Vertical Title 1"/>
           <p:cNvSpPr>
             <a:spLocks noGrp="1"/>
           </p:cNvSpPr>
@@ -1013,8 +1387,8 @@
         </p:nvSpPr>
         <p:spPr>
           <a:xfrm>
-            <a:off x="8724900" y="365125"/>
-            <a:ext cx="2628900" cy="5811838"/>
+            <a:off x="3271838" y="243416"/>
+            <a:ext cx="985838" cy="3874559"/>
           </a:xfrm>
         </p:spPr>
         <p:txBody>
@@ -1025,18 +1399,13 @@
               <a:rPr lang="en-US"/>
               <a:t>Click to edit Master title style</a:t>
             </a:r>
-          </a:p>
-        </p:txBody>
-      </p:sp>
-      <p:sp>
-        <p:nvSpPr>
-          <p:cNvPr id="3" name="Vertical Text Placeholder 2">
-            <a:extLst>
-              <a:ext uri="{FF2B5EF4-FFF2-40B4-BE49-F238E27FC236}">
-                <a16:creationId xmlns:a16="http://schemas.microsoft.com/office/drawing/2014/main" id="{A523980D-8D44-2E84-A32A-18992DE3CDDF}"/>
-              </a:ext>
-            </a:extLst>
-          </p:cNvPr>
+            <a:endParaRPr lang="en-US" dirty="0"/>
+          </a:p>
+        </p:txBody>
+      </p:sp>
+      <p:sp>
+        <p:nvSpPr>
+          <p:cNvPr id="3" name="Vertical Text Placeholder 2"/>
           <p:cNvSpPr>
             <a:spLocks noGrp="1"/>
           </p:cNvSpPr>
@@ -1046,8 +1415,8 @@
         </p:nvSpPr>
         <p:spPr>
           <a:xfrm>
-            <a:off x="838200" y="365125"/>
-            <a:ext cx="7734300" cy="5811838"/>
+            <a:off x="314325" y="243416"/>
+            <a:ext cx="2900363" cy="3874559"/>
           </a:xfrm>
         </p:spPr>
         <p:txBody>
@@ -1087,18 +1456,13 @@
               <a:rPr lang="en-US"/>
               <a:t>Fifth level</a:t>
             </a:r>
-          </a:p>
-        </p:txBody>
-      </p:sp>
-      <p:sp>
-        <p:nvSpPr>
-          <p:cNvPr id="4" name="Date Placeholder 3">
-            <a:extLst>
-              <a:ext uri="{FF2B5EF4-FFF2-40B4-BE49-F238E27FC236}">
-                <a16:creationId xmlns:a16="http://schemas.microsoft.com/office/drawing/2014/main" id="{25593A6D-C356-0257-5193-5E0D5A3EF2DA}"/>
-              </a:ext>
-            </a:extLst>
-          </p:cNvPr>
+            <a:endParaRPr lang="en-US" dirty="0"/>
+          </a:p>
+        </p:txBody>
+      </p:sp>
+      <p:sp>
+        <p:nvSpPr>
+          <p:cNvPr id="4" name="Date Placeholder 3"/>
           <p:cNvSpPr>
             <a:spLocks noGrp="1"/>
           </p:cNvSpPr>
@@ -1113,7 +1477,7 @@
           <a:p>
             <a:fld id="{A205638E-71CB-374F-AB46-795263EF19A7}" type="datetimeFigureOut">
               <a:rPr lang="en-US" smtClean="0"/>
-              <a:t>10/29/24</a:t>
+              <a:t>3/20/25</a:t>
             </a:fld>
             <a:endParaRPr lang="en-US"/>
           </a:p>
@@ -1121,13 +1485,7 @@
       </p:sp>
       <p:sp>
         <p:nvSpPr>
-          <p:cNvPr id="5" name="Footer Placeholder 4">
-            <a:extLst>
-              <a:ext uri="{FF2B5EF4-FFF2-40B4-BE49-F238E27FC236}">
-                <a16:creationId xmlns:a16="http://schemas.microsoft.com/office/drawing/2014/main" id="{2B89A365-44C7-0912-9142-70AAAC091407}"/>
-              </a:ext>
-            </a:extLst>
-          </p:cNvPr>
+          <p:cNvPr id="5" name="Footer Placeholder 4"/>
           <p:cNvSpPr>
             <a:spLocks noGrp="1"/>
           </p:cNvSpPr>
@@ -1146,13 +1504,7 @@
       </p:sp>
       <p:sp>
         <p:nvSpPr>
-          <p:cNvPr id="6" name="Slide Number Placeholder 5">
-            <a:extLst>
-              <a:ext uri="{FF2B5EF4-FFF2-40B4-BE49-F238E27FC236}">
-                <a16:creationId xmlns:a16="http://schemas.microsoft.com/office/drawing/2014/main" id="{16FA9AC3-A411-C862-E3CB-A70FDE2D2139}"/>
-              </a:ext>
-            </a:extLst>
-          </p:cNvPr>
+          <p:cNvPr id="6" name="Slide Number Placeholder 5"/>
           <p:cNvSpPr>
             <a:spLocks noGrp="1"/>
           </p:cNvSpPr>
@@ -1176,7 +1528,7 @@
     </p:spTree>
     <p:extLst>
       <p:ext uri="{BB962C8B-B14F-4D97-AF65-F5344CB8AC3E}">
-        <p14:creationId xmlns:p14="http://schemas.microsoft.com/office/powerpoint/2010/main" val="4022140064"/>
+        <p14:creationId xmlns:p14="http://schemas.microsoft.com/office/powerpoint/2010/main" val="1046197544"/>
       </p:ext>
     </p:extLst>
   </p:cSld>
@@ -1205,13 +1557,7 @@
       </p:grpSpPr>
       <p:sp>
         <p:nvSpPr>
-          <p:cNvPr id="2" name="Title 1">
-            <a:extLst>
-              <a:ext uri="{FF2B5EF4-FFF2-40B4-BE49-F238E27FC236}">
-                <a16:creationId xmlns:a16="http://schemas.microsoft.com/office/drawing/2014/main" id="{5F9CDEC5-12BD-1504-1D09-A9D45B4DED58}"/>
-              </a:ext>
-            </a:extLst>
-          </p:cNvPr>
+          <p:cNvPr id="2" name="Title 1"/>
           <p:cNvSpPr>
             <a:spLocks noGrp="1"/>
           </p:cNvSpPr>
@@ -1228,18 +1574,13 @@
               <a:rPr lang="en-US"/>
               <a:t>Click to edit Master title style</a:t>
             </a:r>
-          </a:p>
-        </p:txBody>
-      </p:sp>
-      <p:sp>
-        <p:nvSpPr>
-          <p:cNvPr id="3" name="Content Placeholder 2">
-            <a:extLst>
-              <a:ext uri="{FF2B5EF4-FFF2-40B4-BE49-F238E27FC236}">
-                <a16:creationId xmlns:a16="http://schemas.microsoft.com/office/drawing/2014/main" id="{9923E73D-0ADA-61BD-F50A-B01AE55D2153}"/>
-              </a:ext>
-            </a:extLst>
-          </p:cNvPr>
+            <a:endParaRPr lang="en-US" dirty="0"/>
+          </a:p>
+        </p:txBody>
+      </p:sp>
+      <p:sp>
+        <p:nvSpPr>
+          <p:cNvPr id="3" name="Content Placeholder 2"/>
           <p:cNvSpPr>
             <a:spLocks noGrp="1"/>
           </p:cNvSpPr>
@@ -1285,18 +1626,13 @@
               <a:rPr lang="en-US"/>
               <a:t>Fifth level</a:t>
             </a:r>
-          </a:p>
-        </p:txBody>
-      </p:sp>
-      <p:sp>
-        <p:nvSpPr>
-          <p:cNvPr id="4" name="Date Placeholder 3">
-            <a:extLst>
-              <a:ext uri="{FF2B5EF4-FFF2-40B4-BE49-F238E27FC236}">
-                <a16:creationId xmlns:a16="http://schemas.microsoft.com/office/drawing/2014/main" id="{0DD05981-7DFF-97B7-41E0-D2BC00D40A8F}"/>
-              </a:ext>
-            </a:extLst>
-          </p:cNvPr>
+            <a:endParaRPr lang="en-US" dirty="0"/>
+          </a:p>
+        </p:txBody>
+      </p:sp>
+      <p:sp>
+        <p:nvSpPr>
+          <p:cNvPr id="4" name="Date Placeholder 3"/>
           <p:cNvSpPr>
             <a:spLocks noGrp="1"/>
           </p:cNvSpPr>
@@ -1311,7 +1647,7 @@
           <a:p>
             <a:fld id="{A205638E-71CB-374F-AB46-795263EF19A7}" type="datetimeFigureOut">
               <a:rPr lang="en-US" smtClean="0"/>
-              <a:t>10/29/24</a:t>
+              <a:t>3/20/25</a:t>
             </a:fld>
             <a:endParaRPr lang="en-US"/>
           </a:p>
@@ -1319,13 +1655,7 @@
       </p:sp>
       <p:sp>
         <p:nvSpPr>
-          <p:cNvPr id="5" name="Footer Placeholder 4">
-            <a:extLst>
-              <a:ext uri="{FF2B5EF4-FFF2-40B4-BE49-F238E27FC236}">
-                <a16:creationId xmlns:a16="http://schemas.microsoft.com/office/drawing/2014/main" id="{91EDCED3-F952-2E34-66F3-AD039D3CD45E}"/>
-              </a:ext>
-            </a:extLst>
-          </p:cNvPr>
+          <p:cNvPr id="5" name="Footer Placeholder 4"/>
           <p:cNvSpPr>
             <a:spLocks noGrp="1"/>
           </p:cNvSpPr>
@@ -1344,13 +1674,7 @@
       </p:sp>
       <p:sp>
         <p:nvSpPr>
-          <p:cNvPr id="6" name="Slide Number Placeholder 5">
-            <a:extLst>
-              <a:ext uri="{FF2B5EF4-FFF2-40B4-BE49-F238E27FC236}">
-                <a16:creationId xmlns:a16="http://schemas.microsoft.com/office/drawing/2014/main" id="{6380F6E4-7DBE-DA24-1D2F-11478A21CBC1}"/>
-              </a:ext>
-            </a:extLst>
-          </p:cNvPr>
+          <p:cNvPr id="6" name="Slide Number Placeholder 5"/>
           <p:cNvSpPr>
             <a:spLocks noGrp="1"/>
           </p:cNvSpPr>
@@ -1374,7 +1698,7 @@
     </p:spTree>
     <p:extLst>
       <p:ext uri="{BB962C8B-B14F-4D97-AF65-F5344CB8AC3E}">
-        <p14:creationId xmlns:p14="http://schemas.microsoft.com/office/powerpoint/2010/main" val="3256338190"/>
+        <p14:creationId xmlns:p14="http://schemas.microsoft.com/office/powerpoint/2010/main" val="3012180377"/>
       </p:ext>
     </p:extLst>
   </p:cSld>
@@ -1403,13 +1727,7 @@
       </p:grpSpPr>
       <p:sp>
         <p:nvSpPr>
-          <p:cNvPr id="2" name="Title 1">
-            <a:extLst>
-              <a:ext uri="{FF2B5EF4-FFF2-40B4-BE49-F238E27FC236}">
-                <a16:creationId xmlns:a16="http://schemas.microsoft.com/office/drawing/2014/main" id="{0B4E890D-9D00-306F-B56C-16800AEDF73A}"/>
-              </a:ext>
-            </a:extLst>
-          </p:cNvPr>
+          <p:cNvPr id="2" name="Title 1"/>
           <p:cNvSpPr>
             <a:spLocks noGrp="1"/>
           </p:cNvSpPr>
@@ -1419,15 +1737,15 @@
         </p:nvSpPr>
         <p:spPr>
           <a:xfrm>
-            <a:off x="831850" y="1709738"/>
-            <a:ext cx="10515600" cy="2852737"/>
+            <a:off x="311944" y="1139826"/>
+            <a:ext cx="3943350" cy="1901825"/>
           </a:xfrm>
         </p:spPr>
         <p:txBody>
           <a:bodyPr anchor="b"/>
           <a:lstStyle>
             <a:lvl1pPr>
-              <a:defRPr sz="6000"/>
+              <a:defRPr sz="3000"/>
             </a:lvl1pPr>
           </a:lstStyle>
           <a:p>
@@ -1435,18 +1753,13 @@
               <a:rPr lang="en-US"/>
               <a:t>Click to edit Master title style</a:t>
             </a:r>
-          </a:p>
-        </p:txBody>
-      </p:sp>
-      <p:sp>
-        <p:nvSpPr>
-          <p:cNvPr id="3" name="Text Placeholder 2">
-            <a:extLst>
-              <a:ext uri="{FF2B5EF4-FFF2-40B4-BE49-F238E27FC236}">
-                <a16:creationId xmlns:a16="http://schemas.microsoft.com/office/drawing/2014/main" id="{F2DFA4D5-352F-7FC6-041D-F5F26585519F}"/>
-              </a:ext>
-            </a:extLst>
-          </p:cNvPr>
+            <a:endParaRPr lang="en-US" dirty="0"/>
+          </a:p>
+        </p:txBody>
+      </p:sp>
+      <p:sp>
+        <p:nvSpPr>
+          <p:cNvPr id="3" name="Text Placeholder 2"/>
           <p:cNvSpPr>
             <a:spLocks noGrp="1"/>
           </p:cNvSpPr>
@@ -1456,8 +1769,8 @@
         </p:nvSpPr>
         <p:spPr>
           <a:xfrm>
-            <a:off x="831850" y="4589463"/>
-            <a:ext cx="10515600" cy="1500187"/>
+            <a:off x="311944" y="3059643"/>
+            <a:ext cx="3943350" cy="1000125"/>
           </a:xfrm>
         </p:spPr>
         <p:txBody>
@@ -1465,7 +1778,7 @@
           <a:lstStyle>
             <a:lvl1pPr marL="0" indent="0">
               <a:buNone/>
-              <a:defRPr sz="2400">
+              <a:defRPr sz="1200">
                 <a:solidFill>
                   <a:schemeClr val="tx1">
                     <a:tint val="82000"/>
@@ -1473,9 +1786,9 @@
                 </a:solidFill>
               </a:defRPr>
             </a:lvl1pPr>
-            <a:lvl2pPr marL="457200" indent="0">
+            <a:lvl2pPr marL="228600" indent="0">
               <a:buNone/>
-              <a:defRPr sz="2000">
+              <a:defRPr sz="1000">
                 <a:solidFill>
                   <a:schemeClr val="tx1">
                     <a:tint val="82000"/>
@@ -1483,9 +1796,9 @@
                 </a:solidFill>
               </a:defRPr>
             </a:lvl2pPr>
-            <a:lvl3pPr marL="914400" indent="0">
+            <a:lvl3pPr marL="457200" indent="0">
               <a:buNone/>
-              <a:defRPr sz="1800">
+              <a:defRPr sz="900">
                 <a:solidFill>
                   <a:schemeClr val="tx1">
                     <a:tint val="82000"/>
@@ -1493,9 +1806,9 @@
                 </a:solidFill>
               </a:defRPr>
             </a:lvl3pPr>
-            <a:lvl4pPr marL="1371600" indent="0">
+            <a:lvl4pPr marL="685800" indent="0">
               <a:buNone/>
-              <a:defRPr sz="1600">
+              <a:defRPr sz="800">
                 <a:solidFill>
                   <a:schemeClr val="tx1">
                     <a:tint val="82000"/>
@@ -1503,9 +1816,9 @@
                 </a:solidFill>
               </a:defRPr>
             </a:lvl4pPr>
-            <a:lvl5pPr marL="1828800" indent="0">
+            <a:lvl5pPr marL="914400" indent="0">
               <a:buNone/>
-              <a:defRPr sz="1600">
+              <a:defRPr sz="800">
                 <a:solidFill>
                   <a:schemeClr val="tx1">
                     <a:tint val="82000"/>
@@ -1513,9 +1826,9 @@
                 </a:solidFill>
               </a:defRPr>
             </a:lvl5pPr>
-            <a:lvl6pPr marL="2286000" indent="0">
+            <a:lvl6pPr marL="1143000" indent="0">
               <a:buNone/>
-              <a:defRPr sz="1600">
+              <a:defRPr sz="800">
                 <a:solidFill>
                   <a:schemeClr val="tx1">
                     <a:tint val="82000"/>
@@ -1523,9 +1836,9 @@
                 </a:solidFill>
               </a:defRPr>
             </a:lvl6pPr>
-            <a:lvl7pPr marL="2743200" indent="0">
+            <a:lvl7pPr marL="1371600" indent="0">
               <a:buNone/>
-              <a:defRPr sz="1600">
+              <a:defRPr sz="800">
                 <a:solidFill>
                   <a:schemeClr val="tx1">
                     <a:tint val="82000"/>
@@ -1533,9 +1846,9 @@
                 </a:solidFill>
               </a:defRPr>
             </a:lvl7pPr>
-            <a:lvl8pPr marL="3200400" indent="0">
+            <a:lvl8pPr marL="1600200" indent="0">
               <a:buNone/>
-              <a:defRPr sz="1600">
+              <a:defRPr sz="800">
                 <a:solidFill>
                   <a:schemeClr val="tx1">
                     <a:tint val="82000"/>
@@ -1543,9 +1856,9 @@
                 </a:solidFill>
               </a:defRPr>
             </a:lvl8pPr>
-            <a:lvl9pPr marL="3657600" indent="0">
+            <a:lvl9pPr marL="1828800" indent="0">
               <a:buNone/>
-              <a:defRPr sz="1600">
+              <a:defRPr sz="800">
                 <a:solidFill>
                   <a:schemeClr val="tx1">
                     <a:tint val="82000"/>
@@ -1565,13 +1878,7 @@
       </p:sp>
       <p:sp>
         <p:nvSpPr>
-          <p:cNvPr id="4" name="Date Placeholder 3">
-            <a:extLst>
-              <a:ext uri="{FF2B5EF4-FFF2-40B4-BE49-F238E27FC236}">
-                <a16:creationId xmlns:a16="http://schemas.microsoft.com/office/drawing/2014/main" id="{48B08C45-763D-8309-30EC-B58C8015AAB5}"/>
-              </a:ext>
-            </a:extLst>
-          </p:cNvPr>
+          <p:cNvPr id="4" name="Date Placeholder 3"/>
           <p:cNvSpPr>
             <a:spLocks noGrp="1"/>
           </p:cNvSpPr>
@@ -1586,7 +1893,7 @@
           <a:p>
             <a:fld id="{A205638E-71CB-374F-AB46-795263EF19A7}" type="datetimeFigureOut">
               <a:rPr lang="en-US" smtClean="0"/>
-              <a:t>10/29/24</a:t>
+              <a:t>3/20/25</a:t>
             </a:fld>
             <a:endParaRPr lang="en-US"/>
           </a:p>
@@ -1594,13 +1901,7 @@
       </p:sp>
       <p:sp>
         <p:nvSpPr>
-          <p:cNvPr id="5" name="Footer Placeholder 4">
-            <a:extLst>
-              <a:ext uri="{FF2B5EF4-FFF2-40B4-BE49-F238E27FC236}">
-                <a16:creationId xmlns:a16="http://schemas.microsoft.com/office/drawing/2014/main" id="{C6D261AC-111D-05D5-D0DC-7163D067EE05}"/>
-              </a:ext>
-            </a:extLst>
-          </p:cNvPr>
+          <p:cNvPr id="5" name="Footer Placeholder 4"/>
           <p:cNvSpPr>
             <a:spLocks noGrp="1"/>
           </p:cNvSpPr>
@@ -1619,13 +1920,7 @@
       </p:sp>
       <p:sp>
         <p:nvSpPr>
-          <p:cNvPr id="6" name="Slide Number Placeholder 5">
-            <a:extLst>
-              <a:ext uri="{FF2B5EF4-FFF2-40B4-BE49-F238E27FC236}">
-                <a16:creationId xmlns:a16="http://schemas.microsoft.com/office/drawing/2014/main" id="{7A4D1771-62EF-42FD-7582-FEA814B6D7A9}"/>
-              </a:ext>
-            </a:extLst>
-          </p:cNvPr>
+          <p:cNvPr id="6" name="Slide Number Placeholder 5"/>
           <p:cNvSpPr>
             <a:spLocks noGrp="1"/>
           </p:cNvSpPr>
@@ -1649,7 +1944,7 @@
     </p:spTree>
     <p:extLst>
       <p:ext uri="{BB962C8B-B14F-4D97-AF65-F5344CB8AC3E}">
-        <p14:creationId xmlns:p14="http://schemas.microsoft.com/office/powerpoint/2010/main" val="553296023"/>
+        <p14:creationId xmlns:p14="http://schemas.microsoft.com/office/powerpoint/2010/main" val="3844966555"/>
       </p:ext>
     </p:extLst>
   </p:cSld>
@@ -1678,13 +1973,7 @@
       </p:grpSpPr>
       <p:sp>
         <p:nvSpPr>
-          <p:cNvPr id="2" name="Title 1">
-            <a:extLst>
-              <a:ext uri="{FF2B5EF4-FFF2-40B4-BE49-F238E27FC236}">
-                <a16:creationId xmlns:a16="http://schemas.microsoft.com/office/drawing/2014/main" id="{C8A96E64-B7A7-B6F2-A698-B6BDB997A81E}"/>
-              </a:ext>
-            </a:extLst>
-          </p:cNvPr>
+          <p:cNvPr id="2" name="Title 1"/>
           <p:cNvSpPr>
             <a:spLocks noGrp="1"/>
           </p:cNvSpPr>
@@ -1701,18 +1990,13 @@
               <a:rPr lang="en-US"/>
               <a:t>Click to edit Master title style</a:t>
             </a:r>
-          </a:p>
-        </p:txBody>
-      </p:sp>
-      <p:sp>
-        <p:nvSpPr>
-          <p:cNvPr id="3" name="Content Placeholder 2">
-            <a:extLst>
-              <a:ext uri="{FF2B5EF4-FFF2-40B4-BE49-F238E27FC236}">
-                <a16:creationId xmlns:a16="http://schemas.microsoft.com/office/drawing/2014/main" id="{7A89C5F5-BE15-7A67-9BEC-39D222C63752}"/>
-              </a:ext>
-            </a:extLst>
-          </p:cNvPr>
+            <a:endParaRPr lang="en-US" dirty="0"/>
+          </a:p>
+        </p:txBody>
+      </p:sp>
+      <p:sp>
+        <p:nvSpPr>
+          <p:cNvPr id="3" name="Content Placeholder 2"/>
           <p:cNvSpPr>
             <a:spLocks noGrp="1"/>
           </p:cNvSpPr>
@@ -1722,8 +2006,8 @@
         </p:nvSpPr>
         <p:spPr>
           <a:xfrm>
-            <a:off x="838200" y="1825625"/>
-            <a:ext cx="5181600" cy="4351338"/>
+            <a:off x="314325" y="1217083"/>
+            <a:ext cx="1943100" cy="2900892"/>
           </a:xfrm>
         </p:spPr>
         <p:txBody>
@@ -1763,18 +2047,13 @@
               <a:rPr lang="en-US"/>
               <a:t>Fifth level</a:t>
             </a:r>
-          </a:p>
-        </p:txBody>
-      </p:sp>
-      <p:sp>
-        <p:nvSpPr>
-          <p:cNvPr id="4" name="Content Placeholder 3">
-            <a:extLst>
-              <a:ext uri="{FF2B5EF4-FFF2-40B4-BE49-F238E27FC236}">
-                <a16:creationId xmlns:a16="http://schemas.microsoft.com/office/drawing/2014/main" id="{F6040AE5-775B-AFBD-A26A-FC357E41C2E6}"/>
-              </a:ext>
-            </a:extLst>
-          </p:cNvPr>
+            <a:endParaRPr lang="en-US" dirty="0"/>
+          </a:p>
+        </p:txBody>
+      </p:sp>
+      <p:sp>
+        <p:nvSpPr>
+          <p:cNvPr id="4" name="Content Placeholder 3"/>
           <p:cNvSpPr>
             <a:spLocks noGrp="1"/>
           </p:cNvSpPr>
@@ -1784,8 +2063,8 @@
         </p:nvSpPr>
         <p:spPr>
           <a:xfrm>
-            <a:off x="6172200" y="1825625"/>
-            <a:ext cx="5181600" cy="4351338"/>
+            <a:off x="2314575" y="1217083"/>
+            <a:ext cx="1943100" cy="2900892"/>
           </a:xfrm>
         </p:spPr>
         <p:txBody>
@@ -1825,18 +2104,13 @@
               <a:rPr lang="en-US"/>
               <a:t>Fifth level</a:t>
             </a:r>
-          </a:p>
-        </p:txBody>
-      </p:sp>
-      <p:sp>
-        <p:nvSpPr>
-          <p:cNvPr id="5" name="Date Placeholder 4">
-            <a:extLst>
-              <a:ext uri="{FF2B5EF4-FFF2-40B4-BE49-F238E27FC236}">
-                <a16:creationId xmlns:a16="http://schemas.microsoft.com/office/drawing/2014/main" id="{9664A771-BED8-DCC0-5A68-E254BFA20154}"/>
-              </a:ext>
-            </a:extLst>
-          </p:cNvPr>
+            <a:endParaRPr lang="en-US" dirty="0"/>
+          </a:p>
+        </p:txBody>
+      </p:sp>
+      <p:sp>
+        <p:nvSpPr>
+          <p:cNvPr id="5" name="Date Placeholder 4"/>
           <p:cNvSpPr>
             <a:spLocks noGrp="1"/>
           </p:cNvSpPr>
@@ -1851,7 +2125,7 @@
           <a:p>
             <a:fld id="{A205638E-71CB-374F-AB46-795263EF19A7}" type="datetimeFigureOut">
               <a:rPr lang="en-US" smtClean="0"/>
-              <a:t>10/29/24</a:t>
+              <a:t>3/20/25</a:t>
             </a:fld>
             <a:endParaRPr lang="en-US"/>
           </a:p>
@@ -1859,13 +2133,7 @@
       </p:sp>
       <p:sp>
         <p:nvSpPr>
-          <p:cNvPr id="6" name="Footer Placeholder 5">
-            <a:extLst>
-              <a:ext uri="{FF2B5EF4-FFF2-40B4-BE49-F238E27FC236}">
-                <a16:creationId xmlns:a16="http://schemas.microsoft.com/office/drawing/2014/main" id="{C8C4DA6B-7739-D4B7-91B3-4317B701449C}"/>
-              </a:ext>
-            </a:extLst>
-          </p:cNvPr>
+          <p:cNvPr id="6" name="Footer Placeholder 5"/>
           <p:cNvSpPr>
             <a:spLocks noGrp="1"/>
           </p:cNvSpPr>
@@ -1884,13 +2152,7 @@
       </p:sp>
       <p:sp>
         <p:nvSpPr>
-          <p:cNvPr id="7" name="Slide Number Placeholder 6">
-            <a:extLst>
-              <a:ext uri="{FF2B5EF4-FFF2-40B4-BE49-F238E27FC236}">
-                <a16:creationId xmlns:a16="http://schemas.microsoft.com/office/drawing/2014/main" id="{CE26484D-248D-701E-4390-7F9E661BCB88}"/>
-              </a:ext>
-            </a:extLst>
-          </p:cNvPr>
+          <p:cNvPr id="7" name="Slide Number Placeholder 6"/>
           <p:cNvSpPr>
             <a:spLocks noGrp="1"/>
           </p:cNvSpPr>
@@ -1914,7 +2176,7 @@
     </p:spTree>
     <p:extLst>
       <p:ext uri="{BB962C8B-B14F-4D97-AF65-F5344CB8AC3E}">
-        <p14:creationId xmlns:p14="http://schemas.microsoft.com/office/powerpoint/2010/main" val="1350374913"/>
+        <p14:creationId xmlns:p14="http://schemas.microsoft.com/office/powerpoint/2010/main" val="3996526365"/>
       </p:ext>
     </p:extLst>
   </p:cSld>
@@ -1943,13 +2205,7 @@
       </p:grpSpPr>
       <p:sp>
         <p:nvSpPr>
-          <p:cNvPr id="2" name="Title 1">
-            <a:extLst>
-              <a:ext uri="{FF2B5EF4-FFF2-40B4-BE49-F238E27FC236}">
-                <a16:creationId xmlns:a16="http://schemas.microsoft.com/office/drawing/2014/main" id="{42A326C6-3230-8DE9-5B91-1E5DFAC50A43}"/>
-              </a:ext>
-            </a:extLst>
-          </p:cNvPr>
+          <p:cNvPr id="2" name="Title 1"/>
           <p:cNvSpPr>
             <a:spLocks noGrp="1"/>
           </p:cNvSpPr>
@@ -1959,8 +2215,8 @@
         </p:nvSpPr>
         <p:spPr>
           <a:xfrm>
-            <a:off x="839788" y="365125"/>
-            <a:ext cx="10515600" cy="1325563"/>
+            <a:off x="314920" y="243417"/>
+            <a:ext cx="3943350" cy="883709"/>
           </a:xfrm>
         </p:spPr>
         <p:txBody>
@@ -1971,18 +2227,13 @@
               <a:rPr lang="en-US"/>
               <a:t>Click to edit Master title style</a:t>
             </a:r>
-          </a:p>
-        </p:txBody>
-      </p:sp>
-      <p:sp>
-        <p:nvSpPr>
-          <p:cNvPr id="3" name="Text Placeholder 2">
-            <a:extLst>
-              <a:ext uri="{FF2B5EF4-FFF2-40B4-BE49-F238E27FC236}">
-                <a16:creationId xmlns:a16="http://schemas.microsoft.com/office/drawing/2014/main" id="{96FB0546-4161-70F7-12D6-457928BA90DE}"/>
-              </a:ext>
-            </a:extLst>
-          </p:cNvPr>
+            <a:endParaRPr lang="en-US" dirty="0"/>
+          </a:p>
+        </p:txBody>
+      </p:sp>
+      <p:sp>
+        <p:nvSpPr>
+          <p:cNvPr id="3" name="Text Placeholder 2"/>
           <p:cNvSpPr>
             <a:spLocks noGrp="1"/>
           </p:cNvSpPr>
@@ -1992,8 +2243,8 @@
         </p:nvSpPr>
         <p:spPr>
           <a:xfrm>
-            <a:off x="839788" y="1681163"/>
-            <a:ext cx="5157787" cy="823912"/>
+            <a:off x="314921" y="1120775"/>
+            <a:ext cx="1934170" cy="549275"/>
           </a:xfrm>
         </p:spPr>
         <p:txBody>
@@ -2001,39 +2252,39 @@
           <a:lstStyle>
             <a:lvl1pPr marL="0" indent="0">
               <a:buNone/>
-              <a:defRPr sz="2400" b="1"/>
+              <a:defRPr sz="1200" b="1"/>
             </a:lvl1pPr>
-            <a:lvl2pPr marL="457200" indent="0">
+            <a:lvl2pPr marL="228600" indent="0">
               <a:buNone/>
-              <a:defRPr sz="2000" b="1"/>
+              <a:defRPr sz="1000" b="1"/>
             </a:lvl2pPr>
-            <a:lvl3pPr marL="914400" indent="0">
+            <a:lvl3pPr marL="457200" indent="0">
               <a:buNone/>
-              <a:defRPr sz="1800" b="1"/>
+              <a:defRPr sz="900" b="1"/>
             </a:lvl3pPr>
-            <a:lvl4pPr marL="1371600" indent="0">
+            <a:lvl4pPr marL="685800" indent="0">
               <a:buNone/>
-              <a:defRPr sz="1600" b="1"/>
+              <a:defRPr sz="800" b="1"/>
             </a:lvl4pPr>
-            <a:lvl5pPr marL="1828800" indent="0">
+            <a:lvl5pPr marL="914400" indent="0">
               <a:buNone/>
-              <a:defRPr sz="1600" b="1"/>
+              <a:defRPr sz="800" b="1"/>
             </a:lvl5pPr>
-            <a:lvl6pPr marL="2286000" indent="0">
+            <a:lvl6pPr marL="1143000" indent="0">
               <a:buNone/>
-              <a:defRPr sz="1600" b="1"/>
+              <a:defRPr sz="800" b="1"/>
             </a:lvl6pPr>
-            <a:lvl7pPr marL="2743200" indent="0">
+            <a:lvl7pPr marL="1371600" indent="0">
               <a:buNone/>
-              <a:defRPr sz="1600" b="1"/>
+              <a:defRPr sz="800" b="1"/>
             </a:lvl7pPr>
-            <a:lvl8pPr marL="3200400" indent="0">
+            <a:lvl8pPr marL="1600200" indent="0">
               <a:buNone/>
-              <a:defRPr sz="1600" b="1"/>
+              <a:defRPr sz="800" b="1"/>
             </a:lvl8pPr>
-            <a:lvl9pPr marL="3657600" indent="0">
+            <a:lvl9pPr marL="1828800" indent="0">
               <a:buNone/>
-              <a:defRPr sz="1600" b="1"/>
+              <a:defRPr sz="800" b="1"/>
             </a:lvl9pPr>
           </a:lstStyle>
           <a:p>
@@ -2047,13 +2298,7 @@
       </p:sp>
       <p:sp>
         <p:nvSpPr>
-          <p:cNvPr id="4" name="Content Placeholder 3">
-            <a:extLst>
-              <a:ext uri="{FF2B5EF4-FFF2-40B4-BE49-F238E27FC236}">
-                <a16:creationId xmlns:a16="http://schemas.microsoft.com/office/drawing/2014/main" id="{B38DFA4A-912B-36D6-40CD-40F4E4CB6780}"/>
-              </a:ext>
-            </a:extLst>
-          </p:cNvPr>
+          <p:cNvPr id="4" name="Content Placeholder 3"/>
           <p:cNvSpPr>
             <a:spLocks noGrp="1"/>
           </p:cNvSpPr>
@@ -2063,8 +2308,8 @@
         </p:nvSpPr>
         <p:spPr>
           <a:xfrm>
-            <a:off x="839788" y="2505075"/>
-            <a:ext cx="5157787" cy="3684588"/>
+            <a:off x="314921" y="1670050"/>
+            <a:ext cx="1934170" cy="2456392"/>
           </a:xfrm>
         </p:spPr>
         <p:txBody>
@@ -2104,18 +2349,13 @@
               <a:rPr lang="en-US"/>
               <a:t>Fifth level</a:t>
             </a:r>
-          </a:p>
-        </p:txBody>
-      </p:sp>
-      <p:sp>
-        <p:nvSpPr>
-          <p:cNvPr id="5" name="Text Placeholder 4">
-            <a:extLst>
-              <a:ext uri="{FF2B5EF4-FFF2-40B4-BE49-F238E27FC236}">
-                <a16:creationId xmlns:a16="http://schemas.microsoft.com/office/drawing/2014/main" id="{E7BD03EA-0A75-6A7E-9D56-D8E184E9B047}"/>
-              </a:ext>
-            </a:extLst>
-          </p:cNvPr>
+            <a:endParaRPr lang="en-US" dirty="0"/>
+          </a:p>
+        </p:txBody>
+      </p:sp>
+      <p:sp>
+        <p:nvSpPr>
+          <p:cNvPr id="5" name="Text Placeholder 4"/>
           <p:cNvSpPr>
             <a:spLocks noGrp="1"/>
           </p:cNvSpPr>
@@ -2125,8 +2365,8 @@
         </p:nvSpPr>
         <p:spPr>
           <a:xfrm>
-            <a:off x="6172200" y="1681163"/>
-            <a:ext cx="5183188" cy="823912"/>
+            <a:off x="2314575" y="1120775"/>
+            <a:ext cx="1943696" cy="549275"/>
           </a:xfrm>
         </p:spPr>
         <p:txBody>
@@ -2134,39 +2374,39 @@
           <a:lstStyle>
             <a:lvl1pPr marL="0" indent="0">
               <a:buNone/>
-              <a:defRPr sz="2400" b="1"/>
+              <a:defRPr sz="1200" b="1"/>
             </a:lvl1pPr>
-            <a:lvl2pPr marL="457200" indent="0">
+            <a:lvl2pPr marL="228600" indent="0">
               <a:buNone/>
-              <a:defRPr sz="2000" b="1"/>
+              <a:defRPr sz="1000" b="1"/>
             </a:lvl2pPr>
-            <a:lvl3pPr marL="914400" indent="0">
+            <a:lvl3pPr marL="457200" indent="0">
               <a:buNone/>
-              <a:defRPr sz="1800" b="1"/>
+              <a:defRPr sz="900" b="1"/>
             </a:lvl3pPr>
-            <a:lvl4pPr marL="1371600" indent="0">
+            <a:lvl4pPr marL="685800" indent="0">
               <a:buNone/>
-              <a:defRPr sz="1600" b="1"/>
+              <a:defRPr sz="800" b="1"/>
             </a:lvl4pPr>
-            <a:lvl5pPr marL="1828800" indent="0">
+            <a:lvl5pPr marL="914400" indent="0">
               <a:buNone/>
-              <a:defRPr sz="1600" b="1"/>
+              <a:defRPr sz="800" b="1"/>
             </a:lvl5pPr>
-            <a:lvl6pPr marL="2286000" indent="0">
+            <a:lvl6pPr marL="1143000" indent="0">
               <a:buNone/>
-              <a:defRPr sz="1600" b="1"/>
+              <a:defRPr sz="800" b="1"/>
             </a:lvl6pPr>
-            <a:lvl7pPr marL="2743200" indent="0">
+            <a:lvl7pPr marL="1371600" indent="0">
               <a:buNone/>
-              <a:defRPr sz="1600" b="1"/>
+              <a:defRPr sz="800" b="1"/>
             </a:lvl7pPr>
-            <a:lvl8pPr marL="3200400" indent="0">
+            <a:lvl8pPr marL="1600200" indent="0">
               <a:buNone/>
-              <a:defRPr sz="1600" b="1"/>
+              <a:defRPr sz="800" b="1"/>
             </a:lvl8pPr>
-            <a:lvl9pPr marL="3657600" indent="0">
+            <a:lvl9pPr marL="1828800" indent="0">
               <a:buNone/>
-              <a:defRPr sz="1600" b="1"/>
+              <a:defRPr sz="800" b="1"/>
             </a:lvl9pPr>
           </a:lstStyle>
           <a:p>
@@ -2180,13 +2420,7 @@
       </p:sp>
       <p:sp>
         <p:nvSpPr>
-          <p:cNvPr id="6" name="Content Placeholder 5">
-            <a:extLst>
-              <a:ext uri="{FF2B5EF4-FFF2-40B4-BE49-F238E27FC236}">
-                <a16:creationId xmlns:a16="http://schemas.microsoft.com/office/drawing/2014/main" id="{BA9C8FF4-A804-2B2B-B091-D1F3F6A69B6F}"/>
-              </a:ext>
-            </a:extLst>
-          </p:cNvPr>
+          <p:cNvPr id="6" name="Content Placeholder 5"/>
           <p:cNvSpPr>
             <a:spLocks noGrp="1"/>
           </p:cNvSpPr>
@@ -2196,8 +2430,8 @@
         </p:nvSpPr>
         <p:spPr>
           <a:xfrm>
-            <a:off x="6172200" y="2505075"/>
-            <a:ext cx="5183188" cy="3684588"/>
+            <a:off x="2314575" y="1670050"/>
+            <a:ext cx="1943696" cy="2456392"/>
           </a:xfrm>
         </p:spPr>
         <p:txBody>
@@ -2237,18 +2471,13 @@
               <a:rPr lang="en-US"/>
               <a:t>Fifth level</a:t>
             </a:r>
-          </a:p>
-        </p:txBody>
-      </p:sp>
-      <p:sp>
-        <p:nvSpPr>
-          <p:cNvPr id="7" name="Date Placeholder 6">
-            <a:extLst>
-              <a:ext uri="{FF2B5EF4-FFF2-40B4-BE49-F238E27FC236}">
-                <a16:creationId xmlns:a16="http://schemas.microsoft.com/office/drawing/2014/main" id="{7248A7C5-F366-C9BC-B61B-C7BE4A90E1DA}"/>
-              </a:ext>
-            </a:extLst>
-          </p:cNvPr>
+            <a:endParaRPr lang="en-US" dirty="0"/>
+          </a:p>
+        </p:txBody>
+      </p:sp>
+      <p:sp>
+        <p:nvSpPr>
+          <p:cNvPr id="7" name="Date Placeholder 6"/>
           <p:cNvSpPr>
             <a:spLocks noGrp="1"/>
           </p:cNvSpPr>
@@ -2263,7 +2492,7 @@
           <a:p>
             <a:fld id="{A205638E-71CB-374F-AB46-795263EF19A7}" type="datetimeFigureOut">
               <a:rPr lang="en-US" smtClean="0"/>
-              <a:t>10/29/24</a:t>
+              <a:t>3/20/25</a:t>
             </a:fld>
             <a:endParaRPr lang="en-US"/>
           </a:p>
@@ -2271,13 +2500,7 @@
       </p:sp>
       <p:sp>
         <p:nvSpPr>
-          <p:cNvPr id="8" name="Footer Placeholder 7">
-            <a:extLst>
-              <a:ext uri="{FF2B5EF4-FFF2-40B4-BE49-F238E27FC236}">
-                <a16:creationId xmlns:a16="http://schemas.microsoft.com/office/drawing/2014/main" id="{06B6C31A-6145-D937-EBD7-55E4AA6C59BD}"/>
-              </a:ext>
-            </a:extLst>
-          </p:cNvPr>
+          <p:cNvPr id="8" name="Footer Placeholder 7"/>
           <p:cNvSpPr>
             <a:spLocks noGrp="1"/>
           </p:cNvSpPr>
@@ -2296,13 +2519,7 @@
       </p:sp>
       <p:sp>
         <p:nvSpPr>
-          <p:cNvPr id="9" name="Slide Number Placeholder 8">
-            <a:extLst>
-              <a:ext uri="{FF2B5EF4-FFF2-40B4-BE49-F238E27FC236}">
-                <a16:creationId xmlns:a16="http://schemas.microsoft.com/office/drawing/2014/main" id="{642A165B-7E32-A342-2B2D-D14DEE04591E}"/>
-              </a:ext>
-            </a:extLst>
-          </p:cNvPr>
+          <p:cNvPr id="9" name="Slide Number Placeholder 8"/>
           <p:cNvSpPr>
             <a:spLocks noGrp="1"/>
           </p:cNvSpPr>
@@ -2326,7 +2543,7 @@
     </p:spTree>
     <p:extLst>
       <p:ext uri="{BB962C8B-B14F-4D97-AF65-F5344CB8AC3E}">
-        <p14:creationId xmlns:p14="http://schemas.microsoft.com/office/powerpoint/2010/main" val="1650513505"/>
+        <p14:creationId xmlns:p14="http://schemas.microsoft.com/office/powerpoint/2010/main" val="3814881471"/>
       </p:ext>
     </p:extLst>
   </p:cSld>
@@ -2355,13 +2572,7 @@
       </p:grpSpPr>
       <p:sp>
         <p:nvSpPr>
-          <p:cNvPr id="2" name="Title 1">
-            <a:extLst>
-              <a:ext uri="{FF2B5EF4-FFF2-40B4-BE49-F238E27FC236}">
-                <a16:creationId xmlns:a16="http://schemas.microsoft.com/office/drawing/2014/main" id="{BE508711-5586-14A7-FB6C-6FD743E2FA0E}"/>
-              </a:ext>
-            </a:extLst>
-          </p:cNvPr>
+          <p:cNvPr id="2" name="Title 1"/>
           <p:cNvSpPr>
             <a:spLocks noGrp="1"/>
           </p:cNvSpPr>
@@ -2378,18 +2589,13 @@
               <a:rPr lang="en-US"/>
               <a:t>Click to edit Master title style</a:t>
             </a:r>
-          </a:p>
-        </p:txBody>
-      </p:sp>
-      <p:sp>
-        <p:nvSpPr>
-          <p:cNvPr id="3" name="Date Placeholder 2">
-            <a:extLst>
-              <a:ext uri="{FF2B5EF4-FFF2-40B4-BE49-F238E27FC236}">
-                <a16:creationId xmlns:a16="http://schemas.microsoft.com/office/drawing/2014/main" id="{C8A98167-A530-7C3D-DDD6-A7CBBAFFDA0A}"/>
-              </a:ext>
-            </a:extLst>
-          </p:cNvPr>
+            <a:endParaRPr lang="en-US" dirty="0"/>
+          </a:p>
+        </p:txBody>
+      </p:sp>
+      <p:sp>
+        <p:nvSpPr>
+          <p:cNvPr id="3" name="Date Placeholder 2"/>
           <p:cNvSpPr>
             <a:spLocks noGrp="1"/>
           </p:cNvSpPr>
@@ -2404,7 +2610,7 @@
           <a:p>
             <a:fld id="{A205638E-71CB-374F-AB46-795263EF19A7}" type="datetimeFigureOut">
               <a:rPr lang="en-US" smtClean="0"/>
-              <a:t>10/29/24</a:t>
+              <a:t>3/20/25</a:t>
             </a:fld>
             <a:endParaRPr lang="en-US"/>
           </a:p>
@@ -2412,13 +2618,7 @@
       </p:sp>
       <p:sp>
         <p:nvSpPr>
-          <p:cNvPr id="4" name="Footer Placeholder 3">
-            <a:extLst>
-              <a:ext uri="{FF2B5EF4-FFF2-40B4-BE49-F238E27FC236}">
-                <a16:creationId xmlns:a16="http://schemas.microsoft.com/office/drawing/2014/main" id="{F1D91E65-EEE7-453E-7982-C49CFA300669}"/>
-              </a:ext>
-            </a:extLst>
-          </p:cNvPr>
+          <p:cNvPr id="4" name="Footer Placeholder 3"/>
           <p:cNvSpPr>
             <a:spLocks noGrp="1"/>
           </p:cNvSpPr>
@@ -2437,13 +2637,7 @@
       </p:sp>
       <p:sp>
         <p:nvSpPr>
-          <p:cNvPr id="5" name="Slide Number Placeholder 4">
-            <a:extLst>
-              <a:ext uri="{FF2B5EF4-FFF2-40B4-BE49-F238E27FC236}">
-                <a16:creationId xmlns:a16="http://schemas.microsoft.com/office/drawing/2014/main" id="{8F6B44D3-6A22-DEB9-6141-D4524A360EFB}"/>
-              </a:ext>
-            </a:extLst>
-          </p:cNvPr>
+          <p:cNvPr id="5" name="Slide Number Placeholder 4"/>
           <p:cNvSpPr>
             <a:spLocks noGrp="1"/>
           </p:cNvSpPr>
@@ -2467,7 +2661,7 @@
     </p:spTree>
     <p:extLst>
       <p:ext uri="{BB962C8B-B14F-4D97-AF65-F5344CB8AC3E}">
-        <p14:creationId xmlns:p14="http://schemas.microsoft.com/office/powerpoint/2010/main" val="2932631103"/>
+        <p14:creationId xmlns:p14="http://schemas.microsoft.com/office/powerpoint/2010/main" val="2289059083"/>
       </p:ext>
     </p:extLst>
   </p:cSld>
@@ -2496,13 +2690,7 @@
       </p:grpSpPr>
       <p:sp>
         <p:nvSpPr>
-          <p:cNvPr id="2" name="Date Placeholder 1">
-            <a:extLst>
-              <a:ext uri="{FF2B5EF4-FFF2-40B4-BE49-F238E27FC236}">
-                <a16:creationId xmlns:a16="http://schemas.microsoft.com/office/drawing/2014/main" id="{75203520-BFBC-29FB-F7F2-9EFA81CFD81B}"/>
-              </a:ext>
-            </a:extLst>
-          </p:cNvPr>
+          <p:cNvPr id="2" name="Date Placeholder 1"/>
           <p:cNvSpPr>
             <a:spLocks noGrp="1"/>
           </p:cNvSpPr>
@@ -2517,7 +2705,7 @@
           <a:p>
             <a:fld id="{A205638E-71CB-374F-AB46-795263EF19A7}" type="datetimeFigureOut">
               <a:rPr lang="en-US" smtClean="0"/>
-              <a:t>10/29/24</a:t>
+              <a:t>3/20/25</a:t>
             </a:fld>
             <a:endParaRPr lang="en-US"/>
           </a:p>
@@ -2525,13 +2713,7 @@
       </p:sp>
       <p:sp>
         <p:nvSpPr>
-          <p:cNvPr id="3" name="Footer Placeholder 2">
-            <a:extLst>
-              <a:ext uri="{FF2B5EF4-FFF2-40B4-BE49-F238E27FC236}">
-                <a16:creationId xmlns:a16="http://schemas.microsoft.com/office/drawing/2014/main" id="{60BD5279-0C7A-296F-E855-07186BCDF401}"/>
-              </a:ext>
-            </a:extLst>
-          </p:cNvPr>
+          <p:cNvPr id="3" name="Footer Placeholder 2"/>
           <p:cNvSpPr>
             <a:spLocks noGrp="1"/>
           </p:cNvSpPr>
@@ -2550,13 +2732,7 @@
       </p:sp>
       <p:sp>
         <p:nvSpPr>
-          <p:cNvPr id="4" name="Slide Number Placeholder 3">
-            <a:extLst>
-              <a:ext uri="{FF2B5EF4-FFF2-40B4-BE49-F238E27FC236}">
-                <a16:creationId xmlns:a16="http://schemas.microsoft.com/office/drawing/2014/main" id="{91D8180D-250E-A88B-9482-C6C3BD5E3FFA}"/>
-              </a:ext>
-            </a:extLst>
-          </p:cNvPr>
+          <p:cNvPr id="4" name="Slide Number Placeholder 3"/>
           <p:cNvSpPr>
             <a:spLocks noGrp="1"/>
           </p:cNvSpPr>
@@ -2580,7 +2756,7 @@
     </p:spTree>
     <p:extLst>
       <p:ext uri="{BB962C8B-B14F-4D97-AF65-F5344CB8AC3E}">
-        <p14:creationId xmlns:p14="http://schemas.microsoft.com/office/powerpoint/2010/main" val="1198941881"/>
+        <p14:creationId xmlns:p14="http://schemas.microsoft.com/office/powerpoint/2010/main" val="3721985963"/>
       </p:ext>
     </p:extLst>
   </p:cSld>
@@ -2609,13 +2785,7 @@
       </p:grpSpPr>
       <p:sp>
         <p:nvSpPr>
-          <p:cNvPr id="2" name="Title 1">
-            <a:extLst>
-              <a:ext uri="{FF2B5EF4-FFF2-40B4-BE49-F238E27FC236}">
-                <a16:creationId xmlns:a16="http://schemas.microsoft.com/office/drawing/2014/main" id="{E4CCBB9D-F1DE-AB94-F873-D0BEBF0CC83C}"/>
-              </a:ext>
-            </a:extLst>
-          </p:cNvPr>
+          <p:cNvPr id="2" name="Title 1"/>
           <p:cNvSpPr>
             <a:spLocks noGrp="1"/>
           </p:cNvSpPr>
@@ -2625,15 +2795,15 @@
         </p:nvSpPr>
         <p:spPr>
           <a:xfrm>
-            <a:off x="839788" y="457200"/>
-            <a:ext cx="3932237" cy="1600200"/>
+            <a:off x="314921" y="304800"/>
+            <a:ext cx="1474589" cy="1066800"/>
           </a:xfrm>
         </p:spPr>
         <p:txBody>
           <a:bodyPr anchor="b"/>
           <a:lstStyle>
             <a:lvl1pPr>
-              <a:defRPr sz="3200"/>
+              <a:defRPr sz="1600"/>
             </a:lvl1pPr>
           </a:lstStyle>
           <a:p>
@@ -2641,18 +2811,13 @@
               <a:rPr lang="en-US"/>
               <a:t>Click to edit Master title style</a:t>
             </a:r>
-          </a:p>
-        </p:txBody>
-      </p:sp>
-      <p:sp>
-        <p:nvSpPr>
-          <p:cNvPr id="3" name="Content Placeholder 2">
-            <a:extLst>
-              <a:ext uri="{FF2B5EF4-FFF2-40B4-BE49-F238E27FC236}">
-                <a16:creationId xmlns:a16="http://schemas.microsoft.com/office/drawing/2014/main" id="{033013D4-B6DE-B1FB-54CA-9B54B9AB3F5C}"/>
-              </a:ext>
-            </a:extLst>
-          </p:cNvPr>
+            <a:endParaRPr lang="en-US" dirty="0"/>
+          </a:p>
+        </p:txBody>
+      </p:sp>
+      <p:sp>
+        <p:nvSpPr>
+          <p:cNvPr id="3" name="Content Placeholder 2"/>
           <p:cNvSpPr>
             <a:spLocks noGrp="1"/>
           </p:cNvSpPr>
@@ -2662,39 +2827,39 @@
         </p:nvSpPr>
         <p:spPr>
           <a:xfrm>
-            <a:off x="5183188" y="987425"/>
-            <a:ext cx="6172200" cy="4873625"/>
+            <a:off x="1943695" y="658284"/>
+            <a:ext cx="2314575" cy="3249083"/>
           </a:xfrm>
         </p:spPr>
         <p:txBody>
           <a:bodyPr/>
           <a:lstStyle>
             <a:lvl1pPr>
-              <a:defRPr sz="3200"/>
+              <a:defRPr sz="1600"/>
             </a:lvl1pPr>
             <a:lvl2pPr>
-              <a:defRPr sz="2800"/>
+              <a:defRPr sz="1400"/>
             </a:lvl2pPr>
             <a:lvl3pPr>
-              <a:defRPr sz="2400"/>
+              <a:defRPr sz="1200"/>
             </a:lvl3pPr>
             <a:lvl4pPr>
-              <a:defRPr sz="2000"/>
+              <a:defRPr sz="1000"/>
             </a:lvl4pPr>
             <a:lvl5pPr>
-              <a:defRPr sz="2000"/>
+              <a:defRPr sz="1000"/>
             </a:lvl5pPr>
             <a:lvl6pPr>
-              <a:defRPr sz="2000"/>
+              <a:defRPr sz="1000"/>
             </a:lvl6pPr>
             <a:lvl7pPr>
-              <a:defRPr sz="2000"/>
+              <a:defRPr sz="1000"/>
             </a:lvl7pPr>
             <a:lvl8pPr>
-              <a:defRPr sz="2000"/>
+              <a:defRPr sz="1000"/>
             </a:lvl8pPr>
             <a:lvl9pPr>
-              <a:defRPr sz="2000"/>
+              <a:defRPr sz="1000"/>
             </a:lvl9pPr>
           </a:lstStyle>
           <a:p>
@@ -2731,18 +2896,13 @@
               <a:rPr lang="en-US"/>
               <a:t>Fifth level</a:t>
             </a:r>
-          </a:p>
-        </p:txBody>
-      </p:sp>
-      <p:sp>
-        <p:nvSpPr>
-          <p:cNvPr id="4" name="Text Placeholder 3">
-            <a:extLst>
-              <a:ext uri="{FF2B5EF4-FFF2-40B4-BE49-F238E27FC236}">
-                <a16:creationId xmlns:a16="http://schemas.microsoft.com/office/drawing/2014/main" id="{01089701-75F6-5934-B54D-D187E0AA43C1}"/>
-              </a:ext>
-            </a:extLst>
-          </p:cNvPr>
+            <a:endParaRPr lang="en-US" dirty="0"/>
+          </a:p>
+        </p:txBody>
+      </p:sp>
+      <p:sp>
+        <p:nvSpPr>
+          <p:cNvPr id="4" name="Text Placeholder 3"/>
           <p:cNvSpPr>
             <a:spLocks noGrp="1"/>
           </p:cNvSpPr>
@@ -2752,8 +2912,8 @@
         </p:nvSpPr>
         <p:spPr>
           <a:xfrm>
-            <a:off x="839788" y="2057400"/>
-            <a:ext cx="3932237" cy="3811588"/>
+            <a:off x="314921" y="1371600"/>
+            <a:ext cx="1474589" cy="2541059"/>
           </a:xfrm>
         </p:spPr>
         <p:txBody>
@@ -2761,39 +2921,39 @@
           <a:lstStyle>
             <a:lvl1pPr marL="0" indent="0">
               <a:buNone/>
-              <a:defRPr sz="1600"/>
+              <a:defRPr sz="800"/>
             </a:lvl1pPr>
-            <a:lvl2pPr marL="457200" indent="0">
+            <a:lvl2pPr marL="228600" indent="0">
               <a:buNone/>
-              <a:defRPr sz="1400"/>
+              <a:defRPr sz="700"/>
             </a:lvl2pPr>
-            <a:lvl3pPr marL="914400" indent="0">
+            <a:lvl3pPr marL="457200" indent="0">
               <a:buNone/>
-              <a:defRPr sz="1200"/>
+              <a:defRPr sz="600"/>
             </a:lvl3pPr>
-            <a:lvl4pPr marL="1371600" indent="0">
+            <a:lvl4pPr marL="685800" indent="0">
               <a:buNone/>
-              <a:defRPr sz="1000"/>
+              <a:defRPr sz="500"/>
             </a:lvl4pPr>
-            <a:lvl5pPr marL="1828800" indent="0">
+            <a:lvl5pPr marL="914400" indent="0">
               <a:buNone/>
-              <a:defRPr sz="1000"/>
+              <a:defRPr sz="500"/>
             </a:lvl5pPr>
-            <a:lvl6pPr marL="2286000" indent="0">
+            <a:lvl6pPr marL="1143000" indent="0">
               <a:buNone/>
-              <a:defRPr sz="1000"/>
+              <a:defRPr sz="500"/>
             </a:lvl6pPr>
-            <a:lvl7pPr marL="2743200" indent="0">
+            <a:lvl7pPr marL="1371600" indent="0">
               <a:buNone/>
-              <a:defRPr sz="1000"/>
+              <a:defRPr sz="500"/>
             </a:lvl7pPr>
-            <a:lvl8pPr marL="3200400" indent="0">
+            <a:lvl8pPr marL="1600200" indent="0">
               <a:buNone/>
-              <a:defRPr sz="1000"/>
+              <a:defRPr sz="500"/>
             </a:lvl8pPr>
-            <a:lvl9pPr marL="3657600" indent="0">
+            <a:lvl9pPr marL="1828800" indent="0">
               <a:buNone/>
-              <a:defRPr sz="1000"/>
+              <a:defRPr sz="500"/>
             </a:lvl9pPr>
           </a:lstStyle>
           <a:p>
@@ -2807,13 +2967,7 @@
       </p:sp>
       <p:sp>
         <p:nvSpPr>
-          <p:cNvPr id="5" name="Date Placeholder 4">
-            <a:extLst>
-              <a:ext uri="{FF2B5EF4-FFF2-40B4-BE49-F238E27FC236}">
-                <a16:creationId xmlns:a16="http://schemas.microsoft.com/office/drawing/2014/main" id="{A763F86E-0CC9-9DC9-E036-F66EA8AC0891}"/>
-              </a:ext>
-            </a:extLst>
-          </p:cNvPr>
+          <p:cNvPr id="5" name="Date Placeholder 4"/>
           <p:cNvSpPr>
             <a:spLocks noGrp="1"/>
           </p:cNvSpPr>
@@ -2828,7 +2982,7 @@
           <a:p>
             <a:fld id="{A205638E-71CB-374F-AB46-795263EF19A7}" type="datetimeFigureOut">
               <a:rPr lang="en-US" smtClean="0"/>
-              <a:t>10/29/24</a:t>
+              <a:t>3/20/25</a:t>
             </a:fld>
             <a:endParaRPr lang="en-US"/>
           </a:p>
@@ -2836,13 +2990,7 @@
       </p:sp>
       <p:sp>
         <p:nvSpPr>
-          <p:cNvPr id="6" name="Footer Placeholder 5">
-            <a:extLst>
-              <a:ext uri="{FF2B5EF4-FFF2-40B4-BE49-F238E27FC236}">
-                <a16:creationId xmlns:a16="http://schemas.microsoft.com/office/drawing/2014/main" id="{F7FB4A29-133B-4B4E-FCFA-E800B1E80A54}"/>
-              </a:ext>
-            </a:extLst>
-          </p:cNvPr>
+          <p:cNvPr id="6" name="Footer Placeholder 5"/>
           <p:cNvSpPr>
             <a:spLocks noGrp="1"/>
           </p:cNvSpPr>
@@ -2861,13 +3009,7 @@
       </p:sp>
       <p:sp>
         <p:nvSpPr>
-          <p:cNvPr id="7" name="Slide Number Placeholder 6">
-            <a:extLst>
-              <a:ext uri="{FF2B5EF4-FFF2-40B4-BE49-F238E27FC236}">
-                <a16:creationId xmlns:a16="http://schemas.microsoft.com/office/drawing/2014/main" id="{33B9DE85-F16F-1A90-BD7F-E0C768934C41}"/>
-              </a:ext>
-            </a:extLst>
-          </p:cNvPr>
+          <p:cNvPr id="7" name="Slide Number Placeholder 6"/>
           <p:cNvSpPr>
             <a:spLocks noGrp="1"/>
           </p:cNvSpPr>
@@ -2891,7 +3033,7 @@
     </p:spTree>
     <p:extLst>
       <p:ext uri="{BB962C8B-B14F-4D97-AF65-F5344CB8AC3E}">
-        <p14:creationId xmlns:p14="http://schemas.microsoft.com/office/powerpoint/2010/main" val="3828533972"/>
+        <p14:creationId xmlns:p14="http://schemas.microsoft.com/office/powerpoint/2010/main" val="1481385551"/>
       </p:ext>
     </p:extLst>
   </p:cSld>
@@ -2920,13 +3062,7 @@
       </p:grpSpPr>
       <p:sp>
         <p:nvSpPr>
-          <p:cNvPr id="2" name="Title 1">
-            <a:extLst>
-              <a:ext uri="{FF2B5EF4-FFF2-40B4-BE49-F238E27FC236}">
-                <a16:creationId xmlns:a16="http://schemas.microsoft.com/office/drawing/2014/main" id="{193B2855-C44D-54BD-0B8D-5D547C26D1C6}"/>
-              </a:ext>
-            </a:extLst>
-          </p:cNvPr>
+          <p:cNvPr id="2" name="Title 1"/>
           <p:cNvSpPr>
             <a:spLocks noGrp="1"/>
           </p:cNvSpPr>
@@ -2936,15 +3072,15 @@
         </p:nvSpPr>
         <p:spPr>
           <a:xfrm>
-            <a:off x="839788" y="457200"/>
-            <a:ext cx="3932237" cy="1600200"/>
+            <a:off x="314921" y="304800"/>
+            <a:ext cx="1474589" cy="1066800"/>
           </a:xfrm>
         </p:spPr>
         <p:txBody>
           <a:bodyPr anchor="b"/>
           <a:lstStyle>
             <a:lvl1pPr>
-              <a:defRPr sz="3200"/>
+              <a:defRPr sz="1600"/>
             </a:lvl1pPr>
           </a:lstStyle>
           <a:p>
@@ -2952,20 +3088,15 @@
               <a:rPr lang="en-US"/>
               <a:t>Click to edit Master title style</a:t>
             </a:r>
-          </a:p>
-        </p:txBody>
-      </p:sp>
-      <p:sp>
-        <p:nvSpPr>
-          <p:cNvPr id="3" name="Picture Placeholder 2">
-            <a:extLst>
-              <a:ext uri="{FF2B5EF4-FFF2-40B4-BE49-F238E27FC236}">
-                <a16:creationId xmlns:a16="http://schemas.microsoft.com/office/drawing/2014/main" id="{A970D594-A212-F274-BA47-D5E5215F01E8}"/>
-              </a:ext>
-            </a:extLst>
-          </p:cNvPr>
+            <a:endParaRPr lang="en-US" dirty="0"/>
+          </a:p>
+        </p:txBody>
+      </p:sp>
+      <p:sp>
+        <p:nvSpPr>
+          <p:cNvPr id="3" name="Picture Placeholder 2"/>
           <p:cNvSpPr>
-            <a:spLocks noGrp="1"/>
+            <a:spLocks noGrp="1" noChangeAspect="1"/>
           </p:cNvSpPr>
           <p:nvPr>
             <p:ph type="pic" idx="1"/>
@@ -2973,64 +3104,62 @@
         </p:nvSpPr>
         <p:spPr>
           <a:xfrm>
-            <a:off x="5183188" y="987425"/>
-            <a:ext cx="6172200" cy="4873625"/>
+            <a:off x="1943695" y="658284"/>
+            <a:ext cx="2314575" cy="3249083"/>
           </a:xfrm>
         </p:spPr>
         <p:txBody>
-          <a:bodyPr/>
+          <a:bodyPr anchor="t"/>
           <a:lstStyle>
             <a:lvl1pPr marL="0" indent="0">
               <a:buNone/>
-              <a:defRPr sz="3200"/>
+              <a:defRPr sz="1600"/>
             </a:lvl1pPr>
-            <a:lvl2pPr marL="457200" indent="0">
+            <a:lvl2pPr marL="228600" indent="0">
               <a:buNone/>
-              <a:defRPr sz="2800"/>
+              <a:defRPr sz="1400"/>
             </a:lvl2pPr>
-            <a:lvl3pPr marL="914400" indent="0">
+            <a:lvl3pPr marL="457200" indent="0">
               <a:buNone/>
-              <a:defRPr sz="2400"/>
+              <a:defRPr sz="1200"/>
             </a:lvl3pPr>
-            <a:lvl4pPr marL="1371600" indent="0">
+            <a:lvl4pPr marL="685800" indent="0">
               <a:buNone/>
-              <a:defRPr sz="2000"/>
+              <a:defRPr sz="1000"/>
             </a:lvl4pPr>
-            <a:lvl5pPr marL="1828800" indent="0">
+            <a:lvl5pPr marL="914400" indent="0">
               <a:buNone/>
-              <a:defRPr sz="2000"/>
+              <a:defRPr sz="1000"/>
             </a:lvl5pPr>
-            <a:lvl6pPr marL="2286000" indent="0">
+            <a:lvl6pPr marL="1143000" indent="0">
               <a:buNone/>
-              <a:defRPr sz="2000"/>
+              <a:defRPr sz="1000"/>
             </a:lvl6pPr>
-            <a:lvl7pPr marL="2743200" indent="0">
+            <a:lvl7pPr marL="1371600" indent="0">
               <a:buNone/>
-              <a:defRPr sz="2000"/>
+              <a:defRPr sz="1000"/>
             </a:lvl7pPr>
-            <a:lvl8pPr marL="3200400" indent="0">
+            <a:lvl8pPr marL="1600200" indent="0">
               <a:buNone/>
-              <a:defRPr sz="2000"/>
+              <a:defRPr sz="1000"/>
             </a:lvl8pPr>
-            <a:lvl9pPr marL="3657600" indent="0">
+            <a:lvl9pPr marL="1828800" indent="0">
               <a:buNone/>
-              <a:defRPr sz="2000"/>
+              <a:defRPr sz="1000"/>
             </a:lvl9pPr>
           </a:lstStyle>
           <a:p>
-            <a:endParaRPr lang="en-US"/>
-          </a:p>
-        </p:txBody>
-      </p:sp>
-      <p:sp>
-        <p:nvSpPr>
-          <p:cNvPr id="4" name="Text Placeholder 3">
-            <a:extLst>
-              <a:ext uri="{FF2B5EF4-FFF2-40B4-BE49-F238E27FC236}">
-                <a16:creationId xmlns:a16="http://schemas.microsoft.com/office/drawing/2014/main" id="{CB609BB0-87BC-6061-7B68-16104FB9B262}"/>
-              </a:ext>
-            </a:extLst>
-          </p:cNvPr>
+            <a:r>
+              <a:rPr lang="en-US"/>
+              <a:t>Click icon to add picture</a:t>
+            </a:r>
+            <a:endParaRPr lang="en-US" dirty="0"/>
+          </a:p>
+        </p:txBody>
+      </p:sp>
+      <p:sp>
+        <p:nvSpPr>
+          <p:cNvPr id="4" name="Text Placeholder 3"/>
           <p:cNvSpPr>
             <a:spLocks noGrp="1"/>
           </p:cNvSpPr>
@@ -3040,8 +3169,8 @@
         </p:nvSpPr>
         <p:spPr>
           <a:xfrm>
-            <a:off x="839788" y="2057400"/>
-            <a:ext cx="3932237" cy="3811588"/>
+            <a:off x="314921" y="1371600"/>
+            <a:ext cx="1474589" cy="2541059"/>
           </a:xfrm>
         </p:spPr>
         <p:txBody>
@@ -3049,39 +3178,39 @@
           <a:lstStyle>
             <a:lvl1pPr marL="0" indent="0">
               <a:buNone/>
-              <a:defRPr sz="1600"/>
+              <a:defRPr sz="800"/>
             </a:lvl1pPr>
-            <a:lvl2pPr marL="457200" indent="0">
+            <a:lvl2pPr marL="228600" indent="0">
               <a:buNone/>
-              <a:defRPr sz="1400"/>
+              <a:defRPr sz="700"/>
             </a:lvl2pPr>
-            <a:lvl3pPr marL="914400" indent="0">
+            <a:lvl3pPr marL="457200" indent="0">
               <a:buNone/>
-              <a:defRPr sz="1200"/>
+              <a:defRPr sz="600"/>
             </a:lvl3pPr>
-            <a:lvl4pPr marL="1371600" indent="0">
+            <a:lvl4pPr marL="685800" indent="0">
               <a:buNone/>
-              <a:defRPr sz="1000"/>
+              <a:defRPr sz="500"/>
             </a:lvl4pPr>
-            <a:lvl5pPr marL="1828800" indent="0">
+            <a:lvl5pPr marL="914400" indent="0">
               <a:buNone/>
-              <a:defRPr sz="1000"/>
+              <a:defRPr sz="500"/>
             </a:lvl5pPr>
-            <a:lvl6pPr marL="2286000" indent="0">
+            <a:lvl6pPr marL="1143000" indent="0">
               <a:buNone/>
-              <a:defRPr sz="1000"/>
+              <a:defRPr sz="500"/>
             </a:lvl6pPr>
-            <a:lvl7pPr marL="2743200" indent="0">
+            <a:lvl7pPr marL="1371600" indent="0">
               <a:buNone/>
-              <a:defRPr sz="1000"/>
+              <a:defRPr sz="500"/>
             </a:lvl7pPr>
-            <a:lvl8pPr marL="3200400" indent="0">
+            <a:lvl8pPr marL="1600200" indent="0">
               <a:buNone/>
-              <a:defRPr sz="1000"/>
+              <a:defRPr sz="500"/>
             </a:lvl8pPr>
-            <a:lvl9pPr marL="3657600" indent="0">
+            <a:lvl9pPr marL="1828800" indent="0">
               <a:buNone/>
-              <a:defRPr sz="1000"/>
+              <a:defRPr sz="500"/>
             </a:lvl9pPr>
           </a:lstStyle>
           <a:p>
@@ -3095,13 +3224,7 @@
       </p:sp>
       <p:sp>
         <p:nvSpPr>
-          <p:cNvPr id="5" name="Date Placeholder 4">
-            <a:extLst>
-              <a:ext uri="{FF2B5EF4-FFF2-40B4-BE49-F238E27FC236}">
-                <a16:creationId xmlns:a16="http://schemas.microsoft.com/office/drawing/2014/main" id="{BABF8DAE-34DD-ED23-3614-7F93E68CAA37}"/>
-              </a:ext>
-            </a:extLst>
-          </p:cNvPr>
+          <p:cNvPr id="5" name="Date Placeholder 4"/>
           <p:cNvSpPr>
             <a:spLocks noGrp="1"/>
           </p:cNvSpPr>
@@ -3116,7 +3239,7 @@
           <a:p>
             <a:fld id="{A205638E-71CB-374F-AB46-795263EF19A7}" type="datetimeFigureOut">
               <a:rPr lang="en-US" smtClean="0"/>
-              <a:t>10/29/24</a:t>
+              <a:t>3/20/25</a:t>
             </a:fld>
             <a:endParaRPr lang="en-US"/>
           </a:p>
@@ -3124,13 +3247,7 @@
       </p:sp>
       <p:sp>
         <p:nvSpPr>
-          <p:cNvPr id="6" name="Footer Placeholder 5">
-            <a:extLst>
-              <a:ext uri="{FF2B5EF4-FFF2-40B4-BE49-F238E27FC236}">
-                <a16:creationId xmlns:a16="http://schemas.microsoft.com/office/drawing/2014/main" id="{FD0B4961-A1C8-AAB8-7396-2EE83CB67A8D}"/>
-              </a:ext>
-            </a:extLst>
-          </p:cNvPr>
+          <p:cNvPr id="6" name="Footer Placeholder 5"/>
           <p:cNvSpPr>
             <a:spLocks noGrp="1"/>
           </p:cNvSpPr>
@@ -3149,13 +3266,7 @@
       </p:sp>
       <p:sp>
         <p:nvSpPr>
-          <p:cNvPr id="7" name="Slide Number Placeholder 6">
-            <a:extLst>
-              <a:ext uri="{FF2B5EF4-FFF2-40B4-BE49-F238E27FC236}">
-                <a16:creationId xmlns:a16="http://schemas.microsoft.com/office/drawing/2014/main" id="{E1A304AB-AD61-3E2A-FC85-EDECFF9A2DEA}"/>
-              </a:ext>
-            </a:extLst>
-          </p:cNvPr>
+          <p:cNvPr id="7" name="Slide Number Placeholder 6"/>
           <p:cNvSpPr>
             <a:spLocks noGrp="1"/>
           </p:cNvSpPr>
@@ -3179,7 +3290,7 @@
     </p:spTree>
     <p:extLst>
       <p:ext uri="{BB962C8B-B14F-4D97-AF65-F5344CB8AC3E}">
-        <p14:creationId xmlns:p14="http://schemas.microsoft.com/office/powerpoint/2010/main" val="178267063"/>
+        <p14:creationId xmlns:p14="http://schemas.microsoft.com/office/powerpoint/2010/main" val="1393121710"/>
       </p:ext>
     </p:extLst>
   </p:cSld>
@@ -3213,13 +3324,7 @@
       </p:grpSpPr>
       <p:sp>
         <p:nvSpPr>
-          <p:cNvPr id="2" name="Title Placeholder 1">
-            <a:extLst>
-              <a:ext uri="{FF2B5EF4-FFF2-40B4-BE49-F238E27FC236}">
-                <a16:creationId xmlns:a16="http://schemas.microsoft.com/office/drawing/2014/main" id="{21CDAE0E-4068-401A-59D8-2969E28F3ACD}"/>
-              </a:ext>
-            </a:extLst>
-          </p:cNvPr>
+          <p:cNvPr id="2" name="Title Placeholder 1"/>
           <p:cNvSpPr>
             <a:spLocks noGrp="1"/>
           </p:cNvSpPr>
@@ -3229,8 +3334,8 @@
         </p:nvSpPr>
         <p:spPr>
           <a:xfrm>
-            <a:off x="838200" y="365125"/>
-            <a:ext cx="10515600" cy="1325563"/>
+            <a:off x="314325" y="243417"/>
+            <a:ext cx="3943350" cy="883709"/>
           </a:xfrm>
           <a:prstGeom prst="rect">
             <a:avLst/>
@@ -3246,18 +3351,13 @@
               <a:rPr lang="en-US"/>
               <a:t>Click to edit Master title style</a:t>
             </a:r>
-          </a:p>
-        </p:txBody>
-      </p:sp>
-      <p:sp>
-        <p:nvSpPr>
-          <p:cNvPr id="3" name="Text Placeholder 2">
-            <a:extLst>
-              <a:ext uri="{FF2B5EF4-FFF2-40B4-BE49-F238E27FC236}">
-                <a16:creationId xmlns:a16="http://schemas.microsoft.com/office/drawing/2014/main" id="{1F4D7D2B-73E7-50AF-F3C6-759D683E3BA8}"/>
-              </a:ext>
-            </a:extLst>
-          </p:cNvPr>
+            <a:endParaRPr lang="en-US" dirty="0"/>
+          </a:p>
+        </p:txBody>
+      </p:sp>
+      <p:sp>
+        <p:nvSpPr>
+          <p:cNvPr id="3" name="Text Placeholder 2"/>
           <p:cNvSpPr>
             <a:spLocks noGrp="1"/>
           </p:cNvSpPr>
@@ -3267,8 +3367,8 @@
         </p:nvSpPr>
         <p:spPr>
           <a:xfrm>
-            <a:off x="838200" y="1825625"/>
-            <a:ext cx="10515600" cy="4351338"/>
+            <a:off x="314325" y="1217083"/>
+            <a:ext cx="3943350" cy="2900892"/>
           </a:xfrm>
           <a:prstGeom prst="rect">
             <a:avLst/>
@@ -3313,18 +3413,13 @@
               <a:rPr lang="en-US"/>
               <a:t>Fifth level</a:t>
             </a:r>
-          </a:p>
-        </p:txBody>
-      </p:sp>
-      <p:sp>
-        <p:nvSpPr>
-          <p:cNvPr id="4" name="Date Placeholder 3">
-            <a:extLst>
-              <a:ext uri="{FF2B5EF4-FFF2-40B4-BE49-F238E27FC236}">
-                <a16:creationId xmlns:a16="http://schemas.microsoft.com/office/drawing/2014/main" id="{0AEBF730-7AF9-61DB-0FF5-45B2280AEC38}"/>
-              </a:ext>
-            </a:extLst>
-          </p:cNvPr>
+            <a:endParaRPr lang="en-US" dirty="0"/>
+          </a:p>
+        </p:txBody>
+      </p:sp>
+      <p:sp>
+        <p:nvSpPr>
+          <p:cNvPr id="4" name="Date Placeholder 3"/>
           <p:cNvSpPr>
             <a:spLocks noGrp="1"/>
           </p:cNvSpPr>
@@ -3334,8 +3429,8 @@
         </p:nvSpPr>
         <p:spPr>
           <a:xfrm>
-            <a:off x="838200" y="6356350"/>
-            <a:ext cx="2743200" cy="365125"/>
+            <a:off x="314325" y="4237568"/>
+            <a:ext cx="1028700" cy="243417"/>
           </a:xfrm>
           <a:prstGeom prst="rect">
             <a:avLst/>
@@ -3345,7 +3440,7 @@
           <a:bodyPr vert="horz" lIns="91440" tIns="45720" rIns="91440" bIns="45720" rtlCol="0" anchor="ctr"/>
           <a:lstStyle>
             <a:lvl1pPr algn="l">
-              <a:defRPr sz="1200">
+              <a:defRPr sz="600">
                 <a:solidFill>
                   <a:schemeClr val="tx1">
                     <a:tint val="82000"/>
@@ -3357,7 +3452,7 @@
           <a:p>
             <a:fld id="{A205638E-71CB-374F-AB46-795263EF19A7}" type="datetimeFigureOut">
               <a:rPr lang="en-US" smtClean="0"/>
-              <a:t>10/29/24</a:t>
+              <a:t>3/20/25</a:t>
             </a:fld>
             <a:endParaRPr lang="en-US"/>
           </a:p>
@@ -3365,13 +3460,7 @@
       </p:sp>
       <p:sp>
         <p:nvSpPr>
-          <p:cNvPr id="5" name="Footer Placeholder 4">
-            <a:extLst>
-              <a:ext uri="{FF2B5EF4-FFF2-40B4-BE49-F238E27FC236}">
-                <a16:creationId xmlns:a16="http://schemas.microsoft.com/office/drawing/2014/main" id="{CDD05920-16D9-71C4-91DB-24E08DE96E4B}"/>
-              </a:ext>
-            </a:extLst>
-          </p:cNvPr>
+          <p:cNvPr id="5" name="Footer Placeholder 4"/>
           <p:cNvSpPr>
             <a:spLocks noGrp="1"/>
           </p:cNvSpPr>
@@ -3381,8 +3470,8 @@
         </p:nvSpPr>
         <p:spPr>
           <a:xfrm>
-            <a:off x="4038600" y="6356350"/>
-            <a:ext cx="4114800" cy="365125"/>
+            <a:off x="1514475" y="4237568"/>
+            <a:ext cx="1543050" cy="243417"/>
           </a:xfrm>
           <a:prstGeom prst="rect">
             <a:avLst/>
@@ -3392,7 +3481,7 @@
           <a:bodyPr vert="horz" lIns="91440" tIns="45720" rIns="91440" bIns="45720" rtlCol="0" anchor="ctr"/>
           <a:lstStyle>
             <a:lvl1pPr algn="ctr">
-              <a:defRPr sz="1200">
+              <a:defRPr sz="600">
                 <a:solidFill>
                   <a:schemeClr val="tx1">
                     <a:tint val="82000"/>
@@ -3408,13 +3497,7 @@
       </p:sp>
       <p:sp>
         <p:nvSpPr>
-          <p:cNvPr id="6" name="Slide Number Placeholder 5">
-            <a:extLst>
-              <a:ext uri="{FF2B5EF4-FFF2-40B4-BE49-F238E27FC236}">
-                <a16:creationId xmlns:a16="http://schemas.microsoft.com/office/drawing/2014/main" id="{2D66D6C2-FDBC-4C44-DA02-EAF7BFBD9E41}"/>
-              </a:ext>
-            </a:extLst>
-          </p:cNvPr>
+          <p:cNvPr id="6" name="Slide Number Placeholder 5"/>
           <p:cNvSpPr>
             <a:spLocks noGrp="1"/>
           </p:cNvSpPr>
@@ -3424,8 +3507,8 @@
         </p:nvSpPr>
         <p:spPr>
           <a:xfrm>
-            <a:off x="8610600" y="6356350"/>
-            <a:ext cx="2743200" cy="365125"/>
+            <a:off x="3228975" y="4237568"/>
+            <a:ext cx="1028700" cy="243417"/>
           </a:xfrm>
           <a:prstGeom prst="rect">
             <a:avLst/>
@@ -3435,7 +3518,7 @@
           <a:bodyPr vert="horz" lIns="91440" tIns="45720" rIns="91440" bIns="45720" rtlCol="0" anchor="ctr"/>
           <a:lstStyle>
             <a:lvl1pPr algn="r">
-              <a:defRPr sz="1200">
+              <a:defRPr sz="600">
                 <a:solidFill>
                   <a:schemeClr val="tx1">
                     <a:tint val="82000"/>
@@ -3456,27 +3539,27 @@
     </p:spTree>
     <p:extLst>
       <p:ext uri="{BB962C8B-B14F-4D97-AF65-F5344CB8AC3E}">
-        <p14:creationId xmlns:p14="http://schemas.microsoft.com/office/powerpoint/2010/main" val="3549315001"/>
+        <p14:creationId xmlns:p14="http://schemas.microsoft.com/office/powerpoint/2010/main" val="1320517073"/>
       </p:ext>
     </p:extLst>
   </p:cSld>
   <p:clrMap bg1="lt1" tx1="dk1" bg2="lt2" tx2="dk2" accent1="accent1" accent2="accent2" accent3="accent3" accent4="accent4" accent5="accent5" accent6="accent6" hlink="hlink" folHlink="folHlink"/>
   <p:sldLayoutIdLst>
-    <p:sldLayoutId id="2147483649" r:id="rId1"/>
-    <p:sldLayoutId id="2147483650" r:id="rId2"/>
-    <p:sldLayoutId id="2147483651" r:id="rId3"/>
-    <p:sldLayoutId id="2147483652" r:id="rId4"/>
-    <p:sldLayoutId id="2147483653" r:id="rId5"/>
-    <p:sldLayoutId id="2147483654" r:id="rId6"/>
-    <p:sldLayoutId id="2147483655" r:id="rId7"/>
-    <p:sldLayoutId id="2147483656" r:id="rId8"/>
-    <p:sldLayoutId id="2147483657" r:id="rId9"/>
-    <p:sldLayoutId id="2147483658" r:id="rId10"/>
-    <p:sldLayoutId id="2147483659" r:id="rId11"/>
+    <p:sldLayoutId id="2147483661" r:id="rId1"/>
+    <p:sldLayoutId id="2147483662" r:id="rId2"/>
+    <p:sldLayoutId id="2147483663" r:id="rId3"/>
+    <p:sldLayoutId id="2147483664" r:id="rId4"/>
+    <p:sldLayoutId id="2147483665" r:id="rId5"/>
+    <p:sldLayoutId id="2147483666" r:id="rId6"/>
+    <p:sldLayoutId id="2147483667" r:id="rId7"/>
+    <p:sldLayoutId id="2147483668" r:id="rId8"/>
+    <p:sldLayoutId id="2147483669" r:id="rId9"/>
+    <p:sldLayoutId id="2147483670" r:id="rId10"/>
+    <p:sldLayoutId id="2147483671" r:id="rId11"/>
   </p:sldLayoutIdLst>
   <p:txStyles>
     <p:titleStyle>
-      <a:lvl1pPr algn="l" defTabSz="914400" rtl="0" eaLnBrk="1" latinLnBrk="0" hangingPunct="1">
+      <a:lvl1pPr algn="l" defTabSz="457200" rtl="0" eaLnBrk="1" latinLnBrk="0" hangingPunct="1">
         <a:lnSpc>
           <a:spcPct val="90000"/>
         </a:lnSpc>
@@ -3484,7 +3567,7 @@
           <a:spcPct val="0"/>
         </a:spcBef>
         <a:buNone/>
-        <a:defRPr sz="4400" kern="1200">
+        <a:defRPr sz="2200" kern="1200">
           <a:solidFill>
             <a:schemeClr val="tx1"/>
           </a:solidFill>
@@ -3495,16 +3578,16 @@
       </a:lvl1pPr>
     </p:titleStyle>
     <p:bodyStyle>
-      <a:lvl1pPr marL="228600" indent="-228600" algn="l" defTabSz="914400" rtl="0" eaLnBrk="1" latinLnBrk="0" hangingPunct="1">
+      <a:lvl1pPr marL="114300" indent="-114300" algn="l" defTabSz="457200" rtl="0" eaLnBrk="1" latinLnBrk="0" hangingPunct="1">
         <a:lnSpc>
           <a:spcPct val="90000"/>
         </a:lnSpc>
         <a:spcBef>
-          <a:spcPts val="1000"/>
+          <a:spcPts val="500"/>
         </a:spcBef>
         <a:buFont typeface="Arial" panose="020B0604020202020204" pitchFamily="34" charset="0"/>
         <a:buChar char="•"/>
-        <a:defRPr sz="2800" kern="1200">
+        <a:defRPr sz="1400" kern="1200">
           <a:solidFill>
             <a:schemeClr val="tx1"/>
           </a:solidFill>
@@ -3513,16 +3596,16 @@
           <a:cs typeface="+mn-cs"/>
         </a:defRPr>
       </a:lvl1pPr>
-      <a:lvl2pPr marL="685800" indent="-228600" algn="l" defTabSz="914400" rtl="0" eaLnBrk="1" latinLnBrk="0" hangingPunct="1">
+      <a:lvl2pPr marL="342900" indent="-114300" algn="l" defTabSz="457200" rtl="0" eaLnBrk="1" latinLnBrk="0" hangingPunct="1">
         <a:lnSpc>
           <a:spcPct val="90000"/>
         </a:lnSpc>
         <a:spcBef>
-          <a:spcPts val="500"/>
+          <a:spcPts val="250"/>
         </a:spcBef>
         <a:buFont typeface="Arial" panose="020B0604020202020204" pitchFamily="34" charset="0"/>
         <a:buChar char="•"/>
-        <a:defRPr sz="2400" kern="1200">
+        <a:defRPr sz="1200" kern="1200">
           <a:solidFill>
             <a:schemeClr val="tx1"/>
           </a:solidFill>
@@ -3531,16 +3614,16 @@
           <a:cs typeface="+mn-cs"/>
         </a:defRPr>
       </a:lvl2pPr>
-      <a:lvl3pPr marL="1143000" indent="-228600" algn="l" defTabSz="914400" rtl="0" eaLnBrk="1" latinLnBrk="0" hangingPunct="1">
+      <a:lvl3pPr marL="571500" indent="-114300" algn="l" defTabSz="457200" rtl="0" eaLnBrk="1" latinLnBrk="0" hangingPunct="1">
         <a:lnSpc>
           <a:spcPct val="90000"/>
         </a:lnSpc>
         <a:spcBef>
-          <a:spcPts val="500"/>
+          <a:spcPts val="250"/>
         </a:spcBef>
         <a:buFont typeface="Arial" panose="020B0604020202020204" pitchFamily="34" charset="0"/>
         <a:buChar char="•"/>
-        <a:defRPr sz="2000" kern="1200">
+        <a:defRPr sz="1000" kern="1200">
           <a:solidFill>
             <a:schemeClr val="tx1"/>
           </a:solidFill>
@@ -3549,16 +3632,16 @@
           <a:cs typeface="+mn-cs"/>
         </a:defRPr>
       </a:lvl3pPr>
-      <a:lvl4pPr marL="1600200" indent="-228600" algn="l" defTabSz="914400" rtl="0" eaLnBrk="1" latinLnBrk="0" hangingPunct="1">
+      <a:lvl4pPr marL="800100" indent="-114300" algn="l" defTabSz="457200" rtl="0" eaLnBrk="1" latinLnBrk="0" hangingPunct="1">
         <a:lnSpc>
           <a:spcPct val="90000"/>
         </a:lnSpc>
         <a:spcBef>
-          <a:spcPts val="500"/>
+          <a:spcPts val="250"/>
         </a:spcBef>
         <a:buFont typeface="Arial" panose="020B0604020202020204" pitchFamily="34" charset="0"/>
         <a:buChar char="•"/>
-        <a:defRPr sz="1800" kern="1200">
+        <a:defRPr sz="900" kern="1200">
           <a:solidFill>
             <a:schemeClr val="tx1"/>
           </a:solidFill>
@@ -3567,16 +3650,16 @@
           <a:cs typeface="+mn-cs"/>
         </a:defRPr>
       </a:lvl4pPr>
-      <a:lvl5pPr marL="2057400" indent="-228600" algn="l" defTabSz="914400" rtl="0" eaLnBrk="1" latinLnBrk="0" hangingPunct="1">
+      <a:lvl5pPr marL="1028700" indent="-114300" algn="l" defTabSz="457200" rtl="0" eaLnBrk="1" latinLnBrk="0" hangingPunct="1">
         <a:lnSpc>
           <a:spcPct val="90000"/>
         </a:lnSpc>
         <a:spcBef>
-          <a:spcPts val="500"/>
+          <a:spcPts val="250"/>
         </a:spcBef>
         <a:buFont typeface="Arial" panose="020B0604020202020204" pitchFamily="34" charset="0"/>
         <a:buChar char="•"/>
-        <a:defRPr sz="1800" kern="1200">
+        <a:defRPr sz="900" kern="1200">
           <a:solidFill>
             <a:schemeClr val="tx1"/>
           </a:solidFill>
@@ -3585,16 +3668,16 @@
           <a:cs typeface="+mn-cs"/>
         </a:defRPr>
       </a:lvl5pPr>
-      <a:lvl6pPr marL="2514600" indent="-228600" algn="l" defTabSz="914400" rtl="0" eaLnBrk="1" latinLnBrk="0" hangingPunct="1">
+      <a:lvl6pPr marL="1257300" indent="-114300" algn="l" defTabSz="457200" rtl="0" eaLnBrk="1" latinLnBrk="0" hangingPunct="1">
         <a:lnSpc>
           <a:spcPct val="90000"/>
         </a:lnSpc>
         <a:spcBef>
-          <a:spcPts val="500"/>
+          <a:spcPts val="250"/>
         </a:spcBef>
         <a:buFont typeface="Arial" panose="020B0604020202020204" pitchFamily="34" charset="0"/>
         <a:buChar char="•"/>
-        <a:defRPr sz="1800" kern="1200">
+        <a:defRPr sz="900" kern="1200">
           <a:solidFill>
             <a:schemeClr val="tx1"/>
           </a:solidFill>
@@ -3603,16 +3686,16 @@
           <a:cs typeface="+mn-cs"/>
         </a:defRPr>
       </a:lvl6pPr>
-      <a:lvl7pPr marL="2971800" indent="-228600" algn="l" defTabSz="914400" rtl="0" eaLnBrk="1" latinLnBrk="0" hangingPunct="1">
+      <a:lvl7pPr marL="1485900" indent="-114300" algn="l" defTabSz="457200" rtl="0" eaLnBrk="1" latinLnBrk="0" hangingPunct="1">
         <a:lnSpc>
           <a:spcPct val="90000"/>
         </a:lnSpc>
         <a:spcBef>
-          <a:spcPts val="500"/>
+          <a:spcPts val="250"/>
         </a:spcBef>
         <a:buFont typeface="Arial" panose="020B0604020202020204" pitchFamily="34" charset="0"/>
         <a:buChar char="•"/>
-        <a:defRPr sz="1800" kern="1200">
+        <a:defRPr sz="900" kern="1200">
           <a:solidFill>
             <a:schemeClr val="tx1"/>
           </a:solidFill>
@@ -3621,16 +3704,16 @@
           <a:cs typeface="+mn-cs"/>
         </a:defRPr>
       </a:lvl7pPr>
-      <a:lvl8pPr marL="3429000" indent="-228600" algn="l" defTabSz="914400" rtl="0" eaLnBrk="1" latinLnBrk="0" hangingPunct="1">
+      <a:lvl8pPr marL="1714500" indent="-114300" algn="l" defTabSz="457200" rtl="0" eaLnBrk="1" latinLnBrk="0" hangingPunct="1">
         <a:lnSpc>
           <a:spcPct val="90000"/>
         </a:lnSpc>
         <a:spcBef>
-          <a:spcPts val="500"/>
+          <a:spcPts val="250"/>
         </a:spcBef>
         <a:buFont typeface="Arial" panose="020B0604020202020204" pitchFamily="34" charset="0"/>
         <a:buChar char="•"/>
-        <a:defRPr sz="1800" kern="1200">
+        <a:defRPr sz="900" kern="1200">
           <a:solidFill>
             <a:schemeClr val="tx1"/>
           </a:solidFill>
@@ -3639,16 +3722,16 @@
           <a:cs typeface="+mn-cs"/>
         </a:defRPr>
       </a:lvl8pPr>
-      <a:lvl9pPr marL="3886200" indent="-228600" algn="l" defTabSz="914400" rtl="0" eaLnBrk="1" latinLnBrk="0" hangingPunct="1">
+      <a:lvl9pPr marL="1943100" indent="-114300" algn="l" defTabSz="457200" rtl="0" eaLnBrk="1" latinLnBrk="0" hangingPunct="1">
         <a:lnSpc>
           <a:spcPct val="90000"/>
         </a:lnSpc>
         <a:spcBef>
-          <a:spcPts val="500"/>
+          <a:spcPts val="250"/>
         </a:spcBef>
         <a:buFont typeface="Arial" panose="020B0604020202020204" pitchFamily="34" charset="0"/>
         <a:buChar char="•"/>
-        <a:defRPr sz="1800" kern="1200">
+        <a:defRPr sz="900" kern="1200">
           <a:solidFill>
             <a:schemeClr val="tx1"/>
           </a:solidFill>
@@ -3662,8 +3745,8 @@
       <a:defPPr>
         <a:defRPr lang="en-US"/>
       </a:defPPr>
-      <a:lvl1pPr marL="0" algn="l" defTabSz="914400" rtl="0" eaLnBrk="1" latinLnBrk="0" hangingPunct="1">
-        <a:defRPr sz="1800" kern="1200">
+      <a:lvl1pPr marL="0" algn="l" defTabSz="457200" rtl="0" eaLnBrk="1" latinLnBrk="0" hangingPunct="1">
+        <a:defRPr sz="900" kern="1200">
           <a:solidFill>
             <a:schemeClr val="tx1"/>
           </a:solidFill>
@@ -3672,8 +3755,8 @@
           <a:cs typeface="+mn-cs"/>
         </a:defRPr>
       </a:lvl1pPr>
-      <a:lvl2pPr marL="457200" algn="l" defTabSz="914400" rtl="0" eaLnBrk="1" latinLnBrk="0" hangingPunct="1">
-        <a:defRPr sz="1800" kern="1200">
+      <a:lvl2pPr marL="228600" algn="l" defTabSz="457200" rtl="0" eaLnBrk="1" latinLnBrk="0" hangingPunct="1">
+        <a:defRPr sz="900" kern="1200">
           <a:solidFill>
             <a:schemeClr val="tx1"/>
           </a:solidFill>
@@ -3682,8 +3765,8 @@
           <a:cs typeface="+mn-cs"/>
         </a:defRPr>
       </a:lvl2pPr>
-      <a:lvl3pPr marL="914400" algn="l" defTabSz="914400" rtl="0" eaLnBrk="1" latinLnBrk="0" hangingPunct="1">
-        <a:defRPr sz="1800" kern="1200">
+      <a:lvl3pPr marL="457200" algn="l" defTabSz="457200" rtl="0" eaLnBrk="1" latinLnBrk="0" hangingPunct="1">
+        <a:defRPr sz="900" kern="1200">
           <a:solidFill>
             <a:schemeClr val="tx1"/>
           </a:solidFill>
@@ -3692,8 +3775,8 @@
           <a:cs typeface="+mn-cs"/>
         </a:defRPr>
       </a:lvl3pPr>
-      <a:lvl4pPr marL="1371600" algn="l" defTabSz="914400" rtl="0" eaLnBrk="1" latinLnBrk="0" hangingPunct="1">
-        <a:defRPr sz="1800" kern="1200">
+      <a:lvl4pPr marL="685800" algn="l" defTabSz="457200" rtl="0" eaLnBrk="1" latinLnBrk="0" hangingPunct="1">
+        <a:defRPr sz="900" kern="1200">
           <a:solidFill>
             <a:schemeClr val="tx1"/>
           </a:solidFill>
@@ -3702,8 +3785,8 @@
           <a:cs typeface="+mn-cs"/>
         </a:defRPr>
       </a:lvl4pPr>
-      <a:lvl5pPr marL="1828800" algn="l" defTabSz="914400" rtl="0" eaLnBrk="1" latinLnBrk="0" hangingPunct="1">
-        <a:defRPr sz="1800" kern="1200">
+      <a:lvl5pPr marL="914400" algn="l" defTabSz="457200" rtl="0" eaLnBrk="1" latinLnBrk="0" hangingPunct="1">
+        <a:defRPr sz="900" kern="1200">
           <a:solidFill>
             <a:schemeClr val="tx1"/>
           </a:solidFill>
@@ -3712,8 +3795,8 @@
           <a:cs typeface="+mn-cs"/>
         </a:defRPr>
       </a:lvl5pPr>
-      <a:lvl6pPr marL="2286000" algn="l" defTabSz="914400" rtl="0" eaLnBrk="1" latinLnBrk="0" hangingPunct="1">
-        <a:defRPr sz="1800" kern="1200">
+      <a:lvl6pPr marL="1143000" algn="l" defTabSz="457200" rtl="0" eaLnBrk="1" latinLnBrk="0" hangingPunct="1">
+        <a:defRPr sz="900" kern="1200">
           <a:solidFill>
             <a:schemeClr val="tx1"/>
           </a:solidFill>
@@ -3722,8 +3805,8 @@
           <a:cs typeface="+mn-cs"/>
         </a:defRPr>
       </a:lvl6pPr>
-      <a:lvl7pPr marL="2743200" algn="l" defTabSz="914400" rtl="0" eaLnBrk="1" latinLnBrk="0" hangingPunct="1">
-        <a:defRPr sz="1800" kern="1200">
+      <a:lvl7pPr marL="1371600" algn="l" defTabSz="457200" rtl="0" eaLnBrk="1" latinLnBrk="0" hangingPunct="1">
+        <a:defRPr sz="900" kern="1200">
           <a:solidFill>
             <a:schemeClr val="tx1"/>
           </a:solidFill>
@@ -3732,8 +3815,8 @@
           <a:cs typeface="+mn-cs"/>
         </a:defRPr>
       </a:lvl7pPr>
-      <a:lvl8pPr marL="3200400" algn="l" defTabSz="914400" rtl="0" eaLnBrk="1" latinLnBrk="0" hangingPunct="1">
-        <a:defRPr sz="1800" kern="1200">
+      <a:lvl8pPr marL="1600200" algn="l" defTabSz="457200" rtl="0" eaLnBrk="1" latinLnBrk="0" hangingPunct="1">
+        <a:defRPr sz="900" kern="1200">
           <a:solidFill>
             <a:schemeClr val="tx1"/>
           </a:solidFill>
@@ -3742,8 +3825,8 @@
           <a:cs typeface="+mn-cs"/>
         </a:defRPr>
       </a:lvl8pPr>
-      <a:lvl9pPr marL="3657600" algn="l" defTabSz="914400" rtl="0" eaLnBrk="1" latinLnBrk="0" hangingPunct="1">
-        <a:defRPr sz="1800" kern="1200">
+      <a:lvl9pPr marL="1828800" algn="l" defTabSz="457200" rtl="0" eaLnBrk="1" latinLnBrk="0" hangingPunct="1">
+        <a:defRPr sz="900" kern="1200">
           <a:solidFill>
             <a:schemeClr val="tx1"/>
           </a:solidFill>
@@ -3789,7 +3872,7 @@
           <p:nvPr/>
         </p:nvPicPr>
         <p:blipFill>
-          <a:blip r:embed="rId2">
+          <a:blip r:embed="rId3">
             <a:clrChange>
               <a:clrFrom>
                 <a:srgbClr val="F4F4F6"/>
@@ -3814,7 +3897,7 @@
         </p:blipFill>
         <p:spPr>
           <a:xfrm>
-            <a:off x="5656875" y="3429173"/>
+            <a:off x="2032623" y="3342770"/>
             <a:ext cx="731953" cy="634701"/>
           </a:xfrm>
           <a:prstGeom prst="rect">
@@ -3837,7 +3920,7 @@
           <p:nvPr/>
         </p:nvPicPr>
         <p:blipFill>
-          <a:blip r:embed="rId2">
+          <a:blip r:embed="rId3">
             <a:clrChange>
               <a:clrFrom>
                 <a:srgbClr val="F4F4F6"/>
@@ -3862,7 +3945,7 @@
         </p:blipFill>
         <p:spPr>
           <a:xfrm>
-            <a:off x="6081543" y="3357837"/>
+            <a:off x="2457291" y="3271434"/>
             <a:ext cx="731953" cy="634701"/>
           </a:xfrm>
           <a:prstGeom prst="rect">
@@ -3885,7 +3968,7 @@
           <p:nvPr/>
         </p:nvPicPr>
         <p:blipFill>
-          <a:blip r:embed="rId2">
+          <a:blip r:embed="rId3">
             <a:clrChange>
               <a:clrFrom>
                 <a:srgbClr val="F4F4F6"/>
@@ -3910,7 +3993,7 @@
         </p:blipFill>
         <p:spPr>
           <a:xfrm>
-            <a:off x="5314033" y="3193054"/>
+            <a:off x="1689780" y="3106650"/>
             <a:ext cx="757514" cy="656866"/>
           </a:xfrm>
           <a:prstGeom prst="rect">
@@ -3933,7 +4016,7 @@
           <p:nvPr/>
         </p:nvPicPr>
         <p:blipFill>
-          <a:blip r:embed="rId2">
+          <a:blip r:embed="rId3">
             <a:clrChange>
               <a:clrFrom>
                 <a:srgbClr val="F4F4F6"/>
@@ -3958,7 +4041,7 @@
         </p:blipFill>
         <p:spPr>
           <a:xfrm>
-            <a:off x="5515055" y="3766963"/>
+            <a:off x="1890803" y="3680560"/>
             <a:ext cx="731953" cy="634701"/>
           </a:xfrm>
           <a:prstGeom prst="rect">
@@ -3981,7 +4064,7 @@
           <p:nvPr/>
         </p:nvPicPr>
         <p:blipFill>
-          <a:blip r:embed="rId2">
+          <a:blip r:embed="rId3">
             <a:clrChange>
               <a:clrFrom>
                 <a:srgbClr val="F4F4F6"/>
@@ -4006,7 +4089,7 @@
         </p:blipFill>
         <p:spPr>
           <a:xfrm>
-            <a:off x="5714422" y="2171154"/>
+            <a:off x="2090170" y="2084751"/>
             <a:ext cx="731953" cy="634701"/>
           </a:xfrm>
           <a:prstGeom prst="rect">
@@ -4029,7 +4112,7 @@
           <p:nvPr/>
         </p:nvPicPr>
         <p:blipFill>
-          <a:blip r:embed="rId2">
+          <a:blip r:embed="rId3">
             <a:clrChange>
               <a:clrFrom>
                 <a:srgbClr val="F4F4F6"/>
@@ -4054,7 +4137,7 @@
         </p:blipFill>
         <p:spPr>
           <a:xfrm>
-            <a:off x="4808002" y="3552147"/>
+            <a:off x="1183750" y="3465744"/>
             <a:ext cx="731953" cy="634701"/>
           </a:xfrm>
           <a:prstGeom prst="rect">
@@ -4077,7 +4160,7 @@
           <p:nvPr/>
         </p:nvPicPr>
         <p:blipFill>
-          <a:blip r:embed="rId2">
+          <a:blip r:embed="rId3">
             <a:clrChange>
               <a:clrFrom>
                 <a:srgbClr val="F4F4F6"/>
@@ -4102,7 +4185,7 @@
         </p:blipFill>
         <p:spPr>
           <a:xfrm>
-            <a:off x="5929178" y="3759401"/>
+            <a:off x="2304926" y="3672998"/>
             <a:ext cx="731953" cy="634701"/>
           </a:xfrm>
           <a:prstGeom prst="rect">
@@ -4125,7 +4208,7 @@
           <p:nvPr/>
         </p:nvPicPr>
         <p:blipFill>
-          <a:blip r:embed="rId2">
+          <a:blip r:embed="rId3">
             <a:clrChange>
               <a:clrFrom>
                 <a:srgbClr val="F4F4F6"/>
@@ -4150,7 +4233,7 @@
         </p:blipFill>
         <p:spPr>
           <a:xfrm>
-            <a:off x="6557508" y="2738240"/>
+            <a:off x="2933256" y="2651837"/>
             <a:ext cx="731953" cy="634701"/>
           </a:xfrm>
           <a:prstGeom prst="rect">
@@ -4173,7 +4256,7 @@
           <p:nvPr/>
         </p:nvPicPr>
         <p:blipFill>
-          <a:blip r:embed="rId2">
+          <a:blip r:embed="rId3">
             <a:clrChange>
               <a:clrFrom>
                 <a:srgbClr val="F4F4F6"/>
@@ -4198,7 +4281,7 @@
         </p:blipFill>
         <p:spPr>
           <a:xfrm>
-            <a:off x="6240139" y="2952441"/>
+            <a:off x="2615887" y="2866038"/>
             <a:ext cx="731953" cy="634701"/>
           </a:xfrm>
           <a:prstGeom prst="rect">
@@ -4221,7 +4304,7 @@
           <p:nvPr/>
         </p:nvPicPr>
         <p:blipFill>
-          <a:blip r:embed="rId2">
+          <a:blip r:embed="rId3">
             <a:clrChange>
               <a:clrFrom>
                 <a:srgbClr val="F4F4F6"/>
@@ -4246,7 +4329,7 @@
         </p:blipFill>
         <p:spPr>
           <a:xfrm>
-            <a:off x="5837467" y="3040557"/>
+            <a:off x="2213215" y="2954154"/>
             <a:ext cx="731953" cy="634701"/>
           </a:xfrm>
           <a:prstGeom prst="rect">
@@ -4269,7 +4352,7 @@
           <p:nvPr/>
         </p:nvPicPr>
         <p:blipFill>
-          <a:blip r:embed="rId2">
+          <a:blip r:embed="rId3">
             <a:clrChange>
               <a:clrFrom>
                 <a:srgbClr val="F4F4F6"/>
@@ -4294,7 +4377,7 @@
         </p:blipFill>
         <p:spPr>
           <a:xfrm>
-            <a:off x="5472885" y="2324695"/>
+            <a:off x="1848633" y="2238292"/>
             <a:ext cx="731953" cy="634701"/>
           </a:xfrm>
           <a:prstGeom prst="rect">
@@ -4317,7 +4400,7 @@
           <p:nvPr/>
         </p:nvPicPr>
         <p:blipFill>
-          <a:blip r:embed="rId2">
+          <a:blip r:embed="rId3">
             <a:clrChange>
               <a:clrFrom>
                 <a:srgbClr val="F4F4F6"/>
@@ -4342,7 +4425,7 @@
         </p:blipFill>
         <p:spPr>
           <a:xfrm>
-            <a:off x="5154213" y="2841021"/>
+            <a:off x="1529961" y="2754618"/>
             <a:ext cx="731953" cy="634701"/>
           </a:xfrm>
           <a:prstGeom prst="rect">
@@ -4365,7 +4448,7 @@
           <p:nvPr/>
         </p:nvPicPr>
         <p:blipFill>
-          <a:blip r:embed="rId2">
+          <a:blip r:embed="rId3">
             <a:clrChange>
               <a:clrFrom>
                 <a:srgbClr val="F4F4F6"/>
@@ -4390,7 +4473,7 @@
         </p:blipFill>
         <p:spPr>
           <a:xfrm>
-            <a:off x="4892280" y="3180959"/>
+            <a:off x="1268028" y="3094556"/>
             <a:ext cx="731953" cy="634701"/>
           </a:xfrm>
           <a:prstGeom prst="rect">
@@ -4413,7 +4496,7 @@
           <p:nvPr/>
         </p:nvPicPr>
         <p:blipFill>
-          <a:blip r:embed="rId2">
+          <a:blip r:embed="rId3">
             <a:clrChange>
               <a:clrFrom>
                 <a:srgbClr val="F4F4F6"/>
@@ -4438,7 +4521,7 @@
         </p:blipFill>
         <p:spPr>
           <a:xfrm>
-            <a:off x="5508738" y="2783783"/>
+            <a:off x="1884486" y="2697380"/>
             <a:ext cx="731953" cy="634701"/>
           </a:xfrm>
           <a:prstGeom prst="rect">
@@ -4461,7 +4544,7 @@
           <p:nvPr/>
         </p:nvPicPr>
         <p:blipFill>
-          <a:blip r:embed="rId2">
+          <a:blip r:embed="rId3">
             <a:clrChange>
               <a:clrFrom>
                 <a:srgbClr val="F4F4F6"/>
@@ -4486,7 +4569,7 @@
         </p:blipFill>
         <p:spPr>
           <a:xfrm>
-            <a:off x="4110982" y="3234797"/>
+            <a:off x="486730" y="3148394"/>
             <a:ext cx="731953" cy="634701"/>
           </a:xfrm>
           <a:prstGeom prst="rect">
@@ -4509,7 +4592,7 @@
           <p:nvPr/>
         </p:nvPicPr>
         <p:blipFill>
-          <a:blip r:embed="rId2">
+          <a:blip r:embed="rId3">
             <a:clrChange>
               <a:clrFrom>
                 <a:srgbClr val="F4F4F6"/>
@@ -4534,7 +4617,7 @@
         </p:blipFill>
         <p:spPr>
           <a:xfrm>
-            <a:off x="5276786" y="2527675"/>
+            <a:off x="1652534" y="2441272"/>
             <a:ext cx="731953" cy="634701"/>
           </a:xfrm>
           <a:prstGeom prst="rect">
@@ -4557,7 +4640,7 @@
           <p:nvPr/>
         </p:nvPicPr>
         <p:blipFill>
-          <a:blip r:embed="rId2">
+          <a:blip r:embed="rId3">
             <a:clrChange>
               <a:clrFrom>
                 <a:srgbClr val="F4F4F6"/>
@@ -4582,7 +4665,7 @@
         </p:blipFill>
         <p:spPr>
           <a:xfrm>
-            <a:off x="4511817" y="3318489"/>
+            <a:off x="887565" y="3232086"/>
             <a:ext cx="731953" cy="634701"/>
           </a:xfrm>
           <a:prstGeom prst="rect">
@@ -4605,7 +4688,7 @@
           <p:nvPr/>
         </p:nvPicPr>
         <p:blipFill>
-          <a:blip r:embed="rId2">
+          <a:blip r:embed="rId3">
             <a:clrChange>
               <a:clrFrom>
                 <a:srgbClr val="F4F4F6"/>
@@ -4630,7 +4713,7 @@
         </p:blipFill>
         <p:spPr>
           <a:xfrm>
-            <a:off x="3845942" y="2886362"/>
+            <a:off x="221690" y="2799959"/>
             <a:ext cx="731953" cy="634701"/>
           </a:xfrm>
           <a:prstGeom prst="rect">
@@ -4653,7 +4736,7 @@
           <p:nvPr/>
         </p:nvPicPr>
         <p:blipFill>
-          <a:blip r:embed="rId2">
+          <a:blip r:embed="rId3">
             <a:clrChange>
               <a:clrFrom>
                 <a:srgbClr val="F4F4F6"/>
@@ -4678,7 +4761,7 @@
         </p:blipFill>
         <p:spPr>
           <a:xfrm>
-            <a:off x="3919938" y="2527675"/>
+            <a:off x="295686" y="2441272"/>
             <a:ext cx="731953" cy="634701"/>
           </a:xfrm>
           <a:prstGeom prst="rect">
@@ -4701,7 +4784,7 @@
           <p:nvPr/>
         </p:nvPicPr>
         <p:blipFill>
-          <a:blip r:embed="rId2">
+          <a:blip r:embed="rId3">
             <a:clrChange>
               <a:clrFrom>
                 <a:srgbClr val="F4F4F6"/>
@@ -4726,7 +4809,7 @@
         </p:blipFill>
         <p:spPr>
           <a:xfrm>
-            <a:off x="5206566" y="3608994"/>
+            <a:off x="1582314" y="3522591"/>
             <a:ext cx="731953" cy="634701"/>
           </a:xfrm>
           <a:prstGeom prst="rect">
@@ -4749,7 +4832,7 @@
           <p:nvPr/>
         </p:nvPicPr>
         <p:blipFill rotWithShape="1">
-          <a:blip r:embed="rId2">
+          <a:blip r:embed="rId3">
             <a:clrChange>
               <a:clrFrom>
                 <a:srgbClr val="F4F4F6"/>
@@ -4773,7 +4856,7 @@
         </p:blipFill>
         <p:spPr>
           <a:xfrm>
-            <a:off x="4387579" y="2388709"/>
+            <a:off x="763326" y="2302305"/>
             <a:ext cx="616102" cy="586952"/>
           </a:xfrm>
           <a:prstGeom prst="rect">
@@ -4796,7 +4879,7 @@
           <p:nvPr/>
         </p:nvPicPr>
         <p:blipFill>
-          <a:blip r:embed="rId2">
+          <a:blip r:embed="rId3">
             <a:clrChange>
               <a:clrFrom>
                 <a:srgbClr val="F4F4F6"/>
@@ -4821,7 +4904,7 @@
         </p:blipFill>
         <p:spPr>
           <a:xfrm>
-            <a:off x="7003501" y="2742149"/>
+            <a:off x="3379249" y="2655746"/>
             <a:ext cx="731953" cy="634701"/>
           </a:xfrm>
           <a:prstGeom prst="rect">
@@ -4844,7 +4927,7 @@
           <p:nvPr/>
         </p:nvPicPr>
         <p:blipFill>
-          <a:blip r:embed="rId2">
+          <a:blip r:embed="rId3">
             <a:clrChange>
               <a:clrFrom>
                 <a:srgbClr val="F4F4F6"/>
@@ -4869,7 +4952,7 @@
         </p:blipFill>
         <p:spPr>
           <a:xfrm>
-            <a:off x="7091321" y="1821939"/>
+            <a:off x="3467069" y="1735536"/>
             <a:ext cx="731953" cy="634701"/>
           </a:xfrm>
           <a:prstGeom prst="rect">
@@ -4892,7 +4975,7 @@
           <p:nvPr/>
         </p:nvPicPr>
         <p:blipFill>
-          <a:blip r:embed="rId2">
+          <a:blip r:embed="rId3">
             <a:clrChange>
               <a:clrFrom>
                 <a:srgbClr val="F4F4F6"/>
@@ -4917,7 +5000,7 @@
         </p:blipFill>
         <p:spPr>
           <a:xfrm>
-            <a:off x="6856753" y="2041801"/>
+            <a:off x="3232501" y="1955398"/>
             <a:ext cx="731953" cy="634701"/>
           </a:xfrm>
           <a:prstGeom prst="rect">
@@ -4940,7 +5023,7 @@
           <p:nvPr/>
         </p:nvPicPr>
         <p:blipFill>
-          <a:blip r:embed="rId2">
+          <a:blip r:embed="rId3">
             <a:clrChange>
               <a:clrFrom>
                 <a:srgbClr val="F4F4F6"/>
@@ -4965,7 +5048,7 @@
         </p:blipFill>
         <p:spPr>
           <a:xfrm>
-            <a:off x="6769704" y="2390192"/>
+            <a:off x="3145452" y="2303789"/>
             <a:ext cx="731953" cy="634701"/>
           </a:xfrm>
           <a:prstGeom prst="rect">
@@ -4988,7 +5071,7 @@
           <p:nvPr/>
         </p:nvPicPr>
         <p:blipFill>
-          <a:blip r:embed="rId2">
+          <a:blip r:embed="rId3">
             <a:clrChange>
               <a:clrFrom>
                 <a:srgbClr val="F4F4F6"/>
@@ -5013,7 +5096,7 @@
         </p:blipFill>
         <p:spPr>
           <a:xfrm>
-            <a:off x="6709878" y="3048608"/>
+            <a:off x="3085626" y="2962205"/>
             <a:ext cx="731953" cy="634701"/>
           </a:xfrm>
           <a:prstGeom prst="rect">
@@ -5036,7 +5119,7 @@
           <p:nvPr/>
         </p:nvPicPr>
         <p:blipFill>
-          <a:blip r:embed="rId2">
+          <a:blip r:embed="rId3">
             <a:clrChange>
               <a:clrFrom>
                 <a:srgbClr val="F4F4F6"/>
@@ -5061,7 +5144,7 @@
         </p:blipFill>
         <p:spPr>
           <a:xfrm>
-            <a:off x="6492591" y="3290202"/>
+            <a:off x="2868339" y="3203799"/>
             <a:ext cx="731953" cy="634701"/>
           </a:xfrm>
           <a:prstGeom prst="rect">
@@ -5084,7 +5167,7 @@
           <p:nvPr/>
         </p:nvPicPr>
         <p:blipFill>
-          <a:blip r:embed="rId2">
+          <a:blip r:embed="rId3">
             <a:clrChange>
               <a:clrFrom>
                 <a:srgbClr val="F4F4F6"/>
@@ -5109,7 +5192,7 @@
         </p:blipFill>
         <p:spPr>
           <a:xfrm>
-            <a:off x="6350771" y="3697812"/>
+            <a:off x="2726519" y="3611409"/>
             <a:ext cx="731953" cy="634701"/>
           </a:xfrm>
           <a:prstGeom prst="rect">
@@ -5132,7 +5215,7 @@
           <p:nvPr/>
         </p:nvPicPr>
         <p:blipFill>
-          <a:blip r:embed="rId2">
+          <a:blip r:embed="rId3">
             <a:clrChange>
               <a:clrFrom>
                 <a:srgbClr val="F4F4F6"/>
@@ -5157,7 +5240,7 @@
         </p:blipFill>
         <p:spPr>
           <a:xfrm>
-            <a:off x="7214497" y="2316746"/>
+            <a:off x="3590245" y="2230343"/>
             <a:ext cx="731953" cy="634701"/>
           </a:xfrm>
           <a:prstGeom prst="rect">
@@ -5180,7 +5263,7 @@
           <p:nvPr/>
         </p:nvPicPr>
         <p:blipFill>
-          <a:blip r:embed="rId2">
+          <a:blip r:embed="rId3">
             <a:clrChange>
               <a:clrFrom>
                 <a:srgbClr val="F4F4F6"/>
@@ -5205,7 +5288,7 @@
         </p:blipFill>
         <p:spPr>
           <a:xfrm>
-            <a:off x="7207891" y="3132262"/>
+            <a:off x="3583639" y="3045859"/>
             <a:ext cx="731953" cy="634701"/>
           </a:xfrm>
           <a:prstGeom prst="rect">
@@ -5228,7 +5311,7 @@
           <p:nvPr/>
         </p:nvPicPr>
         <p:blipFill>
-          <a:blip r:embed="rId2">
+          <a:blip r:embed="rId3">
             <a:clrChange>
               <a:clrFrom>
                 <a:srgbClr val="F4F4F6"/>
@@ -5253,7 +5336,7 @@
         </p:blipFill>
         <p:spPr>
           <a:xfrm>
-            <a:off x="6949464" y="3418352"/>
+            <a:off x="3325212" y="3331949"/>
             <a:ext cx="731953" cy="634701"/>
           </a:xfrm>
           <a:prstGeom prst="rect">
@@ -5276,15 +5359,15 @@
           <p:nvPr/>
         </p:nvPicPr>
         <p:blipFill>
-          <a:blip r:embed="rId3"/>
+          <a:blip r:embed="rId4"/>
           <a:stretch>
             <a:fillRect/>
           </a:stretch>
         </p:blipFill>
         <p:spPr>
           <a:xfrm rot="1572944">
-            <a:off x="2367989" y="3629777"/>
-            <a:ext cx="3604011" cy="1630034"/>
+            <a:off x="222319" y="3770619"/>
+            <a:ext cx="1864005" cy="366787"/>
           </a:xfrm>
           <a:prstGeom prst="rect">
             <a:avLst/>
@@ -5306,24 +5389,24 @@
           <p:nvPr/>
         </p:nvPicPr>
         <p:blipFill>
-          <a:blip r:embed="rId3"/>
+          <a:blip r:embed="rId4"/>
           <a:stretch>
             <a:fillRect/>
           </a:stretch>
         </p:blipFill>
         <p:spPr>
           <a:xfrm rot="19961698">
-            <a:off x="5129226" y="3914702"/>
-            <a:ext cx="3896082" cy="1630034"/>
+            <a:off x="2471658" y="3771301"/>
+            <a:ext cx="1874906" cy="359429"/>
           </a:xfrm>
           <a:prstGeom prst="rect">
             <a:avLst/>
           </a:prstGeom>
         </p:spPr>
       </p:pic>
-      <mc:AlternateContent xmlns:mc="http://schemas.openxmlformats.org/markup-compatibility/2006" xmlns:p14="http://schemas.microsoft.com/office/powerpoint/2010/main">
-        <mc:Choice Requires="p14">
-          <p:contentPart p14:bwMode="auto" r:id="rId4">
+      <mc:AlternateContent xmlns:mc="http://schemas.openxmlformats.org/markup-compatibility/2006">
+        <mc:Choice xmlns:p14="http://schemas.microsoft.com/office/powerpoint/2010/main" Requires="p14">
+          <p:contentPart p14:bwMode="auto" r:id="rId5">
             <p14:nvContentPartPr>
               <p14:cNvPr id="60" name="Ink 59">
                 <a:extLst>
@@ -5336,12 +5419,12 @@
               <p14:nvPr/>
             </p14:nvContentPartPr>
             <p14:xfrm>
-              <a:off x="4629559" y="2797747"/>
+              <a:off x="1005306" y="2711343"/>
               <a:ext cx="309960" cy="156240"/>
             </p14:xfrm>
           </p:contentPart>
         </mc:Choice>
-        <mc:Fallback xmlns="">
+        <mc:Fallback>
           <p:pic>
             <p:nvPicPr>
               <p:cNvPr id="60" name="Ink 59">
@@ -5355,15 +5438,15 @@
               <p:nvPr/>
             </p:nvPicPr>
             <p:blipFill>
-              <a:blip r:embed="rId5"/>
+              <a:blip r:embed="rId6"/>
               <a:stretch>
                 <a:fillRect/>
               </a:stretch>
             </p:blipFill>
             <p:spPr>
               <a:xfrm>
-                <a:off x="4566919" y="2735107"/>
-                <a:ext cx="435600" cy="281880"/>
+                <a:off x="942306" y="2648198"/>
+                <a:ext cx="435600" cy="282170"/>
               </a:xfrm>
               <a:prstGeom prst="rect">
                 <a:avLst/>
@@ -5372,9 +5455,9 @@
           </p:pic>
         </mc:Fallback>
       </mc:AlternateContent>
-      <mc:AlternateContent xmlns:mc="http://schemas.openxmlformats.org/markup-compatibility/2006" xmlns:p14="http://schemas.microsoft.com/office/powerpoint/2010/main">
-        <mc:Choice Requires="p14">
-          <p:contentPart p14:bwMode="auto" r:id="rId6">
+      <mc:AlternateContent xmlns:mc="http://schemas.openxmlformats.org/markup-compatibility/2006">
+        <mc:Choice xmlns:p14="http://schemas.microsoft.com/office/powerpoint/2010/main" Requires="p14">
+          <p:contentPart p14:bwMode="auto" r:id="rId7">
             <p14:nvContentPartPr>
               <p14:cNvPr id="61" name="Ink 60">
                 <a:extLst>
@@ -5387,12 +5470,12 @@
               <p14:nvPr/>
             </p14:nvContentPartPr>
             <p14:xfrm>
-              <a:off x="4626319" y="2898547"/>
+              <a:off x="1002066" y="2812143"/>
               <a:ext cx="71640" cy="52920"/>
             </p14:xfrm>
           </p:contentPart>
         </mc:Choice>
-        <mc:Fallback xmlns="">
+        <mc:Fallback>
           <p:pic>
             <p:nvPicPr>
               <p:cNvPr id="61" name="Ink 60">
@@ -5406,14 +5489,14 @@
               <p:nvPr/>
             </p:nvPicPr>
             <p:blipFill>
-              <a:blip r:embed="rId7"/>
+              <a:blip r:embed="rId8"/>
               <a:stretch>
                 <a:fillRect/>
               </a:stretch>
             </p:blipFill>
             <p:spPr>
               <a:xfrm>
-                <a:off x="4563319" y="2835547"/>
+                <a:off x="939066" y="2749143"/>
                 <a:ext cx="197280" cy="178560"/>
               </a:xfrm>
               <a:prstGeom prst="rect">
@@ -5423,9 +5506,9 @@
           </p:pic>
         </mc:Fallback>
       </mc:AlternateContent>
-      <mc:AlternateContent xmlns:mc="http://schemas.openxmlformats.org/markup-compatibility/2006" xmlns:p14="http://schemas.microsoft.com/office/powerpoint/2010/main">
-        <mc:Choice Requires="p14">
-          <p:contentPart p14:bwMode="auto" r:id="rId8">
+      <mc:AlternateContent xmlns:mc="http://schemas.openxmlformats.org/markup-compatibility/2006">
+        <mc:Choice xmlns:p14="http://schemas.microsoft.com/office/powerpoint/2010/main" Requires="p14">
+          <p:contentPart p14:bwMode="auto" r:id="rId9">
             <p14:nvContentPartPr>
               <p14:cNvPr id="66" name="Ink 65">
                 <a:extLst>
@@ -5438,12 +5521,12 @@
               <p14:nvPr/>
             </p14:nvContentPartPr>
             <p14:xfrm>
-              <a:off x="4692845" y="2831290"/>
+              <a:off x="1068592" y="2744886"/>
               <a:ext cx="181080" cy="38520"/>
             </p14:xfrm>
           </p:contentPart>
         </mc:Choice>
-        <mc:Fallback xmlns="">
+        <mc:Fallback>
           <p:pic>
             <p:nvPicPr>
               <p:cNvPr id="66" name="Ink 65">
@@ -5457,15 +5540,15 @@
               <p:nvPr/>
             </p:nvPicPr>
             <p:blipFill>
-              <a:blip r:embed="rId9"/>
+              <a:blip r:embed="rId10"/>
               <a:stretch>
                 <a:fillRect/>
               </a:stretch>
             </p:blipFill>
             <p:spPr>
               <a:xfrm>
-                <a:off x="4630205" y="2768650"/>
-                <a:ext cx="306720" cy="164160"/>
+                <a:off x="1005592" y="2681292"/>
+                <a:ext cx="306720" cy="165345"/>
               </a:xfrm>
               <a:prstGeom prst="rect">
                 <a:avLst/>
@@ -5474,9 +5557,9 @@
           </p:pic>
         </mc:Fallback>
       </mc:AlternateContent>
-      <mc:AlternateContent xmlns:mc="http://schemas.openxmlformats.org/markup-compatibility/2006" xmlns:p14="http://schemas.microsoft.com/office/powerpoint/2010/main">
-        <mc:Choice Requires="p14">
-          <p:contentPart p14:bwMode="auto" r:id="rId10">
+      <mc:AlternateContent xmlns:mc="http://schemas.openxmlformats.org/markup-compatibility/2006">
+        <mc:Choice xmlns:p14="http://schemas.microsoft.com/office/powerpoint/2010/main" Requires="p14">
+          <p:contentPart p14:bwMode="auto" r:id="rId11">
             <p14:nvContentPartPr>
               <p14:cNvPr id="73" name="Ink 72">
                 <a:extLst>
@@ -5489,12 +5572,12 @@
               <p14:nvPr/>
             </p14:nvContentPartPr>
             <p14:xfrm>
-              <a:off x="4436850" y="2447570"/>
+              <a:off x="812597" y="2361166"/>
               <a:ext cx="564840" cy="97920"/>
             </p14:xfrm>
           </p:contentPart>
         </mc:Choice>
-        <mc:Fallback xmlns="">
+        <mc:Fallback>
           <p:pic>
             <p:nvPicPr>
               <p:cNvPr id="73" name="Ink 72">
@@ -5508,15 +5591,15 @@
               <p:nvPr/>
             </p:nvPicPr>
             <p:blipFill>
-              <a:blip r:embed="rId11"/>
+              <a:blip r:embed="rId12"/>
               <a:stretch>
                 <a:fillRect/>
               </a:stretch>
             </p:blipFill>
             <p:spPr>
               <a:xfrm>
-                <a:off x="4373850" y="2384570"/>
-                <a:ext cx="690480" cy="223560"/>
+                <a:off x="749637" y="2298166"/>
+                <a:ext cx="690400" cy="223560"/>
               </a:xfrm>
               <a:prstGeom prst="rect">
                 <a:avLst/>
@@ -5525,9 +5608,9 @@
           </p:pic>
         </mc:Fallback>
       </mc:AlternateContent>
-      <mc:AlternateContent xmlns:mc="http://schemas.openxmlformats.org/markup-compatibility/2006" xmlns:p14="http://schemas.microsoft.com/office/powerpoint/2010/main">
-        <mc:Choice Requires="p14">
-          <p:contentPart p14:bwMode="auto" r:id="rId12">
+      <mc:AlternateContent xmlns:mc="http://schemas.openxmlformats.org/markup-compatibility/2006">
+        <mc:Choice xmlns:p14="http://schemas.microsoft.com/office/powerpoint/2010/main" Requires="p14">
+          <p:contentPart p14:bwMode="auto" r:id="rId13">
             <p14:nvContentPartPr>
               <p14:cNvPr id="81" name="Ink 80">
                 <a:extLst>
@@ -5540,12 +5623,12 @@
               <p14:nvPr/>
             </p14:nvContentPartPr>
             <p14:xfrm>
-              <a:off x="4259730" y="2515610"/>
+              <a:off x="635477" y="2429206"/>
               <a:ext cx="504720" cy="149760"/>
             </p14:xfrm>
           </p:contentPart>
         </mc:Choice>
-        <mc:Fallback xmlns="">
+        <mc:Fallback>
           <p:pic>
             <p:nvPicPr>
               <p:cNvPr id="81" name="Ink 80">
@@ -5559,15 +5642,15 @@
               <p:nvPr/>
             </p:nvPicPr>
             <p:blipFill>
-              <a:blip r:embed="rId13"/>
+              <a:blip r:embed="rId14"/>
               <a:stretch>
                 <a:fillRect/>
               </a:stretch>
             </p:blipFill>
             <p:spPr>
               <a:xfrm>
-                <a:off x="4250730" y="2506970"/>
-                <a:ext cx="522360" cy="167400"/>
+                <a:off x="626483" y="2420206"/>
+                <a:ext cx="522347" cy="167400"/>
               </a:xfrm>
               <a:prstGeom prst="rect">
                 <a:avLst/>
@@ -5590,7 +5673,7 @@
         </p:nvGrpSpPr>
         <p:grpSpPr>
           <a:xfrm>
-            <a:off x="4243530" y="2525690"/>
+            <a:off x="619277" y="2439286"/>
             <a:ext cx="754200" cy="142200"/>
             <a:chOff x="4243530" y="2525690"/>
             <a:chExt cx="754200" cy="142200"/>
@@ -5598,7 +5681,7 @@
         </p:grpSpPr>
         <mc:AlternateContent xmlns:mc="http://schemas.openxmlformats.org/markup-compatibility/2006" xmlns:p14="http://schemas.microsoft.com/office/powerpoint/2010/main">
           <mc:Choice Requires="p14">
-            <p:contentPart p14:bwMode="auto" r:id="rId14">
+            <p:contentPart p14:bwMode="auto" r:id="rId15">
               <p14:nvContentPartPr>
                 <p14:cNvPr id="74" name="Ink 73">
                   <a:extLst>
@@ -5630,7 +5713,7 @@
                 <p:nvPr/>
               </p:nvPicPr>
               <p:blipFill>
-                <a:blip r:embed="rId15"/>
+                <a:blip r:embed="rId16"/>
                 <a:stretch>
                   <a:fillRect/>
                 </a:stretch>
@@ -5649,7 +5732,7 @@
         </mc:AlternateContent>
         <mc:AlternateContent xmlns:mc="http://schemas.openxmlformats.org/markup-compatibility/2006" xmlns:p14="http://schemas.microsoft.com/office/powerpoint/2010/main">
           <mc:Choice Requires="p14">
-            <p:contentPart p14:bwMode="auto" r:id="rId16">
+            <p:contentPart p14:bwMode="auto" r:id="rId17">
               <p14:nvContentPartPr>
                 <p14:cNvPr id="75" name="Ink 74">
                   <a:extLst>
@@ -5681,7 +5764,7 @@
                 <p:nvPr/>
               </p:nvPicPr>
               <p:blipFill>
-                <a:blip r:embed="rId17"/>
+                <a:blip r:embed="rId18"/>
                 <a:stretch>
                   <a:fillRect/>
                 </a:stretch>
@@ -5700,7 +5783,7 @@
         </mc:AlternateContent>
         <mc:AlternateContent xmlns:mc="http://schemas.openxmlformats.org/markup-compatibility/2006" xmlns:p14="http://schemas.microsoft.com/office/powerpoint/2010/main">
           <mc:Choice Requires="p14">
-            <p:contentPart p14:bwMode="auto" r:id="rId18">
+            <p:contentPart p14:bwMode="auto" r:id="rId19">
               <p14:nvContentPartPr>
                 <p14:cNvPr id="78" name="Ink 77">
                   <a:extLst>
@@ -5732,7 +5815,7 @@
                 <p:nvPr/>
               </p:nvPicPr>
               <p:blipFill>
-                <a:blip r:embed="rId19"/>
+                <a:blip r:embed="rId20"/>
                 <a:stretch>
                   <a:fillRect/>
                 </a:stretch>
@@ -5751,7 +5834,7 @@
         </mc:AlternateContent>
         <mc:AlternateContent xmlns:mc="http://schemas.openxmlformats.org/markup-compatibility/2006" xmlns:p14="http://schemas.microsoft.com/office/powerpoint/2010/main">
           <mc:Choice Requires="p14">
-            <p:contentPart p14:bwMode="auto" r:id="rId20">
+            <p:contentPart p14:bwMode="auto" r:id="rId21">
               <p14:nvContentPartPr>
                 <p14:cNvPr id="84" name="Ink 83">
                   <a:extLst>
@@ -5783,7 +5866,7 @@
                 <p:nvPr/>
               </p:nvPicPr>
               <p:blipFill>
-                <a:blip r:embed="rId21"/>
+                <a:blip r:embed="rId22"/>
                 <a:stretch>
                   <a:fillRect/>
                 </a:stretch>
@@ -5815,7 +5898,7 @@
         </p:nvGrpSpPr>
         <p:grpSpPr>
           <a:xfrm>
-            <a:off x="4619370" y="2790650"/>
+            <a:off x="995117" y="2704246"/>
             <a:ext cx="353880" cy="174600"/>
             <a:chOff x="4619370" y="2790650"/>
             <a:chExt cx="353880" cy="174600"/>
@@ -5823,7 +5906,7 @@
         </p:grpSpPr>
         <mc:AlternateContent xmlns:mc="http://schemas.openxmlformats.org/markup-compatibility/2006" xmlns:p14="http://schemas.microsoft.com/office/powerpoint/2010/main">
           <mc:Choice Requires="p14">
-            <p:contentPart p14:bwMode="auto" r:id="rId22">
+            <p:contentPart p14:bwMode="auto" r:id="rId23">
               <p14:nvContentPartPr>
                 <p14:cNvPr id="62" name="Ink 61">
                   <a:extLst>
@@ -5855,7 +5938,7 @@
                 <p:nvPr/>
               </p:nvPicPr>
               <p:blipFill>
-                <a:blip r:embed="rId23"/>
+                <a:blip r:embed="rId24"/>
                 <a:stretch>
                   <a:fillRect/>
                 </a:stretch>
@@ -5874,7 +5957,7 @@
         </mc:AlternateContent>
         <mc:AlternateContent xmlns:mc="http://schemas.openxmlformats.org/markup-compatibility/2006" xmlns:p14="http://schemas.microsoft.com/office/powerpoint/2010/main">
           <mc:Choice Requires="p14">
-            <p:contentPart p14:bwMode="auto" r:id="rId24">
+            <p:contentPart p14:bwMode="auto" r:id="rId25">
               <p14:nvContentPartPr>
                 <p14:cNvPr id="63" name="Ink 62">
                   <a:extLst>
@@ -5906,7 +5989,7 @@
                 <p:nvPr/>
               </p:nvPicPr>
               <p:blipFill>
-                <a:blip r:embed="rId25"/>
+                <a:blip r:embed="rId26"/>
                 <a:stretch>
                   <a:fillRect/>
                 </a:stretch>
@@ -5925,7 +6008,7 @@
         </mc:AlternateContent>
         <mc:AlternateContent xmlns:mc="http://schemas.openxmlformats.org/markup-compatibility/2006" xmlns:p14="http://schemas.microsoft.com/office/powerpoint/2010/main">
           <mc:Choice Requires="p14">
-            <p:contentPart p14:bwMode="auto" r:id="rId26">
+            <p:contentPart p14:bwMode="auto" r:id="rId27">
               <p14:nvContentPartPr>
                 <p14:cNvPr id="87" name="Ink 86">
                   <a:extLst>
@@ -5957,7 +6040,7 @@
                 <p:nvPr/>
               </p:nvPicPr>
               <p:blipFill>
-                <a:blip r:embed="rId27"/>
+                <a:blip r:embed="rId28"/>
                 <a:stretch>
                   <a:fillRect/>
                 </a:stretch>
@@ -5975,9 +6058,9 @@
           </mc:Fallback>
         </mc:AlternateContent>
       </p:grpSp>
-      <mc:AlternateContent xmlns:mc="http://schemas.openxmlformats.org/markup-compatibility/2006" xmlns:p14="http://schemas.microsoft.com/office/powerpoint/2010/main">
-        <mc:Choice Requires="p14">
-          <p:contentPart p14:bwMode="auto" r:id="rId28">
+      <mc:AlternateContent xmlns:mc="http://schemas.openxmlformats.org/markup-compatibility/2006">
+        <mc:Choice xmlns:p14="http://schemas.microsoft.com/office/powerpoint/2010/main" Requires="p14">
+          <p:contentPart p14:bwMode="auto" r:id="rId29">
             <p14:nvContentPartPr>
               <p14:cNvPr id="90" name="Ink 89">
                 <a:extLst>
@@ -5990,12 +6073,12 @@
               <p14:nvPr/>
             </p14:nvContentPartPr>
             <p14:xfrm>
-              <a:off x="4759050" y="3275570"/>
+              <a:off x="1134797" y="3189166"/>
               <a:ext cx="133560" cy="13680"/>
             </p14:xfrm>
           </p:contentPart>
         </mc:Choice>
-        <mc:Fallback xmlns="">
+        <mc:Fallback>
           <p:pic>
             <p:nvPicPr>
               <p:cNvPr id="90" name="Ink 89">
@@ -6009,14 +6092,14 @@
               <p:nvPr/>
             </p:nvPicPr>
             <p:blipFill>
-              <a:blip r:embed="rId29"/>
+              <a:blip r:embed="rId30"/>
               <a:stretch>
                 <a:fillRect/>
               </a:stretch>
             </p:blipFill>
             <p:spPr>
               <a:xfrm>
-                <a:off x="4696410" y="3212930"/>
+                <a:off x="1071797" y="3126166"/>
                 <a:ext cx="259200" cy="139320"/>
               </a:xfrm>
               <a:prstGeom prst="rect">
@@ -6026,9 +6109,9 @@
           </p:pic>
         </mc:Fallback>
       </mc:AlternateContent>
-      <mc:AlternateContent xmlns:mc="http://schemas.openxmlformats.org/markup-compatibility/2006" xmlns:p14="http://schemas.microsoft.com/office/powerpoint/2010/main">
-        <mc:Choice Requires="p14">
-          <p:contentPart p14:bwMode="auto" r:id="rId30">
+      <mc:AlternateContent xmlns:mc="http://schemas.openxmlformats.org/markup-compatibility/2006">
+        <mc:Choice xmlns:p14="http://schemas.microsoft.com/office/powerpoint/2010/main" Requires="p14">
+          <p:contentPart p14:bwMode="auto" r:id="rId31">
             <p14:nvContentPartPr>
               <p14:cNvPr id="91" name="Ink 90">
                 <a:extLst>
@@ -6041,12 +6124,12 @@
               <p14:nvPr/>
             </p14:nvContentPartPr>
             <p14:xfrm>
-              <a:off x="6068270" y="2427280"/>
+              <a:off x="2444017" y="2340876"/>
               <a:ext cx="282600" cy="492120"/>
             </p14:xfrm>
           </p:contentPart>
         </mc:Choice>
-        <mc:Fallback xmlns="">
+        <mc:Fallback>
           <p:pic>
             <p:nvPicPr>
               <p:cNvPr id="91" name="Ink 90">
@@ -6060,14 +6143,14 @@
               <p:nvPr/>
             </p:nvPicPr>
             <p:blipFill>
-              <a:blip r:embed="rId31"/>
+              <a:blip r:embed="rId32"/>
               <a:stretch>
                 <a:fillRect/>
               </a:stretch>
             </p:blipFill>
             <p:spPr>
               <a:xfrm>
-                <a:off x="6005270" y="2364640"/>
+                <a:off x="2381017" y="2277876"/>
                 <a:ext cx="408240" cy="617760"/>
               </a:xfrm>
               <a:prstGeom prst="rect">
@@ -6091,7 +6174,7 @@
         </p:nvGrpSpPr>
         <p:grpSpPr>
           <a:xfrm>
-            <a:off x="7595295" y="2212000"/>
+            <a:off x="3971042" y="2125596"/>
             <a:ext cx="72360" cy="339120"/>
             <a:chOff x="7595295" y="2212000"/>
             <a:chExt cx="72360" cy="339120"/>
@@ -6099,7 +6182,7 @@
         </p:grpSpPr>
         <mc:AlternateContent xmlns:mc="http://schemas.openxmlformats.org/markup-compatibility/2006" xmlns:p14="http://schemas.microsoft.com/office/powerpoint/2010/main">
           <mc:Choice Requires="p14">
-            <p:contentPart p14:bwMode="auto" r:id="rId32">
+            <p:contentPart p14:bwMode="auto" r:id="rId33">
               <p14:nvContentPartPr>
                 <p14:cNvPr id="92" name="Ink 91">
                   <a:extLst>
@@ -6131,7 +6214,7 @@
                 <p:nvPr/>
               </p:nvPicPr>
               <p:blipFill>
-                <a:blip r:embed="rId33"/>
+                <a:blip r:embed="rId34"/>
                 <a:stretch>
                   <a:fillRect/>
                 </a:stretch>
@@ -6150,7 +6233,7 @@
         </mc:AlternateContent>
         <mc:AlternateContent xmlns:mc="http://schemas.openxmlformats.org/markup-compatibility/2006" xmlns:p14="http://schemas.microsoft.com/office/powerpoint/2010/main">
           <mc:Choice Requires="p14">
-            <p:contentPart p14:bwMode="auto" r:id="rId34">
+            <p:contentPart p14:bwMode="auto" r:id="rId35">
               <p14:nvContentPartPr>
                 <p14:cNvPr id="93" name="Ink 92">
                   <a:extLst>
@@ -6182,7 +6265,7 @@
                 <p:nvPr/>
               </p:nvPicPr>
               <p:blipFill>
-                <a:blip r:embed="rId35"/>
+                <a:blip r:embed="rId36"/>
                 <a:stretch>
                   <a:fillRect/>
                 </a:stretch>
@@ -6214,7 +6297,7 @@
         </p:nvSpPr>
         <p:spPr>
           <a:xfrm>
-            <a:off x="4738870" y="1100873"/>
+            <a:off x="1114617" y="1014469"/>
             <a:ext cx="2396810" cy="830997"/>
           </a:xfrm>
           <a:prstGeom prst="rect">
@@ -6253,7 +6336,7 @@
           <p:nvPr/>
         </p:nvPicPr>
         <p:blipFill>
-          <a:blip r:embed="rId36">
+          <a:blip r:embed="rId37">
             <a:clrChange>
               <a:clrFrom>
                 <a:srgbClr val="FFFFFF"/>
@@ -6271,7 +6354,7 @@
         </p:blipFill>
         <p:spPr>
           <a:xfrm rot="20764348">
-            <a:off x="3345896" y="2065013"/>
+            <a:off x="-278357" y="1978610"/>
             <a:ext cx="4992529" cy="1302875"/>
           </a:xfrm>
           <a:prstGeom prst="rect">
@@ -6294,15 +6377,15 @@
           <p:nvPr/>
         </p:nvPicPr>
         <p:blipFill>
-          <a:blip r:embed="rId3"/>
+          <a:blip r:embed="rId4"/>
           <a:stretch>
             <a:fillRect/>
           </a:stretch>
         </p:blipFill>
         <p:spPr>
           <a:xfrm rot="5400000">
-            <a:off x="2253348" y="2716504"/>
-            <a:ext cx="2179033" cy="1630034"/>
+            <a:off x="-819831" y="3181176"/>
+            <a:ext cx="2179033" cy="527883"/>
           </a:xfrm>
           <a:prstGeom prst="rect">
             <a:avLst/>
@@ -6324,15 +6407,15 @@
           <p:nvPr/>
         </p:nvPicPr>
         <p:blipFill>
-          <a:blip r:embed="rId3"/>
+          <a:blip r:embed="rId4"/>
           <a:stretch>
             <a:fillRect/>
           </a:stretch>
         </p:blipFill>
         <p:spPr>
           <a:xfrm rot="5400000">
-            <a:off x="7386810" y="1927132"/>
-            <a:ext cx="2179033" cy="1630034"/>
+            <a:off x="3217886" y="2385401"/>
+            <a:ext cx="2179033" cy="540689"/>
           </a:xfrm>
           <a:prstGeom prst="rect">
             <a:avLst/>
@@ -6353,7 +6436,7 @@
         </p:nvSpPr>
         <p:spPr>
           <a:xfrm rot="5400000">
-            <a:off x="3918622" y="655482"/>
+            <a:off x="294369" y="569078"/>
             <a:ext cx="3983260" cy="3433845"/>
           </a:xfrm>
           <a:prstGeom prst="hexagon">
@@ -6401,6 +6484,321 @@
 </file>
 
 <file path=ppt/theme/theme1.xml><?xml version="1.0" encoding="utf-8"?>
+<a:theme xmlns:a="http://schemas.openxmlformats.org/drawingml/2006/main" name="Office Theme">
+  <a:themeElements>
+    <a:clrScheme name="Office Theme">
+      <a:dk1>
+        <a:sysClr val="windowText" lastClr="000000"/>
+      </a:dk1>
+      <a:lt1>
+        <a:sysClr val="window" lastClr="FFFFFF"/>
+      </a:lt1>
+      <a:dk2>
+        <a:srgbClr val="0E2841"/>
+      </a:dk2>
+      <a:lt2>
+        <a:srgbClr val="E8E8E8"/>
+      </a:lt2>
+      <a:accent1>
+        <a:srgbClr val="156082"/>
+      </a:accent1>
+      <a:accent2>
+        <a:srgbClr val="E97132"/>
+      </a:accent2>
+      <a:accent3>
+        <a:srgbClr val="196B24"/>
+      </a:accent3>
+      <a:accent4>
+        <a:srgbClr val="0F9ED5"/>
+      </a:accent4>
+      <a:accent5>
+        <a:srgbClr val="A02B93"/>
+      </a:accent5>
+      <a:accent6>
+        <a:srgbClr val="4EA72E"/>
+      </a:accent6>
+      <a:hlink>
+        <a:srgbClr val="467886"/>
+      </a:hlink>
+      <a:folHlink>
+        <a:srgbClr val="96607D"/>
+      </a:folHlink>
+    </a:clrScheme>
+    <a:fontScheme name="Office Theme">
+      <a:majorFont>
+        <a:latin typeface="Aptos Display" panose="02110004020202020204"/>
+        <a:ea typeface=""/>
+        <a:cs typeface=""/>
+        <a:font script="Jpan" typeface="游ゴシック Light"/>
+        <a:font script="Hang" typeface="맑은 고딕"/>
+        <a:font script="Hans" typeface="等线 Light"/>
+        <a:font script="Hant" typeface="新細明體"/>
+        <a:font script="Arab" typeface="Times New Roman"/>
+        <a:font script="Hebr" typeface="Times New Roman"/>
+        <a:font script="Thai" typeface="Angsana New"/>
+        <a:font script="Ethi" typeface="Nyala"/>
+        <a:font script="Beng" typeface="Vrinda"/>
+        <a:font script="Gujr" typeface="Shruti"/>
+        <a:font script="Khmr" typeface="MoolBoran"/>
+        <a:font script="Knda" typeface="Tunga"/>
+        <a:font script="Guru" typeface="Raavi"/>
+        <a:font script="Cans" typeface="Euphemia"/>
+        <a:font script="Cher" typeface="Plantagenet Cherokee"/>
+        <a:font script="Yiii" typeface="Microsoft Yi Baiti"/>
+        <a:font script="Tibt" typeface="Microsoft Himalaya"/>
+        <a:font script="Thaa" typeface="MV Boli"/>
+        <a:font script="Deva" typeface="Mangal"/>
+        <a:font script="Telu" typeface="Gautami"/>
+        <a:font script="Taml" typeface="Latha"/>
+        <a:font script="Syrc" typeface="Estrangelo Edessa"/>
+        <a:font script="Orya" typeface="Kalinga"/>
+        <a:font script="Mlym" typeface="Kartika"/>
+        <a:font script="Laoo" typeface="DokChampa"/>
+        <a:font script="Sinh" typeface="Iskoola Pota"/>
+        <a:font script="Mong" typeface="Mongolian Baiti"/>
+        <a:font script="Viet" typeface="Times New Roman"/>
+        <a:font script="Uigh" typeface="Microsoft Uighur"/>
+        <a:font script="Geor" typeface="Sylfaen"/>
+        <a:font script="Armn" typeface="Arial"/>
+        <a:font script="Bugi" typeface="Leelawadee UI"/>
+        <a:font script="Bopo" typeface="Microsoft JhengHei"/>
+        <a:font script="Java" typeface="Javanese Text"/>
+        <a:font script="Lisu" typeface="Segoe UI"/>
+        <a:font script="Mymr" typeface="Myanmar Text"/>
+        <a:font script="Nkoo" typeface="Ebrima"/>
+        <a:font script="Olck" typeface="Nirmala UI"/>
+        <a:font script="Osma" typeface="Ebrima"/>
+        <a:font script="Phag" typeface="Phagspa"/>
+        <a:font script="Syrn" typeface="Estrangelo Edessa"/>
+        <a:font script="Syrj" typeface="Estrangelo Edessa"/>
+        <a:font script="Syre" typeface="Estrangelo Edessa"/>
+        <a:font script="Sora" typeface="Nirmala UI"/>
+        <a:font script="Tale" typeface="Microsoft Tai Le"/>
+        <a:font script="Talu" typeface="Microsoft New Tai Lue"/>
+        <a:font script="Tfng" typeface="Ebrima"/>
+      </a:majorFont>
+      <a:minorFont>
+        <a:latin typeface="Aptos" panose="02110004020202020204"/>
+        <a:ea typeface=""/>
+        <a:cs typeface=""/>
+        <a:font script="Jpan" typeface="游ゴシック"/>
+        <a:font script="Hang" typeface="맑은 고딕"/>
+        <a:font script="Hans" typeface="等线"/>
+        <a:font script="Hant" typeface="新細明體"/>
+        <a:font script="Arab" typeface="Arial"/>
+        <a:font script="Hebr" typeface="Arial"/>
+        <a:font script="Thai" typeface="Cordia New"/>
+        <a:font script="Ethi" typeface="Nyala"/>
+        <a:font script="Beng" typeface="Vrinda"/>
+        <a:font script="Gujr" typeface="Shruti"/>
+        <a:font script="Khmr" typeface="DaunPenh"/>
+        <a:font script="Knda" typeface="Tunga"/>
+        <a:font script="Guru" typeface="Raavi"/>
+        <a:font script="Cans" typeface="Euphemia"/>
+        <a:font script="Cher" typeface="Plantagenet Cherokee"/>
+        <a:font script="Yiii" typeface="Microsoft Yi Baiti"/>
+        <a:font script="Tibt" typeface="Microsoft Himalaya"/>
+        <a:font script="Thaa" typeface="MV Boli"/>
+        <a:font script="Deva" typeface="Mangal"/>
+        <a:font script="Telu" typeface="Gautami"/>
+        <a:font script="Taml" typeface="Latha"/>
+        <a:font script="Syrc" typeface="Estrangelo Edessa"/>
+        <a:font script="Orya" typeface="Kalinga"/>
+        <a:font script="Mlym" typeface="Kartika"/>
+        <a:font script="Laoo" typeface="DokChampa"/>
+        <a:font script="Sinh" typeface="Iskoola Pota"/>
+        <a:font script="Mong" typeface="Mongolian Baiti"/>
+        <a:font script="Viet" typeface="Arial"/>
+        <a:font script="Uigh" typeface="Microsoft Uighur"/>
+        <a:font script="Geor" typeface="Sylfaen"/>
+        <a:font script="Armn" typeface="Arial"/>
+        <a:font script="Bugi" typeface="Leelawadee UI"/>
+        <a:font script="Bopo" typeface="Microsoft JhengHei"/>
+        <a:font script="Java" typeface="Javanese Text"/>
+        <a:font script="Lisu" typeface="Segoe UI"/>
+        <a:font script="Mymr" typeface="Myanmar Text"/>
+        <a:font script="Nkoo" typeface="Ebrima"/>
+        <a:font script="Olck" typeface="Nirmala UI"/>
+        <a:font script="Osma" typeface="Ebrima"/>
+        <a:font script="Phag" typeface="Phagspa"/>
+        <a:font script="Syrn" typeface="Estrangelo Edessa"/>
+        <a:font script="Syrj" typeface="Estrangelo Edessa"/>
+        <a:font script="Syre" typeface="Estrangelo Edessa"/>
+        <a:font script="Sora" typeface="Nirmala UI"/>
+        <a:font script="Tale" typeface="Microsoft Tai Le"/>
+        <a:font script="Talu" typeface="Microsoft New Tai Lue"/>
+        <a:font script="Tfng" typeface="Ebrima"/>
+      </a:minorFont>
+    </a:fontScheme>
+    <a:fmtScheme name="Office Theme">
+      <a:fillStyleLst>
+        <a:solidFill>
+          <a:schemeClr val="phClr"/>
+        </a:solidFill>
+        <a:gradFill rotWithShape="1">
+          <a:gsLst>
+            <a:gs pos="0">
+              <a:schemeClr val="phClr">
+                <a:lumMod val="110000"/>
+                <a:satMod val="105000"/>
+                <a:tint val="67000"/>
+              </a:schemeClr>
+            </a:gs>
+            <a:gs pos="50000">
+              <a:schemeClr val="phClr">
+                <a:lumMod val="105000"/>
+                <a:satMod val="103000"/>
+                <a:tint val="73000"/>
+              </a:schemeClr>
+            </a:gs>
+            <a:gs pos="100000">
+              <a:schemeClr val="phClr">
+                <a:lumMod val="105000"/>
+                <a:satMod val="109000"/>
+                <a:tint val="81000"/>
+              </a:schemeClr>
+            </a:gs>
+          </a:gsLst>
+          <a:lin ang="5400000" scaled="0"/>
+        </a:gradFill>
+        <a:gradFill rotWithShape="1">
+          <a:gsLst>
+            <a:gs pos="0">
+              <a:schemeClr val="phClr">
+                <a:satMod val="103000"/>
+                <a:lumMod val="102000"/>
+                <a:tint val="94000"/>
+              </a:schemeClr>
+            </a:gs>
+            <a:gs pos="50000">
+              <a:schemeClr val="phClr">
+                <a:satMod val="110000"/>
+                <a:lumMod val="100000"/>
+                <a:shade val="100000"/>
+              </a:schemeClr>
+            </a:gs>
+            <a:gs pos="100000">
+              <a:schemeClr val="phClr">
+                <a:lumMod val="99000"/>
+                <a:satMod val="120000"/>
+                <a:shade val="78000"/>
+              </a:schemeClr>
+            </a:gs>
+          </a:gsLst>
+          <a:lin ang="5400000" scaled="0"/>
+        </a:gradFill>
+      </a:fillStyleLst>
+      <a:lnStyleLst>
+        <a:ln w="12700" cap="flat" cmpd="sng" algn="ctr">
+          <a:solidFill>
+            <a:schemeClr val="phClr"/>
+          </a:solidFill>
+          <a:prstDash val="solid"/>
+          <a:miter lim="800000"/>
+        </a:ln>
+        <a:ln w="19050" cap="flat" cmpd="sng" algn="ctr">
+          <a:solidFill>
+            <a:schemeClr val="phClr"/>
+          </a:solidFill>
+          <a:prstDash val="solid"/>
+          <a:miter lim="800000"/>
+        </a:ln>
+        <a:ln w="25400" cap="flat" cmpd="sng" algn="ctr">
+          <a:solidFill>
+            <a:schemeClr val="phClr"/>
+          </a:solidFill>
+          <a:prstDash val="solid"/>
+          <a:miter lim="800000"/>
+        </a:ln>
+      </a:lnStyleLst>
+      <a:effectStyleLst>
+        <a:effectStyle>
+          <a:effectLst/>
+        </a:effectStyle>
+        <a:effectStyle>
+          <a:effectLst/>
+        </a:effectStyle>
+        <a:effectStyle>
+          <a:effectLst>
+            <a:outerShdw blurRad="57150" dist="19050" dir="5400000" algn="ctr" rotWithShape="0">
+              <a:srgbClr val="000000">
+                <a:alpha val="63000"/>
+              </a:srgbClr>
+            </a:outerShdw>
+          </a:effectLst>
+        </a:effectStyle>
+      </a:effectStyleLst>
+      <a:bgFillStyleLst>
+        <a:solidFill>
+          <a:schemeClr val="phClr"/>
+        </a:solidFill>
+        <a:solidFill>
+          <a:schemeClr val="phClr">
+            <a:tint val="95000"/>
+            <a:satMod val="170000"/>
+          </a:schemeClr>
+        </a:solidFill>
+        <a:gradFill rotWithShape="1">
+          <a:gsLst>
+            <a:gs pos="0">
+              <a:schemeClr val="phClr">
+                <a:tint val="93000"/>
+                <a:satMod val="150000"/>
+                <a:shade val="98000"/>
+                <a:lumMod val="102000"/>
+              </a:schemeClr>
+            </a:gs>
+            <a:gs pos="50000">
+              <a:schemeClr val="phClr">
+                <a:tint val="98000"/>
+                <a:satMod val="130000"/>
+                <a:shade val="90000"/>
+                <a:lumMod val="103000"/>
+              </a:schemeClr>
+            </a:gs>
+            <a:gs pos="100000">
+              <a:schemeClr val="phClr">
+                <a:shade val="63000"/>
+                <a:satMod val="120000"/>
+              </a:schemeClr>
+            </a:gs>
+          </a:gsLst>
+          <a:lin ang="5400000" scaled="0"/>
+        </a:gradFill>
+      </a:bgFillStyleLst>
+    </a:fmtScheme>
+  </a:themeElements>
+  <a:objectDefaults>
+    <a:lnDef>
+      <a:spPr/>
+      <a:bodyPr/>
+      <a:lstStyle/>
+      <a:style>
+        <a:lnRef idx="2">
+          <a:schemeClr val="accent1"/>
+        </a:lnRef>
+        <a:fillRef idx="0">
+          <a:schemeClr val="accent1"/>
+        </a:fillRef>
+        <a:effectRef idx="1">
+          <a:schemeClr val="accent1"/>
+        </a:effectRef>
+        <a:fontRef idx="minor">
+          <a:schemeClr val="tx1"/>
+        </a:fontRef>
+      </a:style>
+    </a:lnDef>
+  </a:objectDefaults>
+  <a:extraClrSchemeLst/>
+  <a:extLst>
+    <a:ext uri="{05A4C25C-085E-4340-85A3-A5531E510DB2}">
+      <thm15:themeFamily xmlns:thm15="http://schemas.microsoft.com/office/thememl/2012/main" name="Office Theme" id="{2E142A2C-CD16-42D6-873A-C26D2A0506FA}" vid="{1BDDFF52-6CD6-40A5-AB3C-68EB2F1E4D0A}"/>
+    </a:ext>
+  </a:extLst>
+</a:theme>
+</file>
+
+<file path=ppt/theme/theme2.xml><?xml version="1.0" encoding="utf-8"?>
 <a:theme xmlns:a="http://schemas.openxmlformats.org/drawingml/2006/main" name="Office Theme">
   <a:themeElements>
     <a:clrScheme name="Office">
